--- a/Workshops/Git Intro.pptx
+++ b/Workshops/Git Intro.pptx
@@ -5,13 +5,28 @@
     <p:sldMasterId id="2147483648" r:id="rId1"/>
   </p:sldMasterIdLst>
   <p:notesMasterIdLst>
-    <p:notesMasterId r:id="rId6"/>
+    <p:notesMasterId r:id="rId21"/>
   </p:notesMasterIdLst>
   <p:sldIdLst>
     <p:sldId id="256" r:id="rId2"/>
     <p:sldId id="257" r:id="rId3"/>
-    <p:sldId id="258" r:id="rId4"/>
-    <p:sldId id="259" r:id="rId5"/>
+    <p:sldId id="261" r:id="rId4"/>
+    <p:sldId id="258" r:id="rId5"/>
+    <p:sldId id="259" r:id="rId6"/>
+    <p:sldId id="260" r:id="rId7"/>
+    <p:sldId id="265" r:id="rId8"/>
+    <p:sldId id="266" r:id="rId9"/>
+    <p:sldId id="267" r:id="rId10"/>
+    <p:sldId id="262" r:id="rId11"/>
+    <p:sldId id="263" r:id="rId12"/>
+    <p:sldId id="264" r:id="rId13"/>
+    <p:sldId id="268" r:id="rId14"/>
+    <p:sldId id="269" r:id="rId15"/>
+    <p:sldId id="270" r:id="rId16"/>
+    <p:sldId id="271" r:id="rId17"/>
+    <p:sldId id="272" r:id="rId18"/>
+    <p:sldId id="273" r:id="rId19"/>
+    <p:sldId id="274" r:id="rId20"/>
   </p:sldIdLst>
   <p:sldSz cx="12192000" cy="6858000"/>
   <p:notesSz cx="6858000" cy="9144000"/>
@@ -211,7 +226,7 @@
           <a:p>
             <a:fld id="{B20A1C99-0E2F-0548-A15B-2D1809D1E4CF}" type="datetimeFigureOut">
               <a:rPr lang="en-US" smtClean="0"/>
-              <a:t>9/9/19</a:t>
+              <a:t>9/10/2019</a:t>
             </a:fld>
             <a:endParaRPr lang="en-US"/>
           </a:p>
@@ -592,6 +607,1942 @@
 </p:notes>
 </file>
 
+<file path=ppt/notesSlides/notesSlide10.xml><?xml version="1.0" encoding="utf-8"?>
+<p:notes xmlns:a="http://schemas.openxmlformats.org/drawingml/2006/main" xmlns:r="http://schemas.openxmlformats.org/officeDocument/2006/relationships" xmlns:p="http://schemas.openxmlformats.org/presentationml/2006/main">
+  <p:cSld>
+    <p:spTree>
+      <p:nvGrpSpPr>
+        <p:cNvPr id="1" name=""/>
+        <p:cNvGrpSpPr/>
+        <p:nvPr/>
+      </p:nvGrpSpPr>
+      <p:grpSpPr>
+        <a:xfrm>
+          <a:off x="0" y="0"/>
+          <a:ext cx="0" cy="0"/>
+          <a:chOff x="0" y="0"/>
+          <a:chExt cx="0" cy="0"/>
+        </a:xfrm>
+      </p:grpSpPr>
+      <p:sp>
+        <p:nvSpPr>
+          <p:cNvPr id="2" name="Slide Image Placeholder 1"/>
+          <p:cNvSpPr>
+            <a:spLocks noGrp="1" noRot="1" noChangeAspect="1"/>
+          </p:cNvSpPr>
+          <p:nvPr>
+            <p:ph type="sldImg"/>
+          </p:nvPr>
+        </p:nvSpPr>
+        <p:spPr/>
+      </p:sp>
+      <p:sp>
+        <p:nvSpPr>
+          <p:cNvPr id="3" name="Notes Placeholder 2"/>
+          <p:cNvSpPr>
+            <a:spLocks noGrp="1"/>
+          </p:cNvSpPr>
+          <p:nvPr>
+            <p:ph type="body" idx="1"/>
+          </p:nvPr>
+        </p:nvSpPr>
+        <p:spPr/>
+        <p:txBody>
+          <a:bodyPr/>
+          <a:lstStyle/>
+          <a:p>
+            <a:pPr marL="171450" indent="-171450">
+              <a:buFont typeface="Arial" panose="020B0604020202020204" pitchFamily="34" charset="0"/>
+              <a:buChar char="•"/>
+            </a:pPr>
+            <a:r>
+              <a:rPr lang="en-NZ" dirty="0" smtClean="0"/>
+              <a:t>There are other commands</a:t>
+            </a:r>
+            <a:r>
+              <a:rPr lang="en-NZ" baseline="0" dirty="0" smtClean="0"/>
+              <a:t> that we can use to add a file or files to the staging area</a:t>
+            </a:r>
+            <a:endParaRPr lang="en-NZ" dirty="0" smtClean="0"/>
+          </a:p>
+          <a:p>
+            <a:pPr marL="171450" indent="-171450">
+              <a:buFont typeface="Arial" panose="020B0604020202020204" pitchFamily="34" charset="0"/>
+              <a:buChar char="•"/>
+            </a:pPr>
+            <a:r>
+              <a:rPr lang="en-NZ" dirty="0" smtClean="0"/>
+              <a:t>Changed </a:t>
+            </a:r>
+            <a:r>
+              <a:rPr lang="en-NZ" dirty="0" smtClean="0"/>
+              <a:t>files – new</a:t>
+            </a:r>
+            <a:r>
+              <a:rPr lang="en-NZ" baseline="0" dirty="0" smtClean="0"/>
+              <a:t>, modified and deleted files</a:t>
+            </a:r>
+            <a:endParaRPr lang="en-NZ" dirty="0"/>
+          </a:p>
+        </p:txBody>
+      </p:sp>
+      <p:sp>
+        <p:nvSpPr>
+          <p:cNvPr id="4" name="Slide Number Placeholder 3"/>
+          <p:cNvSpPr>
+            <a:spLocks noGrp="1"/>
+          </p:cNvSpPr>
+          <p:nvPr>
+            <p:ph type="sldNum" sz="quarter" idx="10"/>
+          </p:nvPr>
+        </p:nvSpPr>
+        <p:spPr/>
+        <p:txBody>
+          <a:bodyPr/>
+          <a:lstStyle/>
+          <a:p>
+            <a:fld id="{12FF5A28-F489-364E-AEDB-387A53AA762A}" type="slidenum">
+              <a:rPr lang="en-US" smtClean="0"/>
+              <a:t>12</a:t>
+            </a:fld>
+            <a:endParaRPr lang="en-US"/>
+          </a:p>
+        </p:txBody>
+      </p:sp>
+    </p:spTree>
+    <p:extLst>
+      <p:ext uri="{BB962C8B-B14F-4D97-AF65-F5344CB8AC3E}">
+        <p14:creationId xmlns:p14="http://schemas.microsoft.com/office/powerpoint/2010/main" val="3436096025"/>
+      </p:ext>
+    </p:extLst>
+  </p:cSld>
+  <p:clrMapOvr>
+    <a:masterClrMapping/>
+  </p:clrMapOvr>
+</p:notes>
+</file>
+
+<file path=ppt/notesSlides/notesSlide11.xml><?xml version="1.0" encoding="utf-8"?>
+<p:notes xmlns:a="http://schemas.openxmlformats.org/drawingml/2006/main" xmlns:r="http://schemas.openxmlformats.org/officeDocument/2006/relationships" xmlns:p="http://schemas.openxmlformats.org/presentationml/2006/main">
+  <p:cSld>
+    <p:spTree>
+      <p:nvGrpSpPr>
+        <p:cNvPr id="1" name=""/>
+        <p:cNvGrpSpPr/>
+        <p:nvPr/>
+      </p:nvGrpSpPr>
+      <p:grpSpPr>
+        <a:xfrm>
+          <a:off x="0" y="0"/>
+          <a:ext cx="0" cy="0"/>
+          <a:chOff x="0" y="0"/>
+          <a:chExt cx="0" cy="0"/>
+        </a:xfrm>
+      </p:grpSpPr>
+      <p:sp>
+        <p:nvSpPr>
+          <p:cNvPr id="2" name="Slide Image Placeholder 1"/>
+          <p:cNvSpPr>
+            <a:spLocks noGrp="1" noRot="1" noChangeAspect="1"/>
+          </p:cNvSpPr>
+          <p:nvPr>
+            <p:ph type="sldImg"/>
+          </p:nvPr>
+        </p:nvSpPr>
+        <p:spPr/>
+      </p:sp>
+      <p:sp>
+        <p:nvSpPr>
+          <p:cNvPr id="3" name="Notes Placeholder 2"/>
+          <p:cNvSpPr>
+            <a:spLocks noGrp="1"/>
+          </p:cNvSpPr>
+          <p:nvPr>
+            <p:ph type="body" idx="1"/>
+          </p:nvPr>
+        </p:nvSpPr>
+        <p:spPr/>
+        <p:txBody>
+          <a:bodyPr/>
+          <a:lstStyle/>
+          <a:p>
+            <a:pPr marL="171450" indent="-171450">
+              <a:buFont typeface="Arial" panose="020B0604020202020204" pitchFamily="34" charset="0"/>
+              <a:buChar char="•"/>
+            </a:pPr>
+            <a:r>
+              <a:rPr lang="en-NZ" b="0" dirty="0" smtClean="0"/>
+              <a:t>To</a:t>
+            </a:r>
+            <a:r>
+              <a:rPr lang="en-NZ" b="0" baseline="0" dirty="0" smtClean="0"/>
+              <a:t> commit staged file(s), we can type </a:t>
+            </a:r>
+            <a:r>
+              <a:rPr lang="en-NZ" b="1" i="1" baseline="0" dirty="0" smtClean="0"/>
+              <a:t>git commit –m “&lt;message&gt;”</a:t>
+            </a:r>
+          </a:p>
+          <a:p>
+            <a:pPr marL="171450" indent="-171450">
+              <a:buFont typeface="Arial" panose="020B0604020202020204" pitchFamily="34" charset="0"/>
+              <a:buChar char="•"/>
+            </a:pPr>
+            <a:r>
+              <a:rPr lang="en-NZ" b="0" baseline="0" dirty="0" smtClean="0"/>
+              <a:t>The </a:t>
+            </a:r>
+            <a:r>
+              <a:rPr lang="en-NZ" b="1" i="1" baseline="0" dirty="0" smtClean="0"/>
+              <a:t>–m </a:t>
+            </a:r>
+            <a:r>
+              <a:rPr lang="en-NZ" b="0" baseline="0" dirty="0" smtClean="0"/>
+              <a:t>flag means message</a:t>
+            </a:r>
+          </a:p>
+          <a:p>
+            <a:pPr marL="171450" indent="-171450">
+              <a:buFont typeface="Arial" panose="020B0604020202020204" pitchFamily="34" charset="0"/>
+              <a:buChar char="•"/>
+            </a:pPr>
+            <a:r>
+              <a:rPr lang="en-NZ" b="0" baseline="0" dirty="0" smtClean="0"/>
+              <a:t>Make sure that you have enclosed your message in double quotes</a:t>
+            </a:r>
+            <a:endParaRPr lang="en-NZ" b="0" dirty="0"/>
+          </a:p>
+        </p:txBody>
+      </p:sp>
+      <p:sp>
+        <p:nvSpPr>
+          <p:cNvPr id="4" name="Slide Number Placeholder 3"/>
+          <p:cNvSpPr>
+            <a:spLocks noGrp="1"/>
+          </p:cNvSpPr>
+          <p:nvPr>
+            <p:ph type="sldNum" sz="quarter" idx="10"/>
+          </p:nvPr>
+        </p:nvSpPr>
+        <p:spPr/>
+        <p:txBody>
+          <a:bodyPr/>
+          <a:lstStyle/>
+          <a:p>
+            <a:fld id="{12FF5A28-F489-364E-AEDB-387A53AA762A}" type="slidenum">
+              <a:rPr lang="en-US" smtClean="0"/>
+              <a:t>13</a:t>
+            </a:fld>
+            <a:endParaRPr lang="en-US"/>
+          </a:p>
+        </p:txBody>
+      </p:sp>
+    </p:spTree>
+    <p:extLst>
+      <p:ext uri="{BB962C8B-B14F-4D97-AF65-F5344CB8AC3E}">
+        <p14:creationId xmlns:p14="http://schemas.microsoft.com/office/powerpoint/2010/main" val="1209304133"/>
+      </p:ext>
+    </p:extLst>
+  </p:cSld>
+  <p:clrMapOvr>
+    <a:masterClrMapping/>
+  </p:clrMapOvr>
+</p:notes>
+</file>
+
+<file path=ppt/notesSlides/notesSlide12.xml><?xml version="1.0" encoding="utf-8"?>
+<p:notes xmlns:a="http://schemas.openxmlformats.org/drawingml/2006/main" xmlns:r="http://schemas.openxmlformats.org/officeDocument/2006/relationships" xmlns:p="http://schemas.openxmlformats.org/presentationml/2006/main">
+  <p:cSld>
+    <p:spTree>
+      <p:nvGrpSpPr>
+        <p:cNvPr id="1" name=""/>
+        <p:cNvGrpSpPr/>
+        <p:nvPr/>
+      </p:nvGrpSpPr>
+      <p:grpSpPr>
+        <a:xfrm>
+          <a:off x="0" y="0"/>
+          <a:ext cx="0" cy="0"/>
+          <a:chOff x="0" y="0"/>
+          <a:chExt cx="0" cy="0"/>
+        </a:xfrm>
+      </p:grpSpPr>
+      <p:sp>
+        <p:nvSpPr>
+          <p:cNvPr id="2" name="Slide Image Placeholder 1"/>
+          <p:cNvSpPr>
+            <a:spLocks noGrp="1" noRot="1" noChangeAspect="1"/>
+          </p:cNvSpPr>
+          <p:nvPr>
+            <p:ph type="sldImg"/>
+          </p:nvPr>
+        </p:nvSpPr>
+        <p:spPr/>
+      </p:sp>
+      <p:sp>
+        <p:nvSpPr>
+          <p:cNvPr id="3" name="Notes Placeholder 2"/>
+          <p:cNvSpPr>
+            <a:spLocks noGrp="1"/>
+          </p:cNvSpPr>
+          <p:nvPr>
+            <p:ph type="body" idx="1"/>
+          </p:nvPr>
+        </p:nvSpPr>
+        <p:spPr/>
+        <p:txBody>
+          <a:bodyPr/>
+          <a:lstStyle/>
+          <a:p>
+            <a:pPr marL="171450" indent="-171450">
+              <a:buFont typeface="Arial" panose="020B0604020202020204" pitchFamily="34" charset="0"/>
+              <a:buChar char="•"/>
+            </a:pPr>
+            <a:r>
+              <a:rPr lang="en-NZ" b="0" dirty="0" smtClean="0"/>
+              <a:t>Familiarise</a:t>
+            </a:r>
+            <a:r>
+              <a:rPr lang="en-NZ" b="0" baseline="0" dirty="0" smtClean="0"/>
+              <a:t> yourself with the statuses – this example doesn’t tell us much</a:t>
+            </a:r>
+          </a:p>
+          <a:p>
+            <a:pPr marL="171450" indent="-171450">
+              <a:buFont typeface="Arial" panose="020B0604020202020204" pitchFamily="34" charset="0"/>
+              <a:buChar char="•"/>
+            </a:pPr>
+            <a:r>
+              <a:rPr lang="en-NZ" b="0" baseline="0" dirty="0" smtClean="0"/>
+              <a:t>You can almost guarantee there are no conflicts</a:t>
+            </a:r>
+            <a:endParaRPr lang="en-NZ" b="0" dirty="0"/>
+          </a:p>
+        </p:txBody>
+      </p:sp>
+      <p:sp>
+        <p:nvSpPr>
+          <p:cNvPr id="4" name="Slide Number Placeholder 3"/>
+          <p:cNvSpPr>
+            <a:spLocks noGrp="1"/>
+          </p:cNvSpPr>
+          <p:nvPr>
+            <p:ph type="sldNum" sz="quarter" idx="10"/>
+          </p:nvPr>
+        </p:nvSpPr>
+        <p:spPr/>
+        <p:txBody>
+          <a:bodyPr/>
+          <a:lstStyle/>
+          <a:p>
+            <a:fld id="{12FF5A28-F489-364E-AEDB-387A53AA762A}" type="slidenum">
+              <a:rPr lang="en-US" smtClean="0"/>
+              <a:t>14</a:t>
+            </a:fld>
+            <a:endParaRPr lang="en-US"/>
+          </a:p>
+        </p:txBody>
+      </p:sp>
+    </p:spTree>
+    <p:extLst>
+      <p:ext uri="{BB962C8B-B14F-4D97-AF65-F5344CB8AC3E}">
+        <p14:creationId xmlns:p14="http://schemas.microsoft.com/office/powerpoint/2010/main" val="2457061585"/>
+      </p:ext>
+    </p:extLst>
+  </p:cSld>
+  <p:clrMapOvr>
+    <a:masterClrMapping/>
+  </p:clrMapOvr>
+</p:notes>
+</file>
+
+<file path=ppt/notesSlides/notesSlide13.xml><?xml version="1.0" encoding="utf-8"?>
+<p:notes xmlns:a="http://schemas.openxmlformats.org/drawingml/2006/main" xmlns:r="http://schemas.openxmlformats.org/officeDocument/2006/relationships" xmlns:p="http://schemas.openxmlformats.org/presentationml/2006/main">
+  <p:cSld>
+    <p:spTree>
+      <p:nvGrpSpPr>
+        <p:cNvPr id="1" name=""/>
+        <p:cNvGrpSpPr/>
+        <p:nvPr/>
+      </p:nvGrpSpPr>
+      <p:grpSpPr>
+        <a:xfrm>
+          <a:off x="0" y="0"/>
+          <a:ext cx="0" cy="0"/>
+          <a:chOff x="0" y="0"/>
+          <a:chExt cx="0" cy="0"/>
+        </a:xfrm>
+      </p:grpSpPr>
+      <p:sp>
+        <p:nvSpPr>
+          <p:cNvPr id="2" name="Slide Image Placeholder 1"/>
+          <p:cNvSpPr>
+            <a:spLocks noGrp="1" noRot="1" noChangeAspect="1"/>
+          </p:cNvSpPr>
+          <p:nvPr>
+            <p:ph type="sldImg"/>
+          </p:nvPr>
+        </p:nvSpPr>
+        <p:spPr/>
+      </p:sp>
+      <p:sp>
+        <p:nvSpPr>
+          <p:cNvPr id="3" name="Notes Placeholder 2"/>
+          <p:cNvSpPr>
+            <a:spLocks noGrp="1"/>
+          </p:cNvSpPr>
+          <p:nvPr>
+            <p:ph type="body" idx="1"/>
+          </p:nvPr>
+        </p:nvSpPr>
+        <p:spPr/>
+        <p:txBody>
+          <a:bodyPr/>
+          <a:lstStyle/>
+          <a:p>
+            <a:pPr marL="171450" indent="-171450">
+              <a:buFont typeface="Arial" panose="020B0604020202020204" pitchFamily="34" charset="0"/>
+              <a:buChar char="•"/>
+            </a:pPr>
+            <a:r>
+              <a:rPr lang="en-NZ" b="0" dirty="0" smtClean="0"/>
+              <a:t>Last</a:t>
+            </a:r>
+            <a:r>
+              <a:rPr lang="en-NZ" b="0" baseline="0" dirty="0" smtClean="0"/>
+              <a:t> and the most important step is pushing our committed file(s) to the remote repository</a:t>
+            </a:r>
+          </a:p>
+          <a:p>
+            <a:pPr marL="171450" indent="-171450">
+              <a:buFont typeface="Arial" panose="020B0604020202020204" pitchFamily="34" charset="0"/>
+              <a:buChar char="•"/>
+            </a:pPr>
+            <a:r>
+              <a:rPr lang="en-NZ" b="0" baseline="0" dirty="0" smtClean="0"/>
+              <a:t>We can type </a:t>
+            </a:r>
+            <a:r>
+              <a:rPr lang="en-NZ" b="1" i="1" baseline="0" dirty="0" smtClean="0"/>
+              <a:t>git push </a:t>
+            </a:r>
+            <a:r>
+              <a:rPr lang="en-NZ" b="0" baseline="0" dirty="0" smtClean="0"/>
+              <a:t>or if we want to be safe </a:t>
+            </a:r>
+            <a:r>
+              <a:rPr lang="en-NZ" b="1" i="1" baseline="0" dirty="0" smtClean="0"/>
+              <a:t>git push origin master</a:t>
+            </a:r>
+            <a:endParaRPr lang="en-NZ" b="1" i="1" dirty="0"/>
+          </a:p>
+        </p:txBody>
+      </p:sp>
+      <p:sp>
+        <p:nvSpPr>
+          <p:cNvPr id="4" name="Slide Number Placeholder 3"/>
+          <p:cNvSpPr>
+            <a:spLocks noGrp="1"/>
+          </p:cNvSpPr>
+          <p:nvPr>
+            <p:ph type="sldNum" sz="quarter" idx="10"/>
+          </p:nvPr>
+        </p:nvSpPr>
+        <p:spPr/>
+        <p:txBody>
+          <a:bodyPr/>
+          <a:lstStyle/>
+          <a:p>
+            <a:fld id="{12FF5A28-F489-364E-AEDB-387A53AA762A}" type="slidenum">
+              <a:rPr lang="en-US" smtClean="0"/>
+              <a:t>15</a:t>
+            </a:fld>
+            <a:endParaRPr lang="en-US"/>
+          </a:p>
+        </p:txBody>
+      </p:sp>
+    </p:spTree>
+    <p:extLst>
+      <p:ext uri="{BB962C8B-B14F-4D97-AF65-F5344CB8AC3E}">
+        <p14:creationId xmlns:p14="http://schemas.microsoft.com/office/powerpoint/2010/main" val="4249669257"/>
+      </p:ext>
+    </p:extLst>
+  </p:cSld>
+  <p:clrMapOvr>
+    <a:masterClrMapping/>
+  </p:clrMapOvr>
+</p:notes>
+</file>
+
+<file path=ppt/notesSlides/notesSlide14.xml><?xml version="1.0" encoding="utf-8"?>
+<p:notes xmlns:a="http://schemas.openxmlformats.org/drawingml/2006/main" xmlns:r="http://schemas.openxmlformats.org/officeDocument/2006/relationships" xmlns:p="http://schemas.openxmlformats.org/presentationml/2006/main">
+  <p:cSld>
+    <p:spTree>
+      <p:nvGrpSpPr>
+        <p:cNvPr id="1" name=""/>
+        <p:cNvGrpSpPr/>
+        <p:nvPr/>
+      </p:nvGrpSpPr>
+      <p:grpSpPr>
+        <a:xfrm>
+          <a:off x="0" y="0"/>
+          <a:ext cx="0" cy="0"/>
+          <a:chOff x="0" y="0"/>
+          <a:chExt cx="0" cy="0"/>
+        </a:xfrm>
+      </p:grpSpPr>
+      <p:sp>
+        <p:nvSpPr>
+          <p:cNvPr id="2" name="Slide Image Placeholder 1"/>
+          <p:cNvSpPr>
+            <a:spLocks noGrp="1" noRot="1" noChangeAspect="1"/>
+          </p:cNvSpPr>
+          <p:nvPr>
+            <p:ph type="sldImg"/>
+          </p:nvPr>
+        </p:nvSpPr>
+        <p:spPr/>
+      </p:sp>
+      <p:sp>
+        <p:nvSpPr>
+          <p:cNvPr id="3" name="Notes Placeholder 2"/>
+          <p:cNvSpPr>
+            <a:spLocks noGrp="1"/>
+          </p:cNvSpPr>
+          <p:nvPr>
+            <p:ph type="body" idx="1"/>
+          </p:nvPr>
+        </p:nvSpPr>
+        <p:spPr/>
+        <p:txBody>
+          <a:bodyPr/>
+          <a:lstStyle/>
+          <a:p>
+            <a:pPr marL="171450" indent="-171450">
+              <a:buFont typeface="Arial" panose="020B0604020202020204" pitchFamily="34" charset="0"/>
+              <a:buChar char="•"/>
+            </a:pPr>
+            <a:r>
+              <a:rPr lang="en-NZ" b="0" i="0" dirty="0" smtClean="0"/>
+              <a:t>If</a:t>
+            </a:r>
+            <a:r>
+              <a:rPr lang="en-NZ" b="0" i="0" baseline="0" dirty="0" smtClean="0"/>
+              <a:t> we go back to GitHub and refresh the page we will see the file(s) in our remote repository</a:t>
+            </a:r>
+          </a:p>
+          <a:p>
+            <a:pPr marL="171450" indent="-171450">
+              <a:buFont typeface="Arial" panose="020B0604020202020204" pitchFamily="34" charset="0"/>
+              <a:buChar char="•"/>
+            </a:pPr>
+            <a:r>
+              <a:rPr lang="en-NZ" b="0" i="0" baseline="0" dirty="0" smtClean="0"/>
+              <a:t>We can create new files and upload existing files, but unfortunately we can’t do this with directories</a:t>
+            </a:r>
+            <a:endParaRPr lang="en-NZ" b="0" i="0" dirty="0"/>
+          </a:p>
+        </p:txBody>
+      </p:sp>
+      <p:sp>
+        <p:nvSpPr>
+          <p:cNvPr id="4" name="Slide Number Placeholder 3"/>
+          <p:cNvSpPr>
+            <a:spLocks noGrp="1"/>
+          </p:cNvSpPr>
+          <p:nvPr>
+            <p:ph type="sldNum" sz="quarter" idx="10"/>
+          </p:nvPr>
+        </p:nvSpPr>
+        <p:spPr/>
+        <p:txBody>
+          <a:bodyPr/>
+          <a:lstStyle/>
+          <a:p>
+            <a:fld id="{12FF5A28-F489-364E-AEDB-387A53AA762A}" type="slidenum">
+              <a:rPr lang="en-US" smtClean="0"/>
+              <a:t>16</a:t>
+            </a:fld>
+            <a:endParaRPr lang="en-US"/>
+          </a:p>
+        </p:txBody>
+      </p:sp>
+    </p:spTree>
+    <p:extLst>
+      <p:ext uri="{BB962C8B-B14F-4D97-AF65-F5344CB8AC3E}">
+        <p14:creationId xmlns:p14="http://schemas.microsoft.com/office/powerpoint/2010/main" val="1174578112"/>
+      </p:ext>
+    </p:extLst>
+  </p:cSld>
+  <p:clrMapOvr>
+    <a:masterClrMapping/>
+  </p:clrMapOvr>
+</p:notes>
+</file>
+
+<file path=ppt/notesSlides/notesSlide15.xml><?xml version="1.0" encoding="utf-8"?>
+<p:notes xmlns:a="http://schemas.openxmlformats.org/drawingml/2006/main" xmlns:r="http://schemas.openxmlformats.org/officeDocument/2006/relationships" xmlns:p="http://schemas.openxmlformats.org/presentationml/2006/main">
+  <p:cSld>
+    <p:spTree>
+      <p:nvGrpSpPr>
+        <p:cNvPr id="1" name=""/>
+        <p:cNvGrpSpPr/>
+        <p:nvPr/>
+      </p:nvGrpSpPr>
+      <p:grpSpPr>
+        <a:xfrm>
+          <a:off x="0" y="0"/>
+          <a:ext cx="0" cy="0"/>
+          <a:chOff x="0" y="0"/>
+          <a:chExt cx="0" cy="0"/>
+        </a:xfrm>
+      </p:grpSpPr>
+      <p:sp>
+        <p:nvSpPr>
+          <p:cNvPr id="2" name="Slide Image Placeholder 1"/>
+          <p:cNvSpPr>
+            <a:spLocks noGrp="1" noRot="1" noChangeAspect="1"/>
+          </p:cNvSpPr>
+          <p:nvPr>
+            <p:ph type="sldImg"/>
+          </p:nvPr>
+        </p:nvSpPr>
+        <p:spPr/>
+      </p:sp>
+      <p:sp>
+        <p:nvSpPr>
+          <p:cNvPr id="3" name="Notes Placeholder 2"/>
+          <p:cNvSpPr>
+            <a:spLocks noGrp="1"/>
+          </p:cNvSpPr>
+          <p:nvPr>
+            <p:ph type="body" idx="1"/>
+          </p:nvPr>
+        </p:nvSpPr>
+        <p:spPr/>
+        <p:txBody>
+          <a:bodyPr/>
+          <a:lstStyle/>
+          <a:p>
+            <a:pPr marL="171450" indent="-171450">
+              <a:buFont typeface="Arial" panose="020B0604020202020204" pitchFamily="34" charset="0"/>
+              <a:buChar char="•"/>
+            </a:pPr>
+            <a:r>
+              <a:rPr lang="en-NZ" b="0" i="0" dirty="0" smtClean="0"/>
+              <a:t>Click the “Create new file” button </a:t>
+            </a:r>
+            <a:endParaRPr lang="en-NZ" b="0" i="0" dirty="0"/>
+          </a:p>
+          <a:p>
+            <a:pPr marL="171450" indent="-171450">
+              <a:buFont typeface="Arial" panose="020B0604020202020204" pitchFamily="34" charset="0"/>
+              <a:buChar char="•"/>
+            </a:pPr>
+            <a:r>
+              <a:rPr lang="en-NZ" b="0" i="0" dirty="0" smtClean="0"/>
+              <a:t>Create</a:t>
+            </a:r>
+            <a:r>
+              <a:rPr lang="en-NZ" b="0" i="0" baseline="0" dirty="0" smtClean="0"/>
+              <a:t> a new file with an appropriate extension name – my example is test-3.txt</a:t>
+            </a:r>
+          </a:p>
+          <a:p>
+            <a:pPr marL="171450" indent="-171450">
+              <a:buFont typeface="Arial" panose="020B0604020202020204" pitchFamily="34" charset="0"/>
+              <a:buChar char="•"/>
+            </a:pPr>
+            <a:r>
+              <a:rPr lang="en-NZ" b="0" i="0" baseline="0" dirty="0" smtClean="0"/>
+              <a:t>Add content if you want</a:t>
+            </a:r>
+          </a:p>
+          <a:p>
+            <a:pPr marL="171450" indent="-171450">
+              <a:buFont typeface="Arial" panose="020B0604020202020204" pitchFamily="34" charset="0"/>
+              <a:buChar char="•"/>
+            </a:pPr>
+            <a:r>
+              <a:rPr lang="en-NZ" b="0" i="0" baseline="0" dirty="0" smtClean="0"/>
+              <a:t>Scroll to the bottom and click on the bright green “Commit new file” button</a:t>
+            </a:r>
+          </a:p>
+          <a:p>
+            <a:pPr marL="171450" indent="-171450">
+              <a:buFont typeface="Arial" panose="020B0604020202020204" pitchFamily="34" charset="0"/>
+              <a:buChar char="•"/>
+            </a:pPr>
+            <a:r>
+              <a:rPr lang="en-NZ" b="0" i="0" baseline="0" dirty="0" smtClean="0"/>
+              <a:t>This will commit directly to the master branch</a:t>
+            </a:r>
+            <a:endParaRPr lang="en-NZ" b="0" i="0" dirty="0" smtClean="0"/>
+          </a:p>
+        </p:txBody>
+      </p:sp>
+      <p:sp>
+        <p:nvSpPr>
+          <p:cNvPr id="4" name="Slide Number Placeholder 3"/>
+          <p:cNvSpPr>
+            <a:spLocks noGrp="1"/>
+          </p:cNvSpPr>
+          <p:nvPr>
+            <p:ph type="sldNum" sz="quarter" idx="10"/>
+          </p:nvPr>
+        </p:nvSpPr>
+        <p:spPr/>
+        <p:txBody>
+          <a:bodyPr/>
+          <a:lstStyle/>
+          <a:p>
+            <a:fld id="{12FF5A28-F489-364E-AEDB-387A53AA762A}" type="slidenum">
+              <a:rPr lang="en-US" smtClean="0"/>
+              <a:t>17</a:t>
+            </a:fld>
+            <a:endParaRPr lang="en-US"/>
+          </a:p>
+        </p:txBody>
+      </p:sp>
+    </p:spTree>
+    <p:extLst>
+      <p:ext uri="{BB962C8B-B14F-4D97-AF65-F5344CB8AC3E}">
+        <p14:creationId xmlns:p14="http://schemas.microsoft.com/office/powerpoint/2010/main" val="2274024038"/>
+      </p:ext>
+    </p:extLst>
+  </p:cSld>
+  <p:clrMapOvr>
+    <a:masterClrMapping/>
+  </p:clrMapOvr>
+</p:notes>
+</file>
+
+<file path=ppt/notesSlides/notesSlide16.xml><?xml version="1.0" encoding="utf-8"?>
+<p:notes xmlns:a="http://schemas.openxmlformats.org/drawingml/2006/main" xmlns:r="http://schemas.openxmlformats.org/officeDocument/2006/relationships" xmlns:p="http://schemas.openxmlformats.org/presentationml/2006/main">
+  <p:cSld>
+    <p:spTree>
+      <p:nvGrpSpPr>
+        <p:cNvPr id="1" name=""/>
+        <p:cNvGrpSpPr/>
+        <p:nvPr/>
+      </p:nvGrpSpPr>
+      <p:grpSpPr>
+        <a:xfrm>
+          <a:off x="0" y="0"/>
+          <a:ext cx="0" cy="0"/>
+          <a:chOff x="0" y="0"/>
+          <a:chExt cx="0" cy="0"/>
+        </a:xfrm>
+      </p:grpSpPr>
+      <p:sp>
+        <p:nvSpPr>
+          <p:cNvPr id="2" name="Slide Image Placeholder 1"/>
+          <p:cNvSpPr>
+            <a:spLocks noGrp="1" noRot="1" noChangeAspect="1"/>
+          </p:cNvSpPr>
+          <p:nvPr>
+            <p:ph type="sldImg"/>
+          </p:nvPr>
+        </p:nvSpPr>
+        <p:spPr/>
+      </p:sp>
+      <p:sp>
+        <p:nvSpPr>
+          <p:cNvPr id="3" name="Notes Placeholder 2"/>
+          <p:cNvSpPr>
+            <a:spLocks noGrp="1"/>
+          </p:cNvSpPr>
+          <p:nvPr>
+            <p:ph type="body" idx="1"/>
+          </p:nvPr>
+        </p:nvSpPr>
+        <p:spPr/>
+        <p:txBody>
+          <a:bodyPr/>
+          <a:lstStyle/>
+          <a:p>
+            <a:pPr marL="171450" indent="-171450">
+              <a:buFont typeface="Arial" panose="020B0604020202020204" pitchFamily="34" charset="0"/>
+              <a:buChar char="•"/>
+            </a:pPr>
+            <a:r>
+              <a:rPr lang="en-NZ" b="0" i="0" dirty="0" smtClean="0"/>
+              <a:t>You have new</a:t>
+            </a:r>
+            <a:r>
+              <a:rPr lang="en-NZ" b="0" i="0" baseline="0" dirty="0" smtClean="0"/>
+              <a:t> file called test-3.txt in your remote repository</a:t>
+            </a:r>
+          </a:p>
+          <a:p>
+            <a:pPr marL="171450" indent="-171450">
+              <a:buFont typeface="Arial" panose="020B0604020202020204" pitchFamily="34" charset="0"/>
+              <a:buChar char="•"/>
+            </a:pPr>
+            <a:r>
+              <a:rPr lang="en-NZ" b="0" i="0" baseline="0" dirty="0" smtClean="0"/>
+              <a:t>How do I get this into my local repository???</a:t>
+            </a:r>
+            <a:endParaRPr lang="en-NZ" b="0" i="0" dirty="0" smtClean="0"/>
+          </a:p>
+        </p:txBody>
+      </p:sp>
+      <p:sp>
+        <p:nvSpPr>
+          <p:cNvPr id="4" name="Slide Number Placeholder 3"/>
+          <p:cNvSpPr>
+            <a:spLocks noGrp="1"/>
+          </p:cNvSpPr>
+          <p:nvPr>
+            <p:ph type="sldNum" sz="quarter" idx="10"/>
+          </p:nvPr>
+        </p:nvSpPr>
+        <p:spPr/>
+        <p:txBody>
+          <a:bodyPr/>
+          <a:lstStyle/>
+          <a:p>
+            <a:fld id="{12FF5A28-F489-364E-AEDB-387A53AA762A}" type="slidenum">
+              <a:rPr lang="en-US" smtClean="0"/>
+              <a:t>18</a:t>
+            </a:fld>
+            <a:endParaRPr lang="en-US"/>
+          </a:p>
+        </p:txBody>
+      </p:sp>
+    </p:spTree>
+    <p:extLst>
+      <p:ext uri="{BB962C8B-B14F-4D97-AF65-F5344CB8AC3E}">
+        <p14:creationId xmlns:p14="http://schemas.microsoft.com/office/powerpoint/2010/main" val="2709233437"/>
+      </p:ext>
+    </p:extLst>
+  </p:cSld>
+  <p:clrMapOvr>
+    <a:masterClrMapping/>
+  </p:clrMapOvr>
+</p:notes>
+</file>
+
+<file path=ppt/notesSlides/notesSlide17.xml><?xml version="1.0" encoding="utf-8"?>
+<p:notes xmlns:a="http://schemas.openxmlformats.org/drawingml/2006/main" xmlns:r="http://schemas.openxmlformats.org/officeDocument/2006/relationships" xmlns:p="http://schemas.openxmlformats.org/presentationml/2006/main">
+  <p:cSld>
+    <p:spTree>
+      <p:nvGrpSpPr>
+        <p:cNvPr id="1" name=""/>
+        <p:cNvGrpSpPr/>
+        <p:nvPr/>
+      </p:nvGrpSpPr>
+      <p:grpSpPr>
+        <a:xfrm>
+          <a:off x="0" y="0"/>
+          <a:ext cx="0" cy="0"/>
+          <a:chOff x="0" y="0"/>
+          <a:chExt cx="0" cy="0"/>
+        </a:xfrm>
+      </p:grpSpPr>
+      <p:sp>
+        <p:nvSpPr>
+          <p:cNvPr id="2" name="Slide Image Placeholder 1"/>
+          <p:cNvSpPr>
+            <a:spLocks noGrp="1" noRot="1" noChangeAspect="1"/>
+          </p:cNvSpPr>
+          <p:nvPr>
+            <p:ph type="sldImg"/>
+          </p:nvPr>
+        </p:nvSpPr>
+        <p:spPr/>
+      </p:sp>
+      <p:sp>
+        <p:nvSpPr>
+          <p:cNvPr id="3" name="Notes Placeholder 2"/>
+          <p:cNvSpPr>
+            <a:spLocks noGrp="1"/>
+          </p:cNvSpPr>
+          <p:nvPr>
+            <p:ph type="body" idx="1"/>
+          </p:nvPr>
+        </p:nvSpPr>
+        <p:spPr/>
+        <p:txBody>
+          <a:bodyPr/>
+          <a:lstStyle/>
+          <a:p>
+            <a:pPr marL="171450" indent="-171450">
+              <a:buFont typeface="Arial" panose="020B0604020202020204" pitchFamily="34" charset="0"/>
+              <a:buChar char="•"/>
+            </a:pPr>
+            <a:r>
+              <a:rPr lang="en-NZ" b="0" i="0" dirty="0" smtClean="0"/>
+              <a:t>Initially</a:t>
+            </a:r>
+            <a:r>
+              <a:rPr lang="en-NZ" b="0" i="0" baseline="0" dirty="0" smtClean="0"/>
+              <a:t> you won’t see test-3.txt until you run the correct command</a:t>
+            </a:r>
+          </a:p>
+          <a:p>
+            <a:pPr marL="171450" indent="-171450">
+              <a:buFont typeface="Arial" panose="020B0604020202020204" pitchFamily="34" charset="0"/>
+              <a:buChar char="•"/>
+            </a:pPr>
+            <a:r>
+              <a:rPr lang="en-NZ" b="0" i="0" baseline="0" dirty="0" smtClean="0"/>
+              <a:t>To pull files from your remote repository, </a:t>
+            </a:r>
+            <a:r>
+              <a:rPr lang="en-NZ" b="0" baseline="0" dirty="0" smtClean="0"/>
+              <a:t>we can type </a:t>
+            </a:r>
+            <a:r>
+              <a:rPr lang="en-NZ" b="1" i="1" baseline="0" dirty="0" smtClean="0"/>
+              <a:t>git pull </a:t>
+            </a:r>
+            <a:r>
+              <a:rPr lang="en-NZ" b="0" baseline="0" dirty="0" smtClean="0"/>
+              <a:t>or if we want to be safe </a:t>
+            </a:r>
+            <a:r>
+              <a:rPr lang="en-NZ" b="1" i="1" baseline="0" dirty="0" smtClean="0"/>
+              <a:t>git pull origin master</a:t>
+            </a:r>
+            <a:endParaRPr lang="en-NZ" b="1" i="1" baseline="0" dirty="0"/>
+          </a:p>
+          <a:p>
+            <a:pPr marL="171450" indent="-171450">
+              <a:buFont typeface="Arial" panose="020B0604020202020204" pitchFamily="34" charset="0"/>
+              <a:buChar char="•"/>
+            </a:pPr>
+            <a:r>
+              <a:rPr lang="en-NZ" b="0" i="0" baseline="0" dirty="0" smtClean="0"/>
+              <a:t>You should now see test-3.txt in your local repository</a:t>
+            </a:r>
+          </a:p>
+        </p:txBody>
+      </p:sp>
+      <p:sp>
+        <p:nvSpPr>
+          <p:cNvPr id="4" name="Slide Number Placeholder 3"/>
+          <p:cNvSpPr>
+            <a:spLocks noGrp="1"/>
+          </p:cNvSpPr>
+          <p:nvPr>
+            <p:ph type="sldNum" sz="quarter" idx="10"/>
+          </p:nvPr>
+        </p:nvSpPr>
+        <p:spPr/>
+        <p:txBody>
+          <a:bodyPr/>
+          <a:lstStyle/>
+          <a:p>
+            <a:fld id="{12FF5A28-F489-364E-AEDB-387A53AA762A}" type="slidenum">
+              <a:rPr lang="en-US" smtClean="0"/>
+              <a:t>19</a:t>
+            </a:fld>
+            <a:endParaRPr lang="en-US"/>
+          </a:p>
+        </p:txBody>
+      </p:sp>
+    </p:spTree>
+    <p:extLst>
+      <p:ext uri="{BB962C8B-B14F-4D97-AF65-F5344CB8AC3E}">
+        <p14:creationId xmlns:p14="http://schemas.microsoft.com/office/powerpoint/2010/main" val="1021039194"/>
+      </p:ext>
+    </p:extLst>
+  </p:cSld>
+  <p:clrMapOvr>
+    <a:masterClrMapping/>
+  </p:clrMapOvr>
+</p:notes>
+</file>
+
+<file path=ppt/notesSlides/notesSlide2.xml><?xml version="1.0" encoding="utf-8"?>
+<p:notes xmlns:a="http://schemas.openxmlformats.org/drawingml/2006/main" xmlns:r="http://schemas.openxmlformats.org/officeDocument/2006/relationships" xmlns:p="http://schemas.openxmlformats.org/presentationml/2006/main">
+  <p:cSld>
+    <p:spTree>
+      <p:nvGrpSpPr>
+        <p:cNvPr id="1" name=""/>
+        <p:cNvGrpSpPr/>
+        <p:nvPr/>
+      </p:nvGrpSpPr>
+      <p:grpSpPr>
+        <a:xfrm>
+          <a:off x="0" y="0"/>
+          <a:ext cx="0" cy="0"/>
+          <a:chOff x="0" y="0"/>
+          <a:chExt cx="0" cy="0"/>
+        </a:xfrm>
+      </p:grpSpPr>
+      <p:sp>
+        <p:nvSpPr>
+          <p:cNvPr id="2" name="Slide Image Placeholder 1"/>
+          <p:cNvSpPr>
+            <a:spLocks noGrp="1" noRot="1" noChangeAspect="1"/>
+          </p:cNvSpPr>
+          <p:nvPr>
+            <p:ph type="sldImg"/>
+          </p:nvPr>
+        </p:nvSpPr>
+        <p:spPr/>
+      </p:sp>
+      <p:sp>
+        <p:nvSpPr>
+          <p:cNvPr id="3" name="Notes Placeholder 2"/>
+          <p:cNvSpPr>
+            <a:spLocks noGrp="1"/>
+          </p:cNvSpPr>
+          <p:nvPr>
+            <p:ph type="body" idx="1"/>
+          </p:nvPr>
+        </p:nvSpPr>
+        <p:spPr/>
+        <p:txBody>
+          <a:bodyPr/>
+          <a:lstStyle/>
+          <a:p>
+            <a:pPr marL="171450" indent="-171450">
+              <a:buFont typeface="Arial" panose="020B0604020202020204" pitchFamily="34" charset="0"/>
+              <a:buChar char="•"/>
+            </a:pPr>
+            <a:r>
+              <a:rPr lang="en-NZ" dirty="0" smtClean="0"/>
+              <a:t>Promotes collaboration –</a:t>
+            </a:r>
+            <a:r>
+              <a:rPr lang="en-NZ" baseline="0" dirty="0" smtClean="0"/>
+              <a:t> doesn’t matter where in the world you are</a:t>
+            </a:r>
+          </a:p>
+        </p:txBody>
+      </p:sp>
+      <p:sp>
+        <p:nvSpPr>
+          <p:cNvPr id="4" name="Slide Number Placeholder 3"/>
+          <p:cNvSpPr>
+            <a:spLocks noGrp="1"/>
+          </p:cNvSpPr>
+          <p:nvPr>
+            <p:ph type="sldNum" sz="quarter" idx="10"/>
+          </p:nvPr>
+        </p:nvSpPr>
+        <p:spPr/>
+        <p:txBody>
+          <a:bodyPr/>
+          <a:lstStyle/>
+          <a:p>
+            <a:fld id="{12FF5A28-F489-364E-AEDB-387A53AA762A}" type="slidenum">
+              <a:rPr lang="en-US" smtClean="0"/>
+              <a:t>2</a:t>
+            </a:fld>
+            <a:endParaRPr lang="en-US"/>
+          </a:p>
+        </p:txBody>
+      </p:sp>
+    </p:spTree>
+    <p:extLst>
+      <p:ext uri="{BB962C8B-B14F-4D97-AF65-F5344CB8AC3E}">
+        <p14:creationId xmlns:p14="http://schemas.microsoft.com/office/powerpoint/2010/main" val="1056420686"/>
+      </p:ext>
+    </p:extLst>
+  </p:cSld>
+  <p:clrMapOvr>
+    <a:masterClrMapping/>
+  </p:clrMapOvr>
+</p:notes>
+</file>
+
+<file path=ppt/notesSlides/notesSlide3.xml><?xml version="1.0" encoding="utf-8"?>
+<p:notes xmlns:a="http://schemas.openxmlformats.org/drawingml/2006/main" xmlns:r="http://schemas.openxmlformats.org/officeDocument/2006/relationships" xmlns:p="http://schemas.openxmlformats.org/presentationml/2006/main">
+  <p:cSld>
+    <p:spTree>
+      <p:nvGrpSpPr>
+        <p:cNvPr id="1" name=""/>
+        <p:cNvGrpSpPr/>
+        <p:nvPr/>
+      </p:nvGrpSpPr>
+      <p:grpSpPr>
+        <a:xfrm>
+          <a:off x="0" y="0"/>
+          <a:ext cx="0" cy="0"/>
+          <a:chOff x="0" y="0"/>
+          <a:chExt cx="0" cy="0"/>
+        </a:xfrm>
+      </p:grpSpPr>
+      <p:sp>
+        <p:nvSpPr>
+          <p:cNvPr id="2" name="Slide Image Placeholder 1"/>
+          <p:cNvSpPr>
+            <a:spLocks noGrp="1" noRot="1" noChangeAspect="1"/>
+          </p:cNvSpPr>
+          <p:nvPr>
+            <p:ph type="sldImg"/>
+          </p:nvPr>
+        </p:nvSpPr>
+        <p:spPr/>
+      </p:sp>
+      <p:sp>
+        <p:nvSpPr>
+          <p:cNvPr id="3" name="Notes Placeholder 2"/>
+          <p:cNvSpPr>
+            <a:spLocks noGrp="1"/>
+          </p:cNvSpPr>
+          <p:nvPr>
+            <p:ph type="body" idx="1"/>
+          </p:nvPr>
+        </p:nvSpPr>
+        <p:spPr/>
+        <p:txBody>
+          <a:bodyPr/>
+          <a:lstStyle/>
+          <a:p>
+            <a:pPr marL="171450" indent="-171450">
+              <a:buFont typeface="Arial" panose="020B0604020202020204" pitchFamily="34" charset="0"/>
+              <a:buChar char="•"/>
+            </a:pPr>
+            <a:r>
+              <a:rPr lang="en-NZ" dirty="0" smtClean="0"/>
+              <a:t>Git is a distributed version control system</a:t>
+            </a:r>
+          </a:p>
+          <a:p>
+            <a:pPr marL="171450" indent="-171450">
+              <a:buFont typeface="Arial" panose="020B0604020202020204" pitchFamily="34" charset="0"/>
+              <a:buChar char="•"/>
+            </a:pPr>
+            <a:r>
+              <a:rPr lang="en-NZ" dirty="0" smtClean="0"/>
+              <a:t>Examples of centralised</a:t>
+            </a:r>
+            <a:r>
+              <a:rPr lang="en-NZ" baseline="0" dirty="0" smtClean="0"/>
+              <a:t> version control systems are </a:t>
+            </a:r>
+            <a:r>
+              <a:rPr lang="en-NZ" b="1" baseline="0" dirty="0" smtClean="0"/>
+              <a:t>CVS</a:t>
+            </a:r>
+            <a:r>
+              <a:rPr lang="en-NZ" baseline="0" dirty="0" smtClean="0"/>
+              <a:t> and </a:t>
+            </a:r>
+            <a:r>
+              <a:rPr lang="en-NZ" b="1" baseline="0" dirty="0" smtClean="0"/>
+              <a:t>Subversion</a:t>
+            </a:r>
+            <a:r>
+              <a:rPr lang="en-NZ" baseline="0" dirty="0" smtClean="0"/>
+              <a:t> – still used within the industry</a:t>
+            </a:r>
+          </a:p>
+          <a:p>
+            <a:pPr marL="171450" indent="-171450">
+              <a:buFont typeface="Arial" panose="020B0604020202020204" pitchFamily="34" charset="0"/>
+              <a:buChar char="•"/>
+            </a:pPr>
+            <a:r>
+              <a:rPr lang="en-NZ" baseline="0" dirty="0" smtClean="0"/>
+              <a:t>Centralised means that the code lives on a server – everything lives in one place</a:t>
+            </a:r>
+          </a:p>
+          <a:p>
+            <a:pPr marL="171450" indent="-171450">
+              <a:buFont typeface="Arial" panose="020B0604020202020204" pitchFamily="34" charset="0"/>
+              <a:buChar char="•"/>
+            </a:pPr>
+            <a:r>
+              <a:rPr lang="en-NZ" baseline="0" dirty="0" smtClean="0"/>
+              <a:t>Developers need special permissions to be able to add code to the repository</a:t>
+            </a:r>
+          </a:p>
+          <a:p>
+            <a:pPr marL="171450" indent="-171450">
+              <a:buFont typeface="Arial" panose="020B0604020202020204" pitchFamily="34" charset="0"/>
+              <a:buChar char="•"/>
+            </a:pPr>
+            <a:r>
+              <a:rPr lang="en-NZ" baseline="0" dirty="0" smtClean="0"/>
+              <a:t>Distributed – you get your own repository when you clone the project</a:t>
+            </a:r>
+          </a:p>
+          <a:p>
+            <a:pPr marL="171450" indent="-171450">
+              <a:buFont typeface="Arial" panose="020B0604020202020204" pitchFamily="34" charset="0"/>
+              <a:buChar char="•"/>
+            </a:pPr>
+            <a:r>
+              <a:rPr lang="en-NZ" baseline="0" dirty="0" smtClean="0"/>
+              <a:t>You can work and add code to the repository even when offline, since the repository lives on your computer locally</a:t>
+            </a:r>
+            <a:endParaRPr lang="en-NZ" dirty="0"/>
+          </a:p>
+        </p:txBody>
+      </p:sp>
+      <p:sp>
+        <p:nvSpPr>
+          <p:cNvPr id="4" name="Slide Number Placeholder 3"/>
+          <p:cNvSpPr>
+            <a:spLocks noGrp="1"/>
+          </p:cNvSpPr>
+          <p:nvPr>
+            <p:ph type="sldNum" sz="quarter" idx="10"/>
+          </p:nvPr>
+        </p:nvSpPr>
+        <p:spPr/>
+        <p:txBody>
+          <a:bodyPr/>
+          <a:lstStyle/>
+          <a:p>
+            <a:fld id="{12FF5A28-F489-364E-AEDB-387A53AA762A}" type="slidenum">
+              <a:rPr lang="en-US" smtClean="0"/>
+              <a:t>3</a:t>
+            </a:fld>
+            <a:endParaRPr lang="en-US"/>
+          </a:p>
+        </p:txBody>
+      </p:sp>
+    </p:spTree>
+    <p:extLst>
+      <p:ext uri="{BB962C8B-B14F-4D97-AF65-F5344CB8AC3E}">
+        <p14:creationId xmlns:p14="http://schemas.microsoft.com/office/powerpoint/2010/main" val="737491381"/>
+      </p:ext>
+    </p:extLst>
+  </p:cSld>
+  <p:clrMapOvr>
+    <a:masterClrMapping/>
+  </p:clrMapOvr>
+</p:notes>
+</file>
+
+<file path=ppt/notesSlides/notesSlide4.xml><?xml version="1.0" encoding="utf-8"?>
+<p:notes xmlns:a="http://schemas.openxmlformats.org/drawingml/2006/main" xmlns:r="http://schemas.openxmlformats.org/officeDocument/2006/relationships" xmlns:p="http://schemas.openxmlformats.org/presentationml/2006/main">
+  <p:cSld>
+    <p:spTree>
+      <p:nvGrpSpPr>
+        <p:cNvPr id="1" name=""/>
+        <p:cNvGrpSpPr/>
+        <p:nvPr/>
+      </p:nvGrpSpPr>
+      <p:grpSpPr>
+        <a:xfrm>
+          <a:off x="0" y="0"/>
+          <a:ext cx="0" cy="0"/>
+          <a:chOff x="0" y="0"/>
+          <a:chExt cx="0" cy="0"/>
+        </a:xfrm>
+      </p:grpSpPr>
+      <p:sp>
+        <p:nvSpPr>
+          <p:cNvPr id="2" name="Slide Image Placeholder 1"/>
+          <p:cNvSpPr>
+            <a:spLocks noGrp="1" noRot="1" noChangeAspect="1"/>
+          </p:cNvSpPr>
+          <p:nvPr>
+            <p:ph type="sldImg"/>
+          </p:nvPr>
+        </p:nvSpPr>
+        <p:spPr/>
+      </p:sp>
+      <p:sp>
+        <p:nvSpPr>
+          <p:cNvPr id="3" name="Notes Placeholder 2"/>
+          <p:cNvSpPr>
+            <a:spLocks noGrp="1"/>
+          </p:cNvSpPr>
+          <p:nvPr>
+            <p:ph type="body" idx="1"/>
+          </p:nvPr>
+        </p:nvSpPr>
+        <p:spPr/>
+        <p:txBody>
+          <a:bodyPr/>
+          <a:lstStyle/>
+          <a:p>
+            <a:pPr marL="171450" indent="-171450">
+              <a:buFont typeface="Arial" panose="020B0604020202020204" pitchFamily="34" charset="0"/>
+              <a:buChar char="•"/>
+            </a:pPr>
+            <a:r>
+              <a:rPr lang="en-NZ" dirty="0" smtClean="0"/>
+              <a:t>Git is already</a:t>
+            </a:r>
+            <a:r>
+              <a:rPr lang="en-NZ" baseline="0" dirty="0" smtClean="0"/>
+              <a:t> installed on the OP computers</a:t>
+            </a:r>
+            <a:endParaRPr lang="en-NZ" dirty="0"/>
+          </a:p>
+        </p:txBody>
+      </p:sp>
+      <p:sp>
+        <p:nvSpPr>
+          <p:cNvPr id="4" name="Slide Number Placeholder 3"/>
+          <p:cNvSpPr>
+            <a:spLocks noGrp="1"/>
+          </p:cNvSpPr>
+          <p:nvPr>
+            <p:ph type="sldNum" sz="quarter" idx="10"/>
+          </p:nvPr>
+        </p:nvSpPr>
+        <p:spPr/>
+        <p:txBody>
+          <a:bodyPr/>
+          <a:lstStyle/>
+          <a:p>
+            <a:fld id="{12FF5A28-F489-364E-AEDB-387A53AA762A}" type="slidenum">
+              <a:rPr lang="en-US" smtClean="0"/>
+              <a:t>6</a:t>
+            </a:fld>
+            <a:endParaRPr lang="en-US"/>
+          </a:p>
+        </p:txBody>
+      </p:sp>
+    </p:spTree>
+    <p:extLst>
+      <p:ext uri="{BB962C8B-B14F-4D97-AF65-F5344CB8AC3E}">
+        <p14:creationId xmlns:p14="http://schemas.microsoft.com/office/powerpoint/2010/main" val="1705285807"/>
+      </p:ext>
+    </p:extLst>
+  </p:cSld>
+  <p:clrMapOvr>
+    <a:masterClrMapping/>
+  </p:clrMapOvr>
+</p:notes>
+</file>
+
+<file path=ppt/notesSlides/notesSlide5.xml><?xml version="1.0" encoding="utf-8"?>
+<p:notes xmlns:a="http://schemas.openxmlformats.org/drawingml/2006/main" xmlns:r="http://schemas.openxmlformats.org/officeDocument/2006/relationships" xmlns:p="http://schemas.openxmlformats.org/presentationml/2006/main">
+  <p:cSld>
+    <p:spTree>
+      <p:nvGrpSpPr>
+        <p:cNvPr id="1" name=""/>
+        <p:cNvGrpSpPr/>
+        <p:nvPr/>
+      </p:nvGrpSpPr>
+      <p:grpSpPr>
+        <a:xfrm>
+          <a:off x="0" y="0"/>
+          <a:ext cx="0" cy="0"/>
+          <a:chOff x="0" y="0"/>
+          <a:chExt cx="0" cy="0"/>
+        </a:xfrm>
+      </p:grpSpPr>
+      <p:sp>
+        <p:nvSpPr>
+          <p:cNvPr id="2" name="Slide Image Placeholder 1"/>
+          <p:cNvSpPr>
+            <a:spLocks noGrp="1" noRot="1" noChangeAspect="1"/>
+          </p:cNvSpPr>
+          <p:nvPr>
+            <p:ph type="sldImg"/>
+          </p:nvPr>
+        </p:nvSpPr>
+        <p:spPr/>
+      </p:sp>
+      <p:sp>
+        <p:nvSpPr>
+          <p:cNvPr id="3" name="Notes Placeholder 2"/>
+          <p:cNvSpPr>
+            <a:spLocks noGrp="1"/>
+          </p:cNvSpPr>
+          <p:nvPr>
+            <p:ph type="body" idx="1"/>
+          </p:nvPr>
+        </p:nvSpPr>
+        <p:spPr/>
+        <p:txBody>
+          <a:bodyPr/>
+          <a:lstStyle/>
+          <a:p>
+            <a:pPr marL="171450" indent="-171450">
+              <a:buFont typeface="Arial" panose="020B0604020202020204" pitchFamily="34" charset="0"/>
+              <a:buChar char="•"/>
+            </a:pPr>
+            <a:r>
+              <a:rPr lang="en-NZ" dirty="0" smtClean="0"/>
+              <a:t>Go</a:t>
+            </a:r>
+            <a:r>
+              <a:rPr lang="en-NZ" baseline="0" dirty="0" smtClean="0"/>
+              <a:t> to </a:t>
+            </a:r>
+            <a:r>
+              <a:rPr lang="en-NZ" baseline="0" dirty="0" smtClean="0"/>
+              <a:t>GitHub and either create new account or login</a:t>
+            </a:r>
+          </a:p>
+          <a:p>
+            <a:pPr marL="171450" indent="-171450">
+              <a:buFont typeface="Arial" panose="020B0604020202020204" pitchFamily="34" charset="0"/>
+              <a:buChar char="•"/>
+            </a:pPr>
+            <a:r>
+              <a:rPr lang="en-NZ" baseline="0" dirty="0" smtClean="0"/>
+              <a:t>On the left-hand side on your homepage there is a bright green button called “New”</a:t>
+            </a:r>
+          </a:p>
+          <a:p>
+            <a:pPr marL="171450" indent="-171450">
+              <a:buFont typeface="Arial" panose="020B0604020202020204" pitchFamily="34" charset="0"/>
+              <a:buChar char="•"/>
+            </a:pPr>
+            <a:r>
+              <a:rPr lang="en-NZ" baseline="0" dirty="0" smtClean="0"/>
+              <a:t>Click on the button and you will be redirected to this page</a:t>
+            </a:r>
+          </a:p>
+          <a:p>
+            <a:pPr marL="171450" indent="-171450">
+              <a:buFont typeface="Arial" panose="020B0604020202020204" pitchFamily="34" charset="0"/>
+              <a:buChar char="•"/>
+            </a:pPr>
+            <a:r>
+              <a:rPr lang="en-NZ" baseline="0" dirty="0" smtClean="0"/>
+              <a:t>Fill out the mandatory field and click the “Create repository” button</a:t>
+            </a:r>
+            <a:endParaRPr lang="en-NZ" dirty="0"/>
+          </a:p>
+        </p:txBody>
+      </p:sp>
+      <p:sp>
+        <p:nvSpPr>
+          <p:cNvPr id="4" name="Slide Number Placeholder 3"/>
+          <p:cNvSpPr>
+            <a:spLocks noGrp="1"/>
+          </p:cNvSpPr>
+          <p:nvPr>
+            <p:ph type="sldNum" sz="quarter" idx="10"/>
+          </p:nvPr>
+        </p:nvSpPr>
+        <p:spPr/>
+        <p:txBody>
+          <a:bodyPr/>
+          <a:lstStyle/>
+          <a:p>
+            <a:fld id="{12FF5A28-F489-364E-AEDB-387A53AA762A}" type="slidenum">
+              <a:rPr lang="en-US" smtClean="0"/>
+              <a:t>7</a:t>
+            </a:fld>
+            <a:endParaRPr lang="en-US"/>
+          </a:p>
+        </p:txBody>
+      </p:sp>
+    </p:spTree>
+    <p:extLst>
+      <p:ext uri="{BB962C8B-B14F-4D97-AF65-F5344CB8AC3E}">
+        <p14:creationId xmlns:p14="http://schemas.microsoft.com/office/powerpoint/2010/main" val="3169333262"/>
+      </p:ext>
+    </p:extLst>
+  </p:cSld>
+  <p:clrMapOvr>
+    <a:masterClrMapping/>
+  </p:clrMapOvr>
+</p:notes>
+</file>
+
+<file path=ppt/notesSlides/notesSlide6.xml><?xml version="1.0" encoding="utf-8"?>
+<p:notes xmlns:a="http://schemas.openxmlformats.org/drawingml/2006/main" xmlns:r="http://schemas.openxmlformats.org/officeDocument/2006/relationships" xmlns:p="http://schemas.openxmlformats.org/presentationml/2006/main">
+  <p:cSld>
+    <p:spTree>
+      <p:nvGrpSpPr>
+        <p:cNvPr id="1" name=""/>
+        <p:cNvGrpSpPr/>
+        <p:nvPr/>
+      </p:nvGrpSpPr>
+      <p:grpSpPr>
+        <a:xfrm>
+          <a:off x="0" y="0"/>
+          <a:ext cx="0" cy="0"/>
+          <a:chOff x="0" y="0"/>
+          <a:chExt cx="0" cy="0"/>
+        </a:xfrm>
+      </p:grpSpPr>
+      <p:sp>
+        <p:nvSpPr>
+          <p:cNvPr id="2" name="Slide Image Placeholder 1"/>
+          <p:cNvSpPr>
+            <a:spLocks noGrp="1" noRot="1" noChangeAspect="1"/>
+          </p:cNvSpPr>
+          <p:nvPr>
+            <p:ph type="sldImg"/>
+          </p:nvPr>
+        </p:nvSpPr>
+        <p:spPr/>
+      </p:sp>
+      <p:sp>
+        <p:nvSpPr>
+          <p:cNvPr id="3" name="Notes Placeholder 2"/>
+          <p:cNvSpPr>
+            <a:spLocks noGrp="1"/>
+          </p:cNvSpPr>
+          <p:nvPr>
+            <p:ph type="body" idx="1"/>
+          </p:nvPr>
+        </p:nvSpPr>
+        <p:spPr/>
+        <p:txBody>
+          <a:bodyPr/>
+          <a:lstStyle/>
+          <a:p>
+            <a:pPr marL="171450" indent="-171450">
+              <a:buFont typeface="Arial" panose="020B0604020202020204" pitchFamily="34" charset="0"/>
+              <a:buChar char="•"/>
+            </a:pPr>
+            <a:r>
+              <a:rPr lang="en-NZ" dirty="0" smtClean="0"/>
+              <a:t>Copy this</a:t>
+            </a:r>
+            <a:r>
+              <a:rPr lang="en-NZ" baseline="0" dirty="0" smtClean="0"/>
+              <a:t> URL – this is the link to your remote repository</a:t>
+            </a:r>
+            <a:endParaRPr lang="en-NZ" dirty="0"/>
+          </a:p>
+        </p:txBody>
+      </p:sp>
+      <p:sp>
+        <p:nvSpPr>
+          <p:cNvPr id="4" name="Slide Number Placeholder 3"/>
+          <p:cNvSpPr>
+            <a:spLocks noGrp="1"/>
+          </p:cNvSpPr>
+          <p:nvPr>
+            <p:ph type="sldNum" sz="quarter" idx="10"/>
+          </p:nvPr>
+        </p:nvSpPr>
+        <p:spPr/>
+        <p:txBody>
+          <a:bodyPr/>
+          <a:lstStyle/>
+          <a:p>
+            <a:fld id="{12FF5A28-F489-364E-AEDB-387A53AA762A}" type="slidenum">
+              <a:rPr lang="en-US" smtClean="0"/>
+              <a:t>8</a:t>
+            </a:fld>
+            <a:endParaRPr lang="en-US"/>
+          </a:p>
+        </p:txBody>
+      </p:sp>
+    </p:spTree>
+    <p:extLst>
+      <p:ext uri="{BB962C8B-B14F-4D97-AF65-F5344CB8AC3E}">
+        <p14:creationId xmlns:p14="http://schemas.microsoft.com/office/powerpoint/2010/main" val="2532925294"/>
+      </p:ext>
+    </p:extLst>
+  </p:cSld>
+  <p:clrMapOvr>
+    <a:masterClrMapping/>
+  </p:clrMapOvr>
+</p:notes>
+</file>
+
+<file path=ppt/notesSlides/notesSlide7.xml><?xml version="1.0" encoding="utf-8"?>
+<p:notes xmlns:a="http://schemas.openxmlformats.org/drawingml/2006/main" xmlns:r="http://schemas.openxmlformats.org/officeDocument/2006/relationships" xmlns:p="http://schemas.openxmlformats.org/presentationml/2006/main">
+  <p:cSld>
+    <p:spTree>
+      <p:nvGrpSpPr>
+        <p:cNvPr id="1" name=""/>
+        <p:cNvGrpSpPr/>
+        <p:nvPr/>
+      </p:nvGrpSpPr>
+      <p:grpSpPr>
+        <a:xfrm>
+          <a:off x="0" y="0"/>
+          <a:ext cx="0" cy="0"/>
+          <a:chOff x="0" y="0"/>
+          <a:chExt cx="0" cy="0"/>
+        </a:xfrm>
+      </p:grpSpPr>
+      <p:sp>
+        <p:nvSpPr>
+          <p:cNvPr id="2" name="Slide Image Placeholder 1"/>
+          <p:cNvSpPr>
+            <a:spLocks noGrp="1" noRot="1" noChangeAspect="1"/>
+          </p:cNvSpPr>
+          <p:nvPr>
+            <p:ph type="sldImg"/>
+          </p:nvPr>
+        </p:nvSpPr>
+        <p:spPr/>
+      </p:sp>
+      <p:sp>
+        <p:nvSpPr>
+          <p:cNvPr id="3" name="Notes Placeholder 2"/>
+          <p:cNvSpPr>
+            <a:spLocks noGrp="1"/>
+          </p:cNvSpPr>
+          <p:nvPr>
+            <p:ph type="body" idx="1"/>
+          </p:nvPr>
+        </p:nvSpPr>
+        <p:spPr/>
+        <p:txBody>
+          <a:bodyPr/>
+          <a:lstStyle/>
+          <a:p>
+            <a:pPr marL="171450" indent="-171450">
+              <a:buFont typeface="Arial" panose="020B0604020202020204" pitchFamily="34" charset="0"/>
+              <a:buChar char="•"/>
+            </a:pPr>
+            <a:r>
+              <a:rPr lang="en-NZ" dirty="0" smtClean="0"/>
+              <a:t>You have cloned an empty repository</a:t>
+            </a:r>
+            <a:r>
+              <a:rPr lang="en-NZ" baseline="0" dirty="0" smtClean="0"/>
+              <a:t> – most of the time this won’t be empty</a:t>
+            </a:r>
+          </a:p>
+          <a:p>
+            <a:pPr marL="171450" indent="-171450">
+              <a:buFont typeface="Arial" panose="020B0604020202020204" pitchFamily="34" charset="0"/>
+              <a:buChar char="•"/>
+            </a:pPr>
+            <a:r>
+              <a:rPr lang="en-NZ" baseline="0" dirty="0" smtClean="0"/>
+              <a:t>.git is a hidden directory</a:t>
+            </a:r>
+            <a:endParaRPr lang="en-NZ" dirty="0"/>
+          </a:p>
+        </p:txBody>
+      </p:sp>
+      <p:sp>
+        <p:nvSpPr>
+          <p:cNvPr id="4" name="Slide Number Placeholder 3"/>
+          <p:cNvSpPr>
+            <a:spLocks noGrp="1"/>
+          </p:cNvSpPr>
+          <p:nvPr>
+            <p:ph type="sldNum" sz="quarter" idx="10"/>
+          </p:nvPr>
+        </p:nvSpPr>
+        <p:spPr/>
+        <p:txBody>
+          <a:bodyPr/>
+          <a:lstStyle/>
+          <a:p>
+            <a:fld id="{12FF5A28-F489-364E-AEDB-387A53AA762A}" type="slidenum">
+              <a:rPr lang="en-US" smtClean="0"/>
+              <a:t>9</a:t>
+            </a:fld>
+            <a:endParaRPr lang="en-US"/>
+          </a:p>
+        </p:txBody>
+      </p:sp>
+    </p:spTree>
+    <p:extLst>
+      <p:ext uri="{BB962C8B-B14F-4D97-AF65-F5344CB8AC3E}">
+        <p14:creationId xmlns:p14="http://schemas.microsoft.com/office/powerpoint/2010/main" val="1596469034"/>
+      </p:ext>
+    </p:extLst>
+  </p:cSld>
+  <p:clrMapOvr>
+    <a:masterClrMapping/>
+  </p:clrMapOvr>
+</p:notes>
+</file>
+
+<file path=ppt/notesSlides/notesSlide8.xml><?xml version="1.0" encoding="utf-8"?>
+<p:notes xmlns:a="http://schemas.openxmlformats.org/drawingml/2006/main" xmlns:r="http://schemas.openxmlformats.org/officeDocument/2006/relationships" xmlns:p="http://schemas.openxmlformats.org/presentationml/2006/main">
+  <p:cSld>
+    <p:spTree>
+      <p:nvGrpSpPr>
+        <p:cNvPr id="1" name=""/>
+        <p:cNvGrpSpPr/>
+        <p:nvPr/>
+      </p:nvGrpSpPr>
+      <p:grpSpPr>
+        <a:xfrm>
+          <a:off x="0" y="0"/>
+          <a:ext cx="0" cy="0"/>
+          <a:chOff x="0" y="0"/>
+          <a:chExt cx="0" cy="0"/>
+        </a:xfrm>
+      </p:grpSpPr>
+      <p:sp>
+        <p:nvSpPr>
+          <p:cNvPr id="2" name="Slide Image Placeholder 1"/>
+          <p:cNvSpPr>
+            <a:spLocks noGrp="1" noRot="1" noChangeAspect="1"/>
+          </p:cNvSpPr>
+          <p:nvPr>
+            <p:ph type="sldImg"/>
+          </p:nvPr>
+        </p:nvSpPr>
+        <p:spPr/>
+      </p:sp>
+      <p:sp>
+        <p:nvSpPr>
+          <p:cNvPr id="3" name="Notes Placeholder 2"/>
+          <p:cNvSpPr>
+            <a:spLocks noGrp="1"/>
+          </p:cNvSpPr>
+          <p:nvPr>
+            <p:ph type="body" idx="1"/>
+          </p:nvPr>
+        </p:nvSpPr>
+        <p:spPr/>
+        <p:txBody>
+          <a:bodyPr/>
+          <a:lstStyle/>
+          <a:p>
+            <a:pPr marL="171450" indent="-171450">
+              <a:buFont typeface="Arial" panose="020B0604020202020204" pitchFamily="34" charset="0"/>
+              <a:buChar char="•"/>
+            </a:pPr>
+            <a:r>
+              <a:rPr lang="en-NZ" dirty="0" smtClean="0"/>
+              <a:t>We aren’t going</a:t>
+            </a:r>
+            <a:r>
+              <a:rPr lang="en-NZ" baseline="0" dirty="0" smtClean="0"/>
+              <a:t> to go through the concepts of branches, but we are currently on the master branch (default)</a:t>
+            </a:r>
+            <a:endParaRPr lang="en-NZ" dirty="0" smtClean="0"/>
+          </a:p>
+          <a:p>
+            <a:pPr marL="171450" indent="-171450">
+              <a:buFont typeface="Arial" panose="020B0604020202020204" pitchFamily="34" charset="0"/>
+              <a:buChar char="•"/>
+            </a:pPr>
+            <a:r>
+              <a:rPr lang="en-NZ" dirty="0" smtClean="0"/>
+              <a:t>Change directory into test-app</a:t>
+            </a:r>
+          </a:p>
+          <a:p>
+            <a:pPr marL="171450" indent="-171450">
+              <a:buFont typeface="Arial" panose="020B0604020202020204" pitchFamily="34" charset="0"/>
+              <a:buChar char="•"/>
+            </a:pPr>
+            <a:r>
+              <a:rPr lang="en-NZ" b="0" dirty="0" smtClean="0"/>
+              <a:t>Create</a:t>
+            </a:r>
+            <a:r>
+              <a:rPr lang="en-NZ" b="0" baseline="0" dirty="0" smtClean="0"/>
+              <a:t> two files called test-1.txt and test-2.txt – in Linux we use the </a:t>
+            </a:r>
+            <a:r>
+              <a:rPr lang="en-NZ" b="1" i="1" baseline="0" dirty="0" smtClean="0"/>
+              <a:t>touch</a:t>
+            </a:r>
+            <a:r>
+              <a:rPr lang="en-NZ" b="0" baseline="0" dirty="0" smtClean="0"/>
+              <a:t> command. Of course, you can manually do this</a:t>
+            </a:r>
+          </a:p>
+          <a:p>
+            <a:pPr marL="171450" indent="-171450">
+              <a:buFont typeface="Arial" panose="020B0604020202020204" pitchFamily="34" charset="0"/>
+              <a:buChar char="•"/>
+            </a:pPr>
+            <a:r>
+              <a:rPr lang="en-NZ" b="0" baseline="0" dirty="0" smtClean="0"/>
+              <a:t>Create an empty directory call sub-app – don’t put any files in here</a:t>
+            </a:r>
+            <a:endParaRPr lang="en-NZ" b="0" dirty="0"/>
+          </a:p>
+        </p:txBody>
+      </p:sp>
+      <p:sp>
+        <p:nvSpPr>
+          <p:cNvPr id="4" name="Slide Number Placeholder 3"/>
+          <p:cNvSpPr>
+            <a:spLocks noGrp="1"/>
+          </p:cNvSpPr>
+          <p:nvPr>
+            <p:ph type="sldNum" sz="quarter" idx="10"/>
+          </p:nvPr>
+        </p:nvSpPr>
+        <p:spPr/>
+        <p:txBody>
+          <a:bodyPr/>
+          <a:lstStyle/>
+          <a:p>
+            <a:fld id="{12FF5A28-F489-364E-AEDB-387A53AA762A}" type="slidenum">
+              <a:rPr lang="en-US" smtClean="0"/>
+              <a:t>10</a:t>
+            </a:fld>
+            <a:endParaRPr lang="en-US"/>
+          </a:p>
+        </p:txBody>
+      </p:sp>
+    </p:spTree>
+    <p:extLst>
+      <p:ext uri="{BB962C8B-B14F-4D97-AF65-F5344CB8AC3E}">
+        <p14:creationId xmlns:p14="http://schemas.microsoft.com/office/powerpoint/2010/main" val="2757959740"/>
+      </p:ext>
+    </p:extLst>
+  </p:cSld>
+  <p:clrMapOvr>
+    <a:masterClrMapping/>
+  </p:clrMapOvr>
+</p:notes>
+</file>
+
+<file path=ppt/notesSlides/notesSlide9.xml><?xml version="1.0" encoding="utf-8"?>
+<p:notes xmlns:a="http://schemas.openxmlformats.org/drawingml/2006/main" xmlns:r="http://schemas.openxmlformats.org/officeDocument/2006/relationships" xmlns:p="http://schemas.openxmlformats.org/presentationml/2006/main">
+  <p:cSld>
+    <p:spTree>
+      <p:nvGrpSpPr>
+        <p:cNvPr id="1" name=""/>
+        <p:cNvGrpSpPr/>
+        <p:nvPr/>
+      </p:nvGrpSpPr>
+      <p:grpSpPr>
+        <a:xfrm>
+          <a:off x="0" y="0"/>
+          <a:ext cx="0" cy="0"/>
+          <a:chOff x="0" y="0"/>
+          <a:chExt cx="0" cy="0"/>
+        </a:xfrm>
+      </p:grpSpPr>
+      <p:sp>
+        <p:nvSpPr>
+          <p:cNvPr id="2" name="Slide Image Placeholder 1"/>
+          <p:cNvSpPr>
+            <a:spLocks noGrp="1" noRot="1" noChangeAspect="1"/>
+          </p:cNvSpPr>
+          <p:nvPr>
+            <p:ph type="sldImg"/>
+          </p:nvPr>
+        </p:nvSpPr>
+        <p:spPr/>
+      </p:sp>
+      <p:sp>
+        <p:nvSpPr>
+          <p:cNvPr id="3" name="Notes Placeholder 2"/>
+          <p:cNvSpPr>
+            <a:spLocks noGrp="1"/>
+          </p:cNvSpPr>
+          <p:nvPr>
+            <p:ph type="body" idx="1"/>
+          </p:nvPr>
+        </p:nvSpPr>
+        <p:spPr/>
+        <p:txBody>
+          <a:bodyPr/>
+          <a:lstStyle/>
+          <a:p>
+            <a:pPr marL="171450" indent="-171450">
+              <a:buFont typeface="Arial" panose="020B0604020202020204" pitchFamily="34" charset="0"/>
+              <a:buChar char="•"/>
+            </a:pPr>
+            <a:r>
+              <a:rPr lang="en-NZ" b="0" dirty="0" smtClean="0"/>
+              <a:t>Now we have files</a:t>
+            </a:r>
+            <a:r>
+              <a:rPr lang="en-NZ" b="0" baseline="0" dirty="0" smtClean="0"/>
+              <a:t> to play with…lets add them to our staging area</a:t>
+            </a:r>
+          </a:p>
+          <a:p>
+            <a:pPr marL="171450" indent="-171450">
+              <a:buFont typeface="Arial" panose="020B0604020202020204" pitchFamily="34" charset="0"/>
+              <a:buChar char="•"/>
+            </a:pPr>
+            <a:r>
+              <a:rPr lang="en-NZ" b="0" baseline="0" dirty="0" smtClean="0"/>
+              <a:t>If we explicitly type </a:t>
+            </a:r>
+            <a:r>
+              <a:rPr lang="en-NZ" b="1" i="1" baseline="0" dirty="0" smtClean="0"/>
+              <a:t>git add test-1.txt</a:t>
+            </a:r>
+            <a:r>
+              <a:rPr lang="en-NZ" b="0" baseline="0" dirty="0" smtClean="0"/>
+              <a:t>, we are add this file to the staging area ready for committing</a:t>
+            </a:r>
+          </a:p>
+          <a:p>
+            <a:pPr marL="171450" indent="-171450">
+              <a:buFont typeface="Arial" panose="020B0604020202020204" pitchFamily="34" charset="0"/>
+              <a:buChar char="•"/>
+            </a:pPr>
+            <a:r>
+              <a:rPr lang="en-NZ" b="0" baseline="0" dirty="0" smtClean="0"/>
+              <a:t>We can of course remove this file if we don’t want to commit it – type </a:t>
+            </a:r>
+            <a:r>
+              <a:rPr lang="en-NZ" b="1" i="1" baseline="0" dirty="0" smtClean="0"/>
+              <a:t>git </a:t>
+            </a:r>
+            <a:r>
+              <a:rPr lang="en-NZ" b="1" i="1" baseline="0" dirty="0" err="1" smtClean="0"/>
+              <a:t>rm</a:t>
+            </a:r>
+            <a:r>
+              <a:rPr lang="en-NZ" b="1" i="1" baseline="0" dirty="0" smtClean="0"/>
+              <a:t> –cached &lt;file&gt;</a:t>
+            </a:r>
+          </a:p>
+          <a:p>
+            <a:pPr marL="171450" indent="-171450">
+              <a:buFont typeface="Arial" panose="020B0604020202020204" pitchFamily="34" charset="0"/>
+              <a:buChar char="•"/>
+            </a:pPr>
+            <a:r>
+              <a:rPr lang="en-NZ" b="0" baseline="0" dirty="0" smtClean="0"/>
+              <a:t>The best thing about Git is the messages – </a:t>
+            </a:r>
+            <a:r>
+              <a:rPr lang="en-NZ" b="1" i="1" baseline="0" dirty="0" smtClean="0"/>
+              <a:t>git status </a:t>
+            </a:r>
+            <a:r>
+              <a:rPr lang="en-NZ" b="0" baseline="0" dirty="0" smtClean="0"/>
+              <a:t>is a very handle command</a:t>
+            </a:r>
+          </a:p>
+          <a:p>
+            <a:pPr marL="171450" indent="-171450">
+              <a:buFont typeface="Arial" panose="020B0604020202020204" pitchFamily="34" charset="0"/>
+              <a:buChar char="•"/>
+            </a:pPr>
+            <a:r>
+              <a:rPr lang="en-NZ" b="0" baseline="0" dirty="0" smtClean="0"/>
+              <a:t>No commits yet…</a:t>
+            </a:r>
+            <a:endParaRPr lang="en-NZ" b="1" dirty="0"/>
+          </a:p>
+        </p:txBody>
+      </p:sp>
+      <p:sp>
+        <p:nvSpPr>
+          <p:cNvPr id="4" name="Slide Number Placeholder 3"/>
+          <p:cNvSpPr>
+            <a:spLocks noGrp="1"/>
+          </p:cNvSpPr>
+          <p:nvPr>
+            <p:ph type="sldNum" sz="quarter" idx="10"/>
+          </p:nvPr>
+        </p:nvSpPr>
+        <p:spPr/>
+        <p:txBody>
+          <a:bodyPr/>
+          <a:lstStyle/>
+          <a:p>
+            <a:fld id="{12FF5A28-F489-364E-AEDB-387A53AA762A}" type="slidenum">
+              <a:rPr lang="en-US" smtClean="0"/>
+              <a:t>11</a:t>
+            </a:fld>
+            <a:endParaRPr lang="en-US"/>
+          </a:p>
+        </p:txBody>
+      </p:sp>
+    </p:spTree>
+    <p:extLst>
+      <p:ext uri="{BB962C8B-B14F-4D97-AF65-F5344CB8AC3E}">
+        <p14:creationId xmlns:p14="http://schemas.microsoft.com/office/powerpoint/2010/main" val="1015345292"/>
+      </p:ext>
+    </p:extLst>
+  </p:cSld>
+  <p:clrMapOvr>
+    <a:masterClrMapping/>
+  </p:clrMapOvr>
+</p:notes>
+</file>
+
 <file path=ppt/slideLayouts/slideLayout1.xml><?xml version="1.0" encoding="utf-8"?>
 <p:sldLayout xmlns:a="http://schemas.openxmlformats.org/drawingml/2006/main" xmlns:r="http://schemas.openxmlformats.org/officeDocument/2006/relationships" xmlns:p="http://schemas.openxmlformats.org/presentationml/2006/main" type="title" preserve="1">
   <p:cSld name="Title Slide">
@@ -723,7 +2674,7 @@
           <a:p>
             <a:fld id="{340BE638-7E53-8F4C-AF39-E07C0AA6BC33}" type="datetimeFigureOut">
               <a:rPr lang="en-US" smtClean="0"/>
-              <a:t>9/9/19</a:t>
+              <a:t>9/10/2019</a:t>
             </a:fld>
             <a:endParaRPr lang="en-US"/>
           </a:p>
@@ -893,7 +2844,7 @@
           <a:p>
             <a:fld id="{340BE638-7E53-8F4C-AF39-E07C0AA6BC33}" type="datetimeFigureOut">
               <a:rPr lang="en-US" smtClean="0"/>
-              <a:t>9/9/19</a:t>
+              <a:t>9/10/2019</a:t>
             </a:fld>
             <a:endParaRPr lang="en-US"/>
           </a:p>
@@ -1073,7 +3024,7 @@
           <a:p>
             <a:fld id="{340BE638-7E53-8F4C-AF39-E07C0AA6BC33}" type="datetimeFigureOut">
               <a:rPr lang="en-US" smtClean="0"/>
-              <a:t>9/9/19</a:t>
+              <a:t>9/10/2019</a:t>
             </a:fld>
             <a:endParaRPr lang="en-US"/>
           </a:p>
@@ -1243,7 +3194,7 @@
           <a:p>
             <a:fld id="{340BE638-7E53-8F4C-AF39-E07C0AA6BC33}" type="datetimeFigureOut">
               <a:rPr lang="en-US" smtClean="0"/>
-              <a:t>9/9/19</a:t>
+              <a:t>9/10/2019</a:t>
             </a:fld>
             <a:endParaRPr lang="en-US"/>
           </a:p>
@@ -1489,7 +3440,7 @@
           <a:p>
             <a:fld id="{340BE638-7E53-8F4C-AF39-E07C0AA6BC33}" type="datetimeFigureOut">
               <a:rPr lang="en-US" smtClean="0"/>
-              <a:t>9/9/19</a:t>
+              <a:t>9/10/2019</a:t>
             </a:fld>
             <a:endParaRPr lang="en-US"/>
           </a:p>
@@ -1721,7 +3672,7 @@
           <a:p>
             <a:fld id="{340BE638-7E53-8F4C-AF39-E07C0AA6BC33}" type="datetimeFigureOut">
               <a:rPr lang="en-US" smtClean="0"/>
-              <a:t>9/9/19</a:t>
+              <a:t>9/10/2019</a:t>
             </a:fld>
             <a:endParaRPr lang="en-US"/>
           </a:p>
@@ -2088,7 +4039,7 @@
           <a:p>
             <a:fld id="{340BE638-7E53-8F4C-AF39-E07C0AA6BC33}" type="datetimeFigureOut">
               <a:rPr lang="en-US" smtClean="0"/>
-              <a:t>9/9/19</a:t>
+              <a:t>9/10/2019</a:t>
             </a:fld>
             <a:endParaRPr lang="en-US"/>
           </a:p>
@@ -2206,7 +4157,7 @@
           <a:p>
             <a:fld id="{340BE638-7E53-8F4C-AF39-E07C0AA6BC33}" type="datetimeFigureOut">
               <a:rPr lang="en-US" smtClean="0"/>
-              <a:t>9/9/19</a:t>
+              <a:t>9/10/2019</a:t>
             </a:fld>
             <a:endParaRPr lang="en-US"/>
           </a:p>
@@ -2301,7 +4252,7 @@
           <a:p>
             <a:fld id="{340BE638-7E53-8F4C-AF39-E07C0AA6BC33}" type="datetimeFigureOut">
               <a:rPr lang="en-US" smtClean="0"/>
-              <a:t>9/9/19</a:t>
+              <a:t>9/10/2019</a:t>
             </a:fld>
             <a:endParaRPr lang="en-US"/>
           </a:p>
@@ -2578,7 +4529,7 @@
           <a:p>
             <a:fld id="{340BE638-7E53-8F4C-AF39-E07C0AA6BC33}" type="datetimeFigureOut">
               <a:rPr lang="en-US" smtClean="0"/>
-              <a:t>9/9/19</a:t>
+              <a:t>9/10/2019</a:t>
             </a:fld>
             <a:endParaRPr lang="en-US"/>
           </a:p>
@@ -2831,7 +4782,7 @@
           <a:p>
             <a:fld id="{340BE638-7E53-8F4C-AF39-E07C0AA6BC33}" type="datetimeFigureOut">
               <a:rPr lang="en-US" smtClean="0"/>
-              <a:t>9/9/19</a:t>
+              <a:t>9/10/2019</a:t>
             </a:fld>
             <a:endParaRPr lang="en-US"/>
           </a:p>
@@ -3044,7 +4995,7 @@
           <a:p>
             <a:fld id="{340BE638-7E53-8F4C-AF39-E07C0AA6BC33}" type="datetimeFigureOut">
               <a:rPr lang="en-US" smtClean="0"/>
-              <a:t>9/9/19</a:t>
+              <a:t>9/10/2019</a:t>
             </a:fld>
             <a:endParaRPr lang="en-US"/>
           </a:p>
@@ -3435,6 +5386,14 @@
 <file path=ppt/slides/slide1.xml><?xml version="1.0" encoding="utf-8"?>
 <p:sld xmlns:a="http://schemas.openxmlformats.org/drawingml/2006/main" xmlns:r="http://schemas.openxmlformats.org/officeDocument/2006/relationships" xmlns:p="http://schemas.openxmlformats.org/presentationml/2006/main">
   <p:cSld>
+    <p:bg>
+      <p:bgPr>
+        <a:solidFill>
+          <a:srgbClr val="F4CBB2"/>
+        </a:solidFill>
+        <a:effectLst/>
+      </p:bgPr>
+    </p:bg>
     <p:spTree>
       <p:nvGrpSpPr>
         <p:cNvPr id="1" name=""/>
@@ -3534,12 +5493,27 @@
   <p:clrMapOvr>
     <a:masterClrMapping/>
   </p:clrMapOvr>
+  <p:timing>
+    <p:tnLst>
+      <p:par>
+        <p:cTn id="1" dur="indefinite" restart="never" nodeType="tmRoot"/>
+      </p:par>
+    </p:tnLst>
+  </p:timing>
 </p:sld>
 </file>
 
-<file path=ppt/slides/slide2.xml><?xml version="1.0" encoding="utf-8"?>
+<file path=ppt/slides/slide10.xml><?xml version="1.0" encoding="utf-8"?>
 <p:sld xmlns:a="http://schemas.openxmlformats.org/drawingml/2006/main" xmlns:r="http://schemas.openxmlformats.org/officeDocument/2006/relationships" xmlns:p="http://schemas.openxmlformats.org/presentationml/2006/main">
   <p:cSld>
+    <p:bg>
+      <p:bgPr>
+        <a:solidFill>
+          <a:srgbClr val="F4CBB2"/>
+        </a:solidFill>
+        <a:effectLst/>
+      </p:bgPr>
+    </p:bg>
     <p:spTree>
       <p:nvGrpSpPr>
         <p:cNvPr id="1" name=""/>
@@ -3563,7 +5537,7 @@
         <p:spPr>
           <a:xfrm>
             <a:off x="0" y="0"/>
-            <a:ext cx="12191999" cy="4939814"/>
+            <a:ext cx="12191999" cy="2246769"/>
           </a:xfrm>
           <a:prstGeom prst="rect">
             <a:avLst/>
@@ -3582,6 +5556,2351 @@
           <a:p>
             <a:pPr algn="ctr"/>
             <a:r>
+              <a:rPr lang="en-NZ" sz="4500" dirty="0" smtClean="0"/>
+              <a:t>Add files/directories to the repository</a:t>
+            </a:r>
+            <a:endParaRPr lang="en-US" sz="2500" dirty="0" smtClean="0"/>
+          </a:p>
+          <a:p>
+            <a:pPr marL="342900" lvl="7" indent="-342900" algn="ctr">
+              <a:buFontTx/>
+              <a:buChar char="-"/>
+            </a:pPr>
+            <a:endParaRPr lang="en-US" sz="2500" dirty="0" smtClean="0"/>
+          </a:p>
+          <a:p>
+            <a:pPr marL="342900" lvl="7" indent="-342900" algn="ctr">
+              <a:buFontTx/>
+              <a:buChar char="-"/>
+            </a:pPr>
+            <a:endParaRPr lang="en-US" sz="2500" dirty="0" smtClean="0"/>
+          </a:p>
+        </p:txBody>
+      </p:sp>
+      <p:grpSp>
+        <p:nvGrpSpPr>
+          <p:cNvPr id="6" name="Group 5"/>
+          <p:cNvGrpSpPr/>
+          <p:nvPr/>
+        </p:nvGrpSpPr>
+        <p:grpSpPr>
+          <a:xfrm>
+            <a:off x="10249685" y="6111669"/>
+            <a:ext cx="1829241" cy="635050"/>
+            <a:chOff x="898038" y="2564515"/>
+            <a:chExt cx="10661022" cy="3701143"/>
+          </a:xfrm>
+        </p:grpSpPr>
+        <p:pic>
+          <p:nvPicPr>
+            <p:cNvPr id="7" name="Picture 6"/>
+            <p:cNvPicPr>
+              <a:picLocks noChangeAspect="1"/>
+            </p:cNvPicPr>
+            <p:nvPr/>
+          </p:nvPicPr>
+          <p:blipFill>
+            <a:blip r:embed="rId3">
+              <a:duotone>
+                <a:schemeClr val="accent3">
+                  <a:shade val="45000"/>
+                  <a:satMod val="135000"/>
+                </a:schemeClr>
+                <a:prstClr val="white"/>
+              </a:duotone>
+              <a:extLst>
+                <a:ext uri="{28A0092B-C50C-407E-A947-70E740481C1C}">
+                  <a14:useLocalDpi xmlns:a14="http://schemas.microsoft.com/office/drawing/2010/main" val="0"/>
+                </a:ext>
+              </a:extLst>
+            </a:blip>
+            <a:stretch>
+              <a:fillRect/>
+            </a:stretch>
+          </p:blipFill>
+          <p:spPr>
+            <a:xfrm>
+              <a:off x="898038" y="3118803"/>
+              <a:ext cx="6208519" cy="2592568"/>
+            </a:xfrm>
+            <a:prstGeom prst="rect">
+              <a:avLst/>
+            </a:prstGeom>
+          </p:spPr>
+        </p:pic>
+        <p:pic>
+          <p:nvPicPr>
+            <p:cNvPr id="8" name="Picture 7"/>
+            <p:cNvPicPr>
+              <a:picLocks noChangeAspect="1"/>
+            </p:cNvPicPr>
+            <p:nvPr/>
+          </p:nvPicPr>
+          <p:blipFill>
+            <a:blip r:embed="rId4">
+              <a:duotone>
+                <a:schemeClr val="accent3">
+                  <a:shade val="45000"/>
+                  <a:satMod val="135000"/>
+                </a:schemeClr>
+                <a:prstClr val="white"/>
+              </a:duotone>
+              <a:extLst>
+                <a:ext uri="{28A0092B-C50C-407E-A947-70E740481C1C}">
+                  <a14:useLocalDpi xmlns:a14="http://schemas.microsoft.com/office/drawing/2010/main" val="0"/>
+                </a:ext>
+              </a:extLst>
+            </a:blip>
+            <a:stretch>
+              <a:fillRect/>
+            </a:stretch>
+          </p:blipFill>
+          <p:spPr>
+            <a:xfrm>
+              <a:off x="7106557" y="2564515"/>
+              <a:ext cx="4452503" cy="3701143"/>
+            </a:xfrm>
+            <a:prstGeom prst="rect">
+              <a:avLst/>
+            </a:prstGeom>
+          </p:spPr>
+        </p:pic>
+      </p:grpSp>
+      <p:pic>
+        <p:nvPicPr>
+          <p:cNvPr id="2" name="Picture 1"/>
+          <p:cNvPicPr>
+            <a:picLocks noChangeAspect="1"/>
+          </p:cNvPicPr>
+          <p:nvPr/>
+        </p:nvPicPr>
+        <p:blipFill>
+          <a:blip r:embed="rId5">
+            <a:extLst>
+              <a:ext uri="{28A0092B-C50C-407E-A947-70E740481C1C}">
+                <a14:useLocalDpi xmlns:a14="http://schemas.microsoft.com/office/drawing/2010/main" val="0"/>
+              </a:ext>
+            </a:extLst>
+          </a:blip>
+          <a:stretch>
+            <a:fillRect/>
+          </a:stretch>
+        </p:blipFill>
+        <p:spPr>
+          <a:xfrm>
+            <a:off x="798089" y="2009381"/>
+            <a:ext cx="10595819" cy="3294183"/>
+          </a:xfrm>
+          <a:prstGeom prst="rect">
+            <a:avLst/>
+          </a:prstGeom>
+        </p:spPr>
+      </p:pic>
+    </p:spTree>
+    <p:extLst>
+      <p:ext uri="{BB962C8B-B14F-4D97-AF65-F5344CB8AC3E}">
+        <p14:creationId xmlns:p14="http://schemas.microsoft.com/office/powerpoint/2010/main" val="2775434520"/>
+      </p:ext>
+    </p:extLst>
+  </p:cSld>
+  <p:clrMapOvr>
+    <a:masterClrMapping/>
+  </p:clrMapOvr>
+  <p:timing>
+    <p:tnLst>
+      <p:par>
+        <p:cTn id="1" dur="indefinite" restart="never" nodeType="tmRoot"/>
+      </p:par>
+    </p:tnLst>
+  </p:timing>
+</p:sld>
+</file>
+
+<file path=ppt/slides/slide11.xml><?xml version="1.0" encoding="utf-8"?>
+<p:sld xmlns:a="http://schemas.openxmlformats.org/drawingml/2006/main" xmlns:r="http://schemas.openxmlformats.org/officeDocument/2006/relationships" xmlns:p="http://schemas.openxmlformats.org/presentationml/2006/main">
+  <p:cSld>
+    <p:bg>
+      <p:bgPr>
+        <a:solidFill>
+          <a:srgbClr val="F4CBB2"/>
+        </a:solidFill>
+        <a:effectLst/>
+      </p:bgPr>
+    </p:bg>
+    <p:spTree>
+      <p:nvGrpSpPr>
+        <p:cNvPr id="1" name=""/>
+        <p:cNvGrpSpPr/>
+        <p:nvPr/>
+      </p:nvGrpSpPr>
+      <p:grpSpPr>
+        <a:xfrm>
+          <a:off x="0" y="0"/>
+          <a:ext cx="0" cy="0"/>
+          <a:chOff x="0" y="0"/>
+          <a:chExt cx="0" cy="0"/>
+        </a:xfrm>
+      </p:grpSpPr>
+      <p:sp>
+        <p:nvSpPr>
+          <p:cNvPr id="5" name="TextBox 4"/>
+          <p:cNvSpPr txBox="1"/>
+          <p:nvPr/>
+        </p:nvSpPr>
+        <p:spPr>
+          <a:xfrm>
+            <a:off x="0" y="0"/>
+            <a:ext cx="12191999" cy="2246769"/>
+          </a:xfrm>
+          <a:prstGeom prst="rect">
+            <a:avLst/>
+          </a:prstGeom>
+          <a:noFill/>
+        </p:spPr>
+        <p:txBody>
+          <a:bodyPr wrap="square" rtlCol="0">
+            <a:spAutoFit/>
+          </a:bodyPr>
+          <a:lstStyle/>
+          <a:p>
+            <a:pPr algn="ctr"/>
+            <a:endParaRPr lang="en-US" sz="4500" dirty="0" smtClean="0"/>
+          </a:p>
+          <a:p>
+            <a:pPr algn="ctr"/>
+            <a:r>
+              <a:rPr lang="en-NZ" sz="4500" dirty="0" smtClean="0"/>
+              <a:t>Staging files</a:t>
+            </a:r>
+            <a:endParaRPr lang="en-US" sz="2500" dirty="0" smtClean="0"/>
+          </a:p>
+          <a:p>
+            <a:pPr marL="342900" lvl="7" indent="-342900" algn="ctr">
+              <a:buFontTx/>
+              <a:buChar char="-"/>
+            </a:pPr>
+            <a:endParaRPr lang="en-US" sz="2500" dirty="0" smtClean="0"/>
+          </a:p>
+          <a:p>
+            <a:pPr marL="342900" lvl="7" indent="-342900" algn="ctr">
+              <a:buFontTx/>
+              <a:buChar char="-"/>
+            </a:pPr>
+            <a:endParaRPr lang="en-US" sz="2500" dirty="0" smtClean="0"/>
+          </a:p>
+        </p:txBody>
+      </p:sp>
+      <p:grpSp>
+        <p:nvGrpSpPr>
+          <p:cNvPr id="6" name="Group 5"/>
+          <p:cNvGrpSpPr/>
+          <p:nvPr/>
+        </p:nvGrpSpPr>
+        <p:grpSpPr>
+          <a:xfrm>
+            <a:off x="10249685" y="6111669"/>
+            <a:ext cx="1829241" cy="635050"/>
+            <a:chOff x="898038" y="2564515"/>
+            <a:chExt cx="10661022" cy="3701143"/>
+          </a:xfrm>
+        </p:grpSpPr>
+        <p:pic>
+          <p:nvPicPr>
+            <p:cNvPr id="7" name="Picture 6"/>
+            <p:cNvPicPr>
+              <a:picLocks noChangeAspect="1"/>
+            </p:cNvPicPr>
+            <p:nvPr/>
+          </p:nvPicPr>
+          <p:blipFill>
+            <a:blip r:embed="rId3">
+              <a:duotone>
+                <a:schemeClr val="accent3">
+                  <a:shade val="45000"/>
+                  <a:satMod val="135000"/>
+                </a:schemeClr>
+                <a:prstClr val="white"/>
+              </a:duotone>
+              <a:extLst>
+                <a:ext uri="{28A0092B-C50C-407E-A947-70E740481C1C}">
+                  <a14:useLocalDpi xmlns:a14="http://schemas.microsoft.com/office/drawing/2010/main" val="0"/>
+                </a:ext>
+              </a:extLst>
+            </a:blip>
+            <a:stretch>
+              <a:fillRect/>
+            </a:stretch>
+          </p:blipFill>
+          <p:spPr>
+            <a:xfrm>
+              <a:off x="898038" y="3118803"/>
+              <a:ext cx="6208519" cy="2592568"/>
+            </a:xfrm>
+            <a:prstGeom prst="rect">
+              <a:avLst/>
+            </a:prstGeom>
+          </p:spPr>
+        </p:pic>
+        <p:pic>
+          <p:nvPicPr>
+            <p:cNvPr id="8" name="Picture 7"/>
+            <p:cNvPicPr>
+              <a:picLocks noChangeAspect="1"/>
+            </p:cNvPicPr>
+            <p:nvPr/>
+          </p:nvPicPr>
+          <p:blipFill>
+            <a:blip r:embed="rId4">
+              <a:duotone>
+                <a:schemeClr val="accent3">
+                  <a:shade val="45000"/>
+                  <a:satMod val="135000"/>
+                </a:schemeClr>
+                <a:prstClr val="white"/>
+              </a:duotone>
+              <a:extLst>
+                <a:ext uri="{28A0092B-C50C-407E-A947-70E740481C1C}">
+                  <a14:useLocalDpi xmlns:a14="http://schemas.microsoft.com/office/drawing/2010/main" val="0"/>
+                </a:ext>
+              </a:extLst>
+            </a:blip>
+            <a:stretch>
+              <a:fillRect/>
+            </a:stretch>
+          </p:blipFill>
+          <p:spPr>
+            <a:xfrm>
+              <a:off x="7106557" y="2564515"/>
+              <a:ext cx="4452503" cy="3701143"/>
+            </a:xfrm>
+            <a:prstGeom prst="rect">
+              <a:avLst/>
+            </a:prstGeom>
+          </p:spPr>
+        </p:pic>
+      </p:grpSp>
+      <p:pic>
+        <p:nvPicPr>
+          <p:cNvPr id="2" name="Picture 1"/>
+          <p:cNvPicPr>
+            <a:picLocks noChangeAspect="1"/>
+          </p:cNvPicPr>
+          <p:nvPr/>
+        </p:nvPicPr>
+        <p:blipFill>
+          <a:blip r:embed="rId5">
+            <a:extLst>
+              <a:ext uri="{28A0092B-C50C-407E-A947-70E740481C1C}">
+                <a14:useLocalDpi xmlns:a14="http://schemas.microsoft.com/office/drawing/2010/main" val="0"/>
+              </a:ext>
+            </a:extLst>
+          </a:blip>
+          <a:stretch>
+            <a:fillRect/>
+          </a:stretch>
+        </p:blipFill>
+        <p:spPr>
+          <a:xfrm>
+            <a:off x="471487" y="1733550"/>
+            <a:ext cx="11237938" cy="3493814"/>
+          </a:xfrm>
+          <a:prstGeom prst="rect">
+            <a:avLst/>
+          </a:prstGeom>
+        </p:spPr>
+      </p:pic>
+    </p:spTree>
+    <p:extLst>
+      <p:ext uri="{BB962C8B-B14F-4D97-AF65-F5344CB8AC3E}">
+        <p14:creationId xmlns:p14="http://schemas.microsoft.com/office/powerpoint/2010/main" val="1937738055"/>
+      </p:ext>
+    </p:extLst>
+  </p:cSld>
+  <p:clrMapOvr>
+    <a:masterClrMapping/>
+  </p:clrMapOvr>
+  <p:timing>
+    <p:tnLst>
+      <p:par>
+        <p:cTn id="1" dur="indefinite" restart="never" nodeType="tmRoot"/>
+      </p:par>
+    </p:tnLst>
+  </p:timing>
+</p:sld>
+</file>
+
+<file path=ppt/slides/slide12.xml><?xml version="1.0" encoding="utf-8"?>
+<p:sld xmlns:a="http://schemas.openxmlformats.org/drawingml/2006/main" xmlns:r="http://schemas.openxmlformats.org/officeDocument/2006/relationships" xmlns:p="http://schemas.openxmlformats.org/presentationml/2006/main">
+  <p:cSld>
+    <p:bg>
+      <p:bgPr>
+        <a:solidFill>
+          <a:srgbClr val="F4CBB2"/>
+        </a:solidFill>
+        <a:effectLst/>
+      </p:bgPr>
+    </p:bg>
+    <p:spTree>
+      <p:nvGrpSpPr>
+        <p:cNvPr id="1" name=""/>
+        <p:cNvGrpSpPr/>
+        <p:nvPr/>
+      </p:nvGrpSpPr>
+      <p:grpSpPr>
+        <a:xfrm>
+          <a:off x="0" y="0"/>
+          <a:ext cx="0" cy="0"/>
+          <a:chOff x="0" y="0"/>
+          <a:chExt cx="0" cy="0"/>
+        </a:xfrm>
+      </p:grpSpPr>
+      <p:sp>
+        <p:nvSpPr>
+          <p:cNvPr id="5" name="TextBox 4"/>
+          <p:cNvSpPr txBox="1"/>
+          <p:nvPr/>
+        </p:nvSpPr>
+        <p:spPr>
+          <a:xfrm>
+            <a:off x="0" y="0"/>
+            <a:ext cx="12191999" cy="2631490"/>
+          </a:xfrm>
+          <a:prstGeom prst="rect">
+            <a:avLst/>
+          </a:prstGeom>
+          <a:noFill/>
+        </p:spPr>
+        <p:txBody>
+          <a:bodyPr wrap="square" rtlCol="0">
+            <a:spAutoFit/>
+          </a:bodyPr>
+          <a:lstStyle/>
+          <a:p>
+            <a:pPr algn="ctr"/>
+            <a:endParaRPr lang="en-US" sz="4500" dirty="0" smtClean="0"/>
+          </a:p>
+          <a:p>
+            <a:pPr algn="ctr"/>
+            <a:r>
+              <a:rPr lang="en-US" sz="4500" dirty="0" smtClean="0"/>
+              <a:t>Alternative git add commands</a:t>
+            </a:r>
+          </a:p>
+          <a:p>
+            <a:pPr algn="ctr"/>
+            <a:endParaRPr lang="en-US" sz="2500" dirty="0" smtClean="0"/>
+          </a:p>
+          <a:p>
+            <a:pPr marL="0" lvl="7" algn="ctr"/>
+            <a:endParaRPr lang="en-US" sz="2500" dirty="0" smtClean="0"/>
+          </a:p>
+          <a:p>
+            <a:pPr marL="342900" lvl="7" indent="-342900" algn="ctr">
+              <a:buFontTx/>
+              <a:buChar char="-"/>
+            </a:pPr>
+            <a:endParaRPr lang="en-US" sz="2500" dirty="0" smtClean="0"/>
+          </a:p>
+        </p:txBody>
+      </p:sp>
+      <p:grpSp>
+        <p:nvGrpSpPr>
+          <p:cNvPr id="6" name="Group 5"/>
+          <p:cNvGrpSpPr/>
+          <p:nvPr/>
+        </p:nvGrpSpPr>
+        <p:grpSpPr>
+          <a:xfrm>
+            <a:off x="10249685" y="6111669"/>
+            <a:ext cx="1829241" cy="635050"/>
+            <a:chOff x="898038" y="2564515"/>
+            <a:chExt cx="10661022" cy="3701143"/>
+          </a:xfrm>
+        </p:grpSpPr>
+        <p:pic>
+          <p:nvPicPr>
+            <p:cNvPr id="7" name="Picture 6"/>
+            <p:cNvPicPr>
+              <a:picLocks noChangeAspect="1"/>
+            </p:cNvPicPr>
+            <p:nvPr/>
+          </p:nvPicPr>
+          <p:blipFill>
+            <a:blip r:embed="rId3">
+              <a:duotone>
+                <a:schemeClr val="accent3">
+                  <a:shade val="45000"/>
+                  <a:satMod val="135000"/>
+                </a:schemeClr>
+                <a:prstClr val="white"/>
+              </a:duotone>
+              <a:extLst>
+                <a:ext uri="{28A0092B-C50C-407E-A947-70E740481C1C}">
+                  <a14:useLocalDpi xmlns:a14="http://schemas.microsoft.com/office/drawing/2010/main" val="0"/>
+                </a:ext>
+              </a:extLst>
+            </a:blip>
+            <a:stretch>
+              <a:fillRect/>
+            </a:stretch>
+          </p:blipFill>
+          <p:spPr>
+            <a:xfrm>
+              <a:off x="898038" y="3118803"/>
+              <a:ext cx="6208519" cy="2592568"/>
+            </a:xfrm>
+            <a:prstGeom prst="rect">
+              <a:avLst/>
+            </a:prstGeom>
+          </p:spPr>
+        </p:pic>
+        <p:pic>
+          <p:nvPicPr>
+            <p:cNvPr id="8" name="Picture 7"/>
+            <p:cNvPicPr>
+              <a:picLocks noChangeAspect="1"/>
+            </p:cNvPicPr>
+            <p:nvPr/>
+          </p:nvPicPr>
+          <p:blipFill>
+            <a:blip r:embed="rId4">
+              <a:duotone>
+                <a:schemeClr val="accent3">
+                  <a:shade val="45000"/>
+                  <a:satMod val="135000"/>
+                </a:schemeClr>
+                <a:prstClr val="white"/>
+              </a:duotone>
+              <a:extLst>
+                <a:ext uri="{28A0092B-C50C-407E-A947-70E740481C1C}">
+                  <a14:useLocalDpi xmlns:a14="http://schemas.microsoft.com/office/drawing/2010/main" val="0"/>
+                </a:ext>
+              </a:extLst>
+            </a:blip>
+            <a:stretch>
+              <a:fillRect/>
+            </a:stretch>
+          </p:blipFill>
+          <p:spPr>
+            <a:xfrm>
+              <a:off x="7106557" y="2564515"/>
+              <a:ext cx="4452503" cy="3701143"/>
+            </a:xfrm>
+            <a:prstGeom prst="rect">
+              <a:avLst/>
+            </a:prstGeom>
+          </p:spPr>
+        </p:pic>
+      </p:grpSp>
+      <p:graphicFrame>
+        <p:nvGraphicFramePr>
+          <p:cNvPr id="2" name="Table 1"/>
+          <p:cNvGraphicFramePr>
+            <a:graphicFrameLocks noGrp="1"/>
+          </p:cNvGraphicFramePr>
+          <p:nvPr>
+            <p:extLst>
+              <p:ext uri="{D42A27DB-BD31-4B8C-83A1-F6EECF244321}">
+                <p14:modId xmlns:p14="http://schemas.microsoft.com/office/powerpoint/2010/main" val="2066372912"/>
+              </p:ext>
+            </p:extLst>
+          </p:nvPr>
+        </p:nvGraphicFramePr>
+        <p:xfrm>
+          <a:off x="2031999" y="1945879"/>
+          <a:ext cx="8128000" cy="2392680"/>
+        </p:xfrm>
+        <a:graphic>
+          <a:graphicData uri="http://schemas.openxmlformats.org/drawingml/2006/table">
+            <a:tbl>
+              <a:tblPr firstRow="1" bandRow="1">
+                <a:tableStyleId>{5C22544A-7EE6-4342-B048-85BDC9FD1C3A}</a:tableStyleId>
+              </a:tblPr>
+              <a:tblGrid>
+                <a:gridCol w="4064000">
+                  <a:extLst>
+                    <a:ext uri="{9D8B030D-6E8A-4147-A177-3AD203B41FA5}">
+                      <a16:colId xmlns:a16="http://schemas.microsoft.com/office/drawing/2014/main" val="3306683555"/>
+                    </a:ext>
+                  </a:extLst>
+                </a:gridCol>
+                <a:gridCol w="4064000">
+                  <a:extLst>
+                    <a:ext uri="{9D8B030D-6E8A-4147-A177-3AD203B41FA5}">
+                      <a16:colId xmlns:a16="http://schemas.microsoft.com/office/drawing/2014/main" val="3122824698"/>
+                    </a:ext>
+                  </a:extLst>
+                </a:gridCol>
+              </a:tblGrid>
+              <a:tr h="370840">
+                <a:tc>
+                  <a:txBody>
+                    <a:bodyPr/>
+                    <a:lstStyle/>
+                    <a:p>
+                      <a:pPr algn="ctr"/>
+                      <a:r>
+                        <a:rPr lang="en-NZ" dirty="0" smtClean="0"/>
+                        <a:t>Command</a:t>
+                      </a:r>
+                      <a:endParaRPr lang="en-NZ" dirty="0"/>
+                    </a:p>
+                  </a:txBody>
+                  <a:tcPr/>
+                </a:tc>
+                <a:tc>
+                  <a:txBody>
+                    <a:bodyPr/>
+                    <a:lstStyle/>
+                    <a:p>
+                      <a:pPr algn="ctr"/>
+                      <a:r>
+                        <a:rPr lang="en-NZ" dirty="0" smtClean="0"/>
+                        <a:t>Description</a:t>
+                      </a:r>
+                      <a:endParaRPr lang="en-NZ" dirty="0"/>
+                    </a:p>
+                  </a:txBody>
+                  <a:tcPr/>
+                </a:tc>
+                <a:extLst>
+                  <a:ext uri="{0D108BD9-81ED-4DB2-BD59-A6C34878D82A}">
+                    <a16:rowId xmlns:a16="http://schemas.microsoft.com/office/drawing/2014/main" val="1535492939"/>
+                  </a:ext>
+                </a:extLst>
+              </a:tr>
+              <a:tr h="370840">
+                <a:tc>
+                  <a:txBody>
+                    <a:bodyPr/>
+                    <a:lstStyle/>
+                    <a:p>
+                      <a:pPr algn="ctr"/>
+                      <a:r>
+                        <a:rPr lang="en-NZ" dirty="0" smtClean="0"/>
+                        <a:t>git add .</a:t>
+                      </a:r>
+                      <a:endParaRPr lang="en-NZ" dirty="0"/>
+                    </a:p>
+                  </a:txBody>
+                  <a:tcPr/>
+                </a:tc>
+                <a:tc>
+                  <a:txBody>
+                    <a:bodyPr/>
+                    <a:lstStyle/>
+                    <a:p>
+                      <a:pPr algn="ctr"/>
+                      <a:r>
+                        <a:rPr lang="en-NZ" dirty="0" smtClean="0"/>
+                        <a:t>Add all changed files in the current directory and subdirectories</a:t>
+                      </a:r>
+                      <a:endParaRPr lang="en-NZ" dirty="0"/>
+                    </a:p>
+                  </a:txBody>
+                  <a:tcPr/>
+                </a:tc>
+                <a:extLst>
+                  <a:ext uri="{0D108BD9-81ED-4DB2-BD59-A6C34878D82A}">
+                    <a16:rowId xmlns:a16="http://schemas.microsoft.com/office/drawing/2014/main" val="2894951384"/>
+                  </a:ext>
+                </a:extLst>
+              </a:tr>
+              <a:tr h="370840">
+                <a:tc>
+                  <a:txBody>
+                    <a:bodyPr/>
+                    <a:lstStyle/>
+                    <a:p>
+                      <a:pPr algn="ctr"/>
+                      <a:r>
+                        <a:rPr lang="en-NZ" dirty="0" smtClean="0"/>
+                        <a:t>git add *</a:t>
+                      </a:r>
+                      <a:endParaRPr lang="en-NZ" dirty="0"/>
+                    </a:p>
+                  </a:txBody>
+                  <a:tcPr/>
+                </a:tc>
+                <a:tc>
+                  <a:txBody>
+                    <a:bodyPr/>
+                    <a:lstStyle/>
+                    <a:p>
+                      <a:pPr marL="0" marR="0" lvl="0" indent="0" algn="ctr" defTabSz="914400" rtl="0" eaLnBrk="1" fontAlgn="auto" latinLnBrk="0" hangingPunct="1">
+                        <a:lnSpc>
+                          <a:spcPct val="100000"/>
+                        </a:lnSpc>
+                        <a:spcBef>
+                          <a:spcPts val="0"/>
+                        </a:spcBef>
+                        <a:spcAft>
+                          <a:spcPts val="0"/>
+                        </a:spcAft>
+                        <a:buClrTx/>
+                        <a:buSzTx/>
+                        <a:buFontTx/>
+                        <a:buNone/>
+                        <a:tabLst/>
+                        <a:defRPr/>
+                      </a:pPr>
+                      <a:r>
+                        <a:rPr lang="en-NZ" dirty="0" smtClean="0"/>
+                        <a:t>Add all changed</a:t>
+                      </a:r>
+                      <a:r>
+                        <a:rPr lang="en-NZ" baseline="0" dirty="0" smtClean="0"/>
+                        <a:t> files in the working tree</a:t>
+                      </a:r>
+                      <a:endParaRPr lang="en-NZ" dirty="0" smtClean="0"/>
+                    </a:p>
+                  </a:txBody>
+                  <a:tcPr/>
+                </a:tc>
+                <a:extLst>
+                  <a:ext uri="{0D108BD9-81ED-4DB2-BD59-A6C34878D82A}">
+                    <a16:rowId xmlns:a16="http://schemas.microsoft.com/office/drawing/2014/main" val="1160171538"/>
+                  </a:ext>
+                </a:extLst>
+              </a:tr>
+              <a:tr h="370840">
+                <a:tc>
+                  <a:txBody>
+                    <a:bodyPr/>
+                    <a:lstStyle/>
+                    <a:p>
+                      <a:pPr algn="ctr"/>
+                      <a:r>
+                        <a:rPr lang="en-NZ" dirty="0" smtClean="0"/>
+                        <a:t>git add –A/--all</a:t>
+                      </a:r>
+                      <a:endParaRPr lang="en-NZ" dirty="0"/>
+                    </a:p>
+                  </a:txBody>
+                  <a:tcPr/>
+                </a:tc>
+                <a:tc>
+                  <a:txBody>
+                    <a:bodyPr/>
+                    <a:lstStyle/>
+                    <a:p>
+                      <a:pPr algn="ctr"/>
+                      <a:r>
+                        <a:rPr lang="en-NZ" dirty="0" smtClean="0"/>
+                        <a:t>Add all changed</a:t>
+                      </a:r>
+                      <a:r>
+                        <a:rPr lang="en-NZ" baseline="0" dirty="0" smtClean="0"/>
+                        <a:t> files in the working tree</a:t>
+                      </a:r>
+                      <a:endParaRPr lang="en-NZ" dirty="0"/>
+                    </a:p>
+                  </a:txBody>
+                  <a:tcPr/>
+                </a:tc>
+                <a:extLst>
+                  <a:ext uri="{0D108BD9-81ED-4DB2-BD59-A6C34878D82A}">
+                    <a16:rowId xmlns:a16="http://schemas.microsoft.com/office/drawing/2014/main" val="1841383775"/>
+                  </a:ext>
+                </a:extLst>
+              </a:tr>
+              <a:tr h="370840">
+                <a:tc>
+                  <a:txBody>
+                    <a:bodyPr/>
+                    <a:lstStyle/>
+                    <a:p>
+                      <a:pPr algn="ctr"/>
+                      <a:r>
+                        <a:rPr lang="en-NZ" dirty="0" smtClean="0"/>
+                        <a:t>git add –u/--update</a:t>
+                      </a:r>
+                      <a:endParaRPr lang="en-NZ" dirty="0"/>
+                    </a:p>
+                  </a:txBody>
+                  <a:tcPr/>
+                </a:tc>
+                <a:tc>
+                  <a:txBody>
+                    <a:bodyPr/>
+                    <a:lstStyle/>
+                    <a:p>
+                      <a:pPr algn="ctr"/>
+                      <a:r>
+                        <a:rPr lang="en-NZ" dirty="0" smtClean="0"/>
+                        <a:t>Add all modified/deleted</a:t>
+                      </a:r>
+                      <a:r>
+                        <a:rPr lang="en-NZ" baseline="0" dirty="0" smtClean="0"/>
+                        <a:t> files but not new files in the working tree</a:t>
+                      </a:r>
+                      <a:endParaRPr lang="en-NZ" dirty="0"/>
+                    </a:p>
+                  </a:txBody>
+                  <a:tcPr/>
+                </a:tc>
+                <a:extLst>
+                  <a:ext uri="{0D108BD9-81ED-4DB2-BD59-A6C34878D82A}">
+                    <a16:rowId xmlns:a16="http://schemas.microsoft.com/office/drawing/2014/main" val="3026743774"/>
+                  </a:ext>
+                </a:extLst>
+              </a:tr>
+            </a:tbl>
+          </a:graphicData>
+        </a:graphic>
+      </p:graphicFrame>
+    </p:spTree>
+    <p:extLst>
+      <p:ext uri="{BB962C8B-B14F-4D97-AF65-F5344CB8AC3E}">
+        <p14:creationId xmlns:p14="http://schemas.microsoft.com/office/powerpoint/2010/main" val="1906644182"/>
+      </p:ext>
+    </p:extLst>
+  </p:cSld>
+  <p:clrMapOvr>
+    <a:masterClrMapping/>
+  </p:clrMapOvr>
+  <p:timing>
+    <p:tnLst>
+      <p:par>
+        <p:cTn id="1" dur="indefinite" restart="never" nodeType="tmRoot"/>
+      </p:par>
+    </p:tnLst>
+  </p:timing>
+</p:sld>
+</file>
+
+<file path=ppt/slides/slide13.xml><?xml version="1.0" encoding="utf-8"?>
+<p:sld xmlns:a="http://schemas.openxmlformats.org/drawingml/2006/main" xmlns:r="http://schemas.openxmlformats.org/officeDocument/2006/relationships" xmlns:p="http://schemas.openxmlformats.org/presentationml/2006/main">
+  <p:cSld>
+    <p:bg>
+      <p:bgPr>
+        <a:solidFill>
+          <a:srgbClr val="F4CBB2"/>
+        </a:solidFill>
+        <a:effectLst/>
+      </p:bgPr>
+    </p:bg>
+    <p:spTree>
+      <p:nvGrpSpPr>
+        <p:cNvPr id="1" name=""/>
+        <p:cNvGrpSpPr/>
+        <p:nvPr/>
+      </p:nvGrpSpPr>
+      <p:grpSpPr>
+        <a:xfrm>
+          <a:off x="0" y="0"/>
+          <a:ext cx="0" cy="0"/>
+          <a:chOff x="0" y="0"/>
+          <a:chExt cx="0" cy="0"/>
+        </a:xfrm>
+      </p:grpSpPr>
+      <p:sp>
+        <p:nvSpPr>
+          <p:cNvPr id="5" name="TextBox 4"/>
+          <p:cNvSpPr txBox="1"/>
+          <p:nvPr/>
+        </p:nvSpPr>
+        <p:spPr>
+          <a:xfrm>
+            <a:off x="0" y="0"/>
+            <a:ext cx="12191999" cy="2246769"/>
+          </a:xfrm>
+          <a:prstGeom prst="rect">
+            <a:avLst/>
+          </a:prstGeom>
+          <a:noFill/>
+        </p:spPr>
+        <p:txBody>
+          <a:bodyPr wrap="square" rtlCol="0">
+            <a:spAutoFit/>
+          </a:bodyPr>
+          <a:lstStyle/>
+          <a:p>
+            <a:pPr algn="ctr"/>
+            <a:endParaRPr lang="en-US" sz="4500" dirty="0" smtClean="0"/>
+          </a:p>
+          <a:p>
+            <a:pPr algn="ctr"/>
+            <a:r>
+              <a:rPr lang="en-NZ" sz="4500" dirty="0" smtClean="0"/>
+              <a:t>Committing staged files</a:t>
+            </a:r>
+            <a:endParaRPr lang="en-US" sz="2500" dirty="0" smtClean="0"/>
+          </a:p>
+          <a:p>
+            <a:pPr marL="342900" lvl="7" indent="-342900" algn="ctr">
+              <a:buFontTx/>
+              <a:buChar char="-"/>
+            </a:pPr>
+            <a:endParaRPr lang="en-US" sz="2500" dirty="0" smtClean="0"/>
+          </a:p>
+          <a:p>
+            <a:pPr marL="342900" lvl="7" indent="-342900" algn="ctr">
+              <a:buFontTx/>
+              <a:buChar char="-"/>
+            </a:pPr>
+            <a:endParaRPr lang="en-US" sz="2500" dirty="0" smtClean="0"/>
+          </a:p>
+        </p:txBody>
+      </p:sp>
+      <p:grpSp>
+        <p:nvGrpSpPr>
+          <p:cNvPr id="6" name="Group 5"/>
+          <p:cNvGrpSpPr/>
+          <p:nvPr/>
+        </p:nvGrpSpPr>
+        <p:grpSpPr>
+          <a:xfrm>
+            <a:off x="10249685" y="6111669"/>
+            <a:ext cx="1829241" cy="635050"/>
+            <a:chOff x="898038" y="2564515"/>
+            <a:chExt cx="10661022" cy="3701143"/>
+          </a:xfrm>
+        </p:grpSpPr>
+        <p:pic>
+          <p:nvPicPr>
+            <p:cNvPr id="7" name="Picture 6"/>
+            <p:cNvPicPr>
+              <a:picLocks noChangeAspect="1"/>
+            </p:cNvPicPr>
+            <p:nvPr/>
+          </p:nvPicPr>
+          <p:blipFill>
+            <a:blip r:embed="rId3">
+              <a:duotone>
+                <a:schemeClr val="accent3">
+                  <a:shade val="45000"/>
+                  <a:satMod val="135000"/>
+                </a:schemeClr>
+                <a:prstClr val="white"/>
+              </a:duotone>
+              <a:extLst>
+                <a:ext uri="{28A0092B-C50C-407E-A947-70E740481C1C}">
+                  <a14:useLocalDpi xmlns:a14="http://schemas.microsoft.com/office/drawing/2010/main" val="0"/>
+                </a:ext>
+              </a:extLst>
+            </a:blip>
+            <a:stretch>
+              <a:fillRect/>
+            </a:stretch>
+          </p:blipFill>
+          <p:spPr>
+            <a:xfrm>
+              <a:off x="898038" y="3118803"/>
+              <a:ext cx="6208519" cy="2592568"/>
+            </a:xfrm>
+            <a:prstGeom prst="rect">
+              <a:avLst/>
+            </a:prstGeom>
+          </p:spPr>
+        </p:pic>
+        <p:pic>
+          <p:nvPicPr>
+            <p:cNvPr id="8" name="Picture 7"/>
+            <p:cNvPicPr>
+              <a:picLocks noChangeAspect="1"/>
+            </p:cNvPicPr>
+            <p:nvPr/>
+          </p:nvPicPr>
+          <p:blipFill>
+            <a:blip r:embed="rId4">
+              <a:duotone>
+                <a:schemeClr val="accent3">
+                  <a:shade val="45000"/>
+                  <a:satMod val="135000"/>
+                </a:schemeClr>
+                <a:prstClr val="white"/>
+              </a:duotone>
+              <a:extLst>
+                <a:ext uri="{28A0092B-C50C-407E-A947-70E740481C1C}">
+                  <a14:useLocalDpi xmlns:a14="http://schemas.microsoft.com/office/drawing/2010/main" val="0"/>
+                </a:ext>
+              </a:extLst>
+            </a:blip>
+            <a:stretch>
+              <a:fillRect/>
+            </a:stretch>
+          </p:blipFill>
+          <p:spPr>
+            <a:xfrm>
+              <a:off x="7106557" y="2564515"/>
+              <a:ext cx="4452503" cy="3701143"/>
+            </a:xfrm>
+            <a:prstGeom prst="rect">
+              <a:avLst/>
+            </a:prstGeom>
+          </p:spPr>
+        </p:pic>
+      </p:grpSp>
+      <p:pic>
+        <p:nvPicPr>
+          <p:cNvPr id="4" name="Picture 3"/>
+          <p:cNvPicPr>
+            <a:picLocks noChangeAspect="1"/>
+          </p:cNvPicPr>
+          <p:nvPr/>
+        </p:nvPicPr>
+        <p:blipFill>
+          <a:blip r:embed="rId5">
+            <a:extLst>
+              <a:ext uri="{28A0092B-C50C-407E-A947-70E740481C1C}">
+                <a14:useLocalDpi xmlns:a14="http://schemas.microsoft.com/office/drawing/2010/main" val="0"/>
+              </a:ext>
+            </a:extLst>
+          </a:blip>
+          <a:stretch>
+            <a:fillRect/>
+          </a:stretch>
+        </p:blipFill>
+        <p:spPr>
+          <a:xfrm>
+            <a:off x="576261" y="1885950"/>
+            <a:ext cx="11037743" cy="3435265"/>
+          </a:xfrm>
+          <a:prstGeom prst="rect">
+            <a:avLst/>
+          </a:prstGeom>
+        </p:spPr>
+      </p:pic>
+    </p:spTree>
+    <p:extLst>
+      <p:ext uri="{BB962C8B-B14F-4D97-AF65-F5344CB8AC3E}">
+        <p14:creationId xmlns:p14="http://schemas.microsoft.com/office/powerpoint/2010/main" val="89999795"/>
+      </p:ext>
+    </p:extLst>
+  </p:cSld>
+  <p:clrMapOvr>
+    <a:masterClrMapping/>
+  </p:clrMapOvr>
+  <p:timing>
+    <p:tnLst>
+      <p:par>
+        <p:cTn id="1" dur="indefinite" restart="never" nodeType="tmRoot"/>
+      </p:par>
+    </p:tnLst>
+  </p:timing>
+</p:sld>
+</file>
+
+<file path=ppt/slides/slide14.xml><?xml version="1.0" encoding="utf-8"?>
+<p:sld xmlns:a="http://schemas.openxmlformats.org/drawingml/2006/main" xmlns:r="http://schemas.openxmlformats.org/officeDocument/2006/relationships" xmlns:p="http://schemas.openxmlformats.org/presentationml/2006/main">
+  <p:cSld>
+    <p:bg>
+      <p:bgPr>
+        <a:solidFill>
+          <a:srgbClr val="F4CBB2"/>
+        </a:solidFill>
+        <a:effectLst/>
+      </p:bgPr>
+    </p:bg>
+    <p:spTree>
+      <p:nvGrpSpPr>
+        <p:cNvPr id="1" name=""/>
+        <p:cNvGrpSpPr/>
+        <p:nvPr/>
+      </p:nvGrpSpPr>
+      <p:grpSpPr>
+        <a:xfrm>
+          <a:off x="0" y="0"/>
+          <a:ext cx="0" cy="0"/>
+          <a:chOff x="0" y="0"/>
+          <a:chExt cx="0" cy="0"/>
+        </a:xfrm>
+      </p:grpSpPr>
+      <p:sp>
+        <p:nvSpPr>
+          <p:cNvPr id="5" name="TextBox 4"/>
+          <p:cNvSpPr txBox="1"/>
+          <p:nvPr/>
+        </p:nvSpPr>
+        <p:spPr>
+          <a:xfrm>
+            <a:off x="0" y="0"/>
+            <a:ext cx="12191999" cy="2246769"/>
+          </a:xfrm>
+          <a:prstGeom prst="rect">
+            <a:avLst/>
+          </a:prstGeom>
+          <a:noFill/>
+        </p:spPr>
+        <p:txBody>
+          <a:bodyPr wrap="square" rtlCol="0">
+            <a:spAutoFit/>
+          </a:bodyPr>
+          <a:lstStyle/>
+          <a:p>
+            <a:pPr algn="ctr"/>
+            <a:endParaRPr lang="en-US" sz="4500" dirty="0" smtClean="0"/>
+          </a:p>
+          <a:p>
+            <a:pPr algn="ctr"/>
+            <a:r>
+              <a:rPr lang="en-NZ" sz="4500" dirty="0" smtClean="0"/>
+              <a:t>Check status of committing files</a:t>
+            </a:r>
+            <a:endParaRPr lang="en-US" sz="2500" dirty="0" smtClean="0"/>
+          </a:p>
+          <a:p>
+            <a:pPr marL="342900" lvl="7" indent="-342900" algn="ctr">
+              <a:buFontTx/>
+              <a:buChar char="-"/>
+            </a:pPr>
+            <a:endParaRPr lang="en-US" sz="2500" dirty="0" smtClean="0"/>
+          </a:p>
+          <a:p>
+            <a:pPr marL="342900" lvl="7" indent="-342900" algn="ctr">
+              <a:buFontTx/>
+              <a:buChar char="-"/>
+            </a:pPr>
+            <a:endParaRPr lang="en-US" sz="2500" dirty="0" smtClean="0"/>
+          </a:p>
+        </p:txBody>
+      </p:sp>
+      <p:grpSp>
+        <p:nvGrpSpPr>
+          <p:cNvPr id="6" name="Group 5"/>
+          <p:cNvGrpSpPr/>
+          <p:nvPr/>
+        </p:nvGrpSpPr>
+        <p:grpSpPr>
+          <a:xfrm>
+            <a:off x="10249685" y="6111669"/>
+            <a:ext cx="1829241" cy="635050"/>
+            <a:chOff x="898038" y="2564515"/>
+            <a:chExt cx="10661022" cy="3701143"/>
+          </a:xfrm>
+        </p:grpSpPr>
+        <p:pic>
+          <p:nvPicPr>
+            <p:cNvPr id="7" name="Picture 6"/>
+            <p:cNvPicPr>
+              <a:picLocks noChangeAspect="1"/>
+            </p:cNvPicPr>
+            <p:nvPr/>
+          </p:nvPicPr>
+          <p:blipFill>
+            <a:blip r:embed="rId3">
+              <a:duotone>
+                <a:schemeClr val="accent3">
+                  <a:shade val="45000"/>
+                  <a:satMod val="135000"/>
+                </a:schemeClr>
+                <a:prstClr val="white"/>
+              </a:duotone>
+              <a:extLst>
+                <a:ext uri="{28A0092B-C50C-407E-A947-70E740481C1C}">
+                  <a14:useLocalDpi xmlns:a14="http://schemas.microsoft.com/office/drawing/2010/main" val="0"/>
+                </a:ext>
+              </a:extLst>
+            </a:blip>
+            <a:stretch>
+              <a:fillRect/>
+            </a:stretch>
+          </p:blipFill>
+          <p:spPr>
+            <a:xfrm>
+              <a:off x="898038" y="3118803"/>
+              <a:ext cx="6208519" cy="2592568"/>
+            </a:xfrm>
+            <a:prstGeom prst="rect">
+              <a:avLst/>
+            </a:prstGeom>
+          </p:spPr>
+        </p:pic>
+        <p:pic>
+          <p:nvPicPr>
+            <p:cNvPr id="8" name="Picture 7"/>
+            <p:cNvPicPr>
+              <a:picLocks noChangeAspect="1"/>
+            </p:cNvPicPr>
+            <p:nvPr/>
+          </p:nvPicPr>
+          <p:blipFill>
+            <a:blip r:embed="rId4">
+              <a:duotone>
+                <a:schemeClr val="accent3">
+                  <a:shade val="45000"/>
+                  <a:satMod val="135000"/>
+                </a:schemeClr>
+                <a:prstClr val="white"/>
+              </a:duotone>
+              <a:extLst>
+                <a:ext uri="{28A0092B-C50C-407E-A947-70E740481C1C}">
+                  <a14:useLocalDpi xmlns:a14="http://schemas.microsoft.com/office/drawing/2010/main" val="0"/>
+                </a:ext>
+              </a:extLst>
+            </a:blip>
+            <a:stretch>
+              <a:fillRect/>
+            </a:stretch>
+          </p:blipFill>
+          <p:spPr>
+            <a:xfrm>
+              <a:off x="7106557" y="2564515"/>
+              <a:ext cx="4452503" cy="3701143"/>
+            </a:xfrm>
+            <a:prstGeom prst="rect">
+              <a:avLst/>
+            </a:prstGeom>
+          </p:spPr>
+        </p:pic>
+      </p:grpSp>
+      <p:pic>
+        <p:nvPicPr>
+          <p:cNvPr id="2" name="Picture 1"/>
+          <p:cNvPicPr>
+            <a:picLocks noChangeAspect="1"/>
+          </p:cNvPicPr>
+          <p:nvPr/>
+        </p:nvPicPr>
+        <p:blipFill>
+          <a:blip r:embed="rId5">
+            <a:extLst>
+              <a:ext uri="{28A0092B-C50C-407E-A947-70E740481C1C}">
+                <a14:useLocalDpi xmlns:a14="http://schemas.microsoft.com/office/drawing/2010/main" val="0"/>
+              </a:ext>
+            </a:extLst>
+          </a:blip>
+          <a:stretch>
+            <a:fillRect/>
+          </a:stretch>
+        </p:blipFill>
+        <p:spPr>
+          <a:xfrm>
+            <a:off x="538161" y="1847850"/>
+            <a:ext cx="11117261" cy="3450184"/>
+          </a:xfrm>
+          <a:prstGeom prst="rect">
+            <a:avLst/>
+          </a:prstGeom>
+        </p:spPr>
+      </p:pic>
+    </p:spTree>
+    <p:extLst>
+      <p:ext uri="{BB962C8B-B14F-4D97-AF65-F5344CB8AC3E}">
+        <p14:creationId xmlns:p14="http://schemas.microsoft.com/office/powerpoint/2010/main" val="1100881529"/>
+      </p:ext>
+    </p:extLst>
+  </p:cSld>
+  <p:clrMapOvr>
+    <a:masterClrMapping/>
+  </p:clrMapOvr>
+  <p:timing>
+    <p:tnLst>
+      <p:par>
+        <p:cTn id="1" dur="indefinite" restart="never" nodeType="tmRoot"/>
+      </p:par>
+    </p:tnLst>
+  </p:timing>
+</p:sld>
+</file>
+
+<file path=ppt/slides/slide15.xml><?xml version="1.0" encoding="utf-8"?>
+<p:sld xmlns:a="http://schemas.openxmlformats.org/drawingml/2006/main" xmlns:r="http://schemas.openxmlformats.org/officeDocument/2006/relationships" xmlns:p="http://schemas.openxmlformats.org/presentationml/2006/main">
+  <p:cSld>
+    <p:bg>
+      <p:bgPr>
+        <a:solidFill>
+          <a:srgbClr val="F4CBB2"/>
+        </a:solidFill>
+        <a:effectLst/>
+      </p:bgPr>
+    </p:bg>
+    <p:spTree>
+      <p:nvGrpSpPr>
+        <p:cNvPr id="1" name=""/>
+        <p:cNvGrpSpPr/>
+        <p:nvPr/>
+      </p:nvGrpSpPr>
+      <p:grpSpPr>
+        <a:xfrm>
+          <a:off x="0" y="0"/>
+          <a:ext cx="0" cy="0"/>
+          <a:chOff x="0" y="0"/>
+          <a:chExt cx="0" cy="0"/>
+        </a:xfrm>
+      </p:grpSpPr>
+      <p:sp>
+        <p:nvSpPr>
+          <p:cNvPr id="5" name="TextBox 4"/>
+          <p:cNvSpPr txBox="1"/>
+          <p:nvPr/>
+        </p:nvSpPr>
+        <p:spPr>
+          <a:xfrm>
+            <a:off x="0" y="0"/>
+            <a:ext cx="12191999" cy="2246769"/>
+          </a:xfrm>
+          <a:prstGeom prst="rect">
+            <a:avLst/>
+          </a:prstGeom>
+          <a:noFill/>
+        </p:spPr>
+        <p:txBody>
+          <a:bodyPr wrap="square" rtlCol="0">
+            <a:spAutoFit/>
+          </a:bodyPr>
+          <a:lstStyle/>
+          <a:p>
+            <a:pPr algn="ctr"/>
+            <a:endParaRPr lang="en-US" sz="4500" dirty="0" smtClean="0"/>
+          </a:p>
+          <a:p>
+            <a:pPr algn="ctr"/>
+            <a:r>
+              <a:rPr lang="en-NZ" sz="4500" dirty="0" smtClean="0"/>
+              <a:t>Pushing our committed files</a:t>
+            </a:r>
+            <a:endParaRPr lang="en-US" sz="2500" dirty="0" smtClean="0"/>
+          </a:p>
+          <a:p>
+            <a:pPr marL="342900" lvl="7" indent="-342900" algn="ctr">
+              <a:buFontTx/>
+              <a:buChar char="-"/>
+            </a:pPr>
+            <a:endParaRPr lang="en-US" sz="2500" dirty="0" smtClean="0"/>
+          </a:p>
+          <a:p>
+            <a:pPr marL="342900" lvl="7" indent="-342900" algn="ctr">
+              <a:buFontTx/>
+              <a:buChar char="-"/>
+            </a:pPr>
+            <a:endParaRPr lang="en-US" sz="2500" dirty="0" smtClean="0"/>
+          </a:p>
+        </p:txBody>
+      </p:sp>
+      <p:grpSp>
+        <p:nvGrpSpPr>
+          <p:cNvPr id="6" name="Group 5"/>
+          <p:cNvGrpSpPr/>
+          <p:nvPr/>
+        </p:nvGrpSpPr>
+        <p:grpSpPr>
+          <a:xfrm>
+            <a:off x="10249685" y="6111669"/>
+            <a:ext cx="1829241" cy="635050"/>
+            <a:chOff x="898038" y="2564515"/>
+            <a:chExt cx="10661022" cy="3701143"/>
+          </a:xfrm>
+        </p:grpSpPr>
+        <p:pic>
+          <p:nvPicPr>
+            <p:cNvPr id="7" name="Picture 6"/>
+            <p:cNvPicPr>
+              <a:picLocks noChangeAspect="1"/>
+            </p:cNvPicPr>
+            <p:nvPr/>
+          </p:nvPicPr>
+          <p:blipFill>
+            <a:blip r:embed="rId3">
+              <a:duotone>
+                <a:schemeClr val="accent3">
+                  <a:shade val="45000"/>
+                  <a:satMod val="135000"/>
+                </a:schemeClr>
+                <a:prstClr val="white"/>
+              </a:duotone>
+              <a:extLst>
+                <a:ext uri="{28A0092B-C50C-407E-A947-70E740481C1C}">
+                  <a14:useLocalDpi xmlns:a14="http://schemas.microsoft.com/office/drawing/2010/main" val="0"/>
+                </a:ext>
+              </a:extLst>
+            </a:blip>
+            <a:stretch>
+              <a:fillRect/>
+            </a:stretch>
+          </p:blipFill>
+          <p:spPr>
+            <a:xfrm>
+              <a:off x="898038" y="3118803"/>
+              <a:ext cx="6208519" cy="2592568"/>
+            </a:xfrm>
+            <a:prstGeom prst="rect">
+              <a:avLst/>
+            </a:prstGeom>
+          </p:spPr>
+        </p:pic>
+        <p:pic>
+          <p:nvPicPr>
+            <p:cNvPr id="8" name="Picture 7"/>
+            <p:cNvPicPr>
+              <a:picLocks noChangeAspect="1"/>
+            </p:cNvPicPr>
+            <p:nvPr/>
+          </p:nvPicPr>
+          <p:blipFill>
+            <a:blip r:embed="rId4">
+              <a:duotone>
+                <a:schemeClr val="accent3">
+                  <a:shade val="45000"/>
+                  <a:satMod val="135000"/>
+                </a:schemeClr>
+                <a:prstClr val="white"/>
+              </a:duotone>
+              <a:extLst>
+                <a:ext uri="{28A0092B-C50C-407E-A947-70E740481C1C}">
+                  <a14:useLocalDpi xmlns:a14="http://schemas.microsoft.com/office/drawing/2010/main" val="0"/>
+                </a:ext>
+              </a:extLst>
+            </a:blip>
+            <a:stretch>
+              <a:fillRect/>
+            </a:stretch>
+          </p:blipFill>
+          <p:spPr>
+            <a:xfrm>
+              <a:off x="7106557" y="2564515"/>
+              <a:ext cx="4452503" cy="3701143"/>
+            </a:xfrm>
+            <a:prstGeom prst="rect">
+              <a:avLst/>
+            </a:prstGeom>
+          </p:spPr>
+        </p:pic>
+      </p:grpSp>
+      <p:pic>
+        <p:nvPicPr>
+          <p:cNvPr id="3" name="Picture 2"/>
+          <p:cNvPicPr>
+            <a:picLocks noChangeAspect="1"/>
+          </p:cNvPicPr>
+          <p:nvPr/>
+        </p:nvPicPr>
+        <p:blipFill>
+          <a:blip r:embed="rId5">
+            <a:extLst>
+              <a:ext uri="{28A0092B-C50C-407E-A947-70E740481C1C}">
+                <a14:useLocalDpi xmlns:a14="http://schemas.microsoft.com/office/drawing/2010/main" val="0"/>
+              </a:ext>
+            </a:extLst>
+          </a:blip>
+          <a:stretch>
+            <a:fillRect/>
+          </a:stretch>
+        </p:blipFill>
+        <p:spPr>
+          <a:xfrm>
+            <a:off x="791602" y="1837243"/>
+            <a:ext cx="10608793" cy="3304686"/>
+          </a:xfrm>
+          <a:prstGeom prst="rect">
+            <a:avLst/>
+          </a:prstGeom>
+        </p:spPr>
+      </p:pic>
+    </p:spTree>
+    <p:extLst>
+      <p:ext uri="{BB962C8B-B14F-4D97-AF65-F5344CB8AC3E}">
+        <p14:creationId xmlns:p14="http://schemas.microsoft.com/office/powerpoint/2010/main" val="1991448771"/>
+      </p:ext>
+    </p:extLst>
+  </p:cSld>
+  <p:clrMapOvr>
+    <a:masterClrMapping/>
+  </p:clrMapOvr>
+  <p:timing>
+    <p:tnLst>
+      <p:par>
+        <p:cTn id="1" dur="indefinite" restart="never" nodeType="tmRoot"/>
+      </p:par>
+    </p:tnLst>
+  </p:timing>
+</p:sld>
+</file>
+
+<file path=ppt/slides/slide16.xml><?xml version="1.0" encoding="utf-8"?>
+<p:sld xmlns:a="http://schemas.openxmlformats.org/drawingml/2006/main" xmlns:r="http://schemas.openxmlformats.org/officeDocument/2006/relationships" xmlns:p="http://schemas.openxmlformats.org/presentationml/2006/main">
+  <p:cSld>
+    <p:bg>
+      <p:bgPr>
+        <a:solidFill>
+          <a:srgbClr val="F4CBB2"/>
+        </a:solidFill>
+        <a:effectLst/>
+      </p:bgPr>
+    </p:bg>
+    <p:spTree>
+      <p:nvGrpSpPr>
+        <p:cNvPr id="1" name=""/>
+        <p:cNvGrpSpPr/>
+        <p:nvPr/>
+      </p:nvGrpSpPr>
+      <p:grpSpPr>
+        <a:xfrm>
+          <a:off x="0" y="0"/>
+          <a:ext cx="0" cy="0"/>
+          <a:chOff x="0" y="0"/>
+          <a:chExt cx="0" cy="0"/>
+        </a:xfrm>
+      </p:grpSpPr>
+      <p:sp>
+        <p:nvSpPr>
+          <p:cNvPr id="5" name="TextBox 4"/>
+          <p:cNvSpPr txBox="1"/>
+          <p:nvPr/>
+        </p:nvSpPr>
+        <p:spPr>
+          <a:xfrm>
+            <a:off x="0" y="0"/>
+            <a:ext cx="12191999" cy="2246769"/>
+          </a:xfrm>
+          <a:prstGeom prst="rect">
+            <a:avLst/>
+          </a:prstGeom>
+          <a:noFill/>
+        </p:spPr>
+        <p:txBody>
+          <a:bodyPr wrap="square" rtlCol="0">
+            <a:spAutoFit/>
+          </a:bodyPr>
+          <a:lstStyle/>
+          <a:p>
+            <a:pPr algn="ctr"/>
+            <a:endParaRPr lang="en-US" sz="4500" dirty="0" smtClean="0"/>
+          </a:p>
+          <a:p>
+            <a:pPr algn="ctr"/>
+            <a:r>
+              <a:rPr lang="en-NZ" sz="4500" dirty="0" smtClean="0"/>
+              <a:t>Check your GitHub repository</a:t>
+            </a:r>
+            <a:endParaRPr lang="en-US" sz="2500" dirty="0" smtClean="0"/>
+          </a:p>
+          <a:p>
+            <a:pPr marL="342900" lvl="7" indent="-342900" algn="ctr">
+              <a:buFontTx/>
+              <a:buChar char="-"/>
+            </a:pPr>
+            <a:endParaRPr lang="en-US" sz="2500" dirty="0" smtClean="0"/>
+          </a:p>
+          <a:p>
+            <a:pPr marL="342900" lvl="7" indent="-342900" algn="ctr">
+              <a:buFontTx/>
+              <a:buChar char="-"/>
+            </a:pPr>
+            <a:endParaRPr lang="en-US" sz="2500" dirty="0" smtClean="0"/>
+          </a:p>
+        </p:txBody>
+      </p:sp>
+      <p:grpSp>
+        <p:nvGrpSpPr>
+          <p:cNvPr id="6" name="Group 5"/>
+          <p:cNvGrpSpPr/>
+          <p:nvPr/>
+        </p:nvGrpSpPr>
+        <p:grpSpPr>
+          <a:xfrm>
+            <a:off x="10249685" y="6111669"/>
+            <a:ext cx="1829241" cy="635050"/>
+            <a:chOff x="898038" y="2564515"/>
+            <a:chExt cx="10661022" cy="3701143"/>
+          </a:xfrm>
+        </p:grpSpPr>
+        <p:pic>
+          <p:nvPicPr>
+            <p:cNvPr id="7" name="Picture 6"/>
+            <p:cNvPicPr>
+              <a:picLocks noChangeAspect="1"/>
+            </p:cNvPicPr>
+            <p:nvPr/>
+          </p:nvPicPr>
+          <p:blipFill>
+            <a:blip r:embed="rId3">
+              <a:duotone>
+                <a:schemeClr val="accent3">
+                  <a:shade val="45000"/>
+                  <a:satMod val="135000"/>
+                </a:schemeClr>
+                <a:prstClr val="white"/>
+              </a:duotone>
+              <a:extLst>
+                <a:ext uri="{28A0092B-C50C-407E-A947-70E740481C1C}">
+                  <a14:useLocalDpi xmlns:a14="http://schemas.microsoft.com/office/drawing/2010/main" val="0"/>
+                </a:ext>
+              </a:extLst>
+            </a:blip>
+            <a:stretch>
+              <a:fillRect/>
+            </a:stretch>
+          </p:blipFill>
+          <p:spPr>
+            <a:xfrm>
+              <a:off x="898038" y="3118803"/>
+              <a:ext cx="6208519" cy="2592568"/>
+            </a:xfrm>
+            <a:prstGeom prst="rect">
+              <a:avLst/>
+            </a:prstGeom>
+          </p:spPr>
+        </p:pic>
+        <p:pic>
+          <p:nvPicPr>
+            <p:cNvPr id="8" name="Picture 7"/>
+            <p:cNvPicPr>
+              <a:picLocks noChangeAspect="1"/>
+            </p:cNvPicPr>
+            <p:nvPr/>
+          </p:nvPicPr>
+          <p:blipFill>
+            <a:blip r:embed="rId4">
+              <a:duotone>
+                <a:schemeClr val="accent3">
+                  <a:shade val="45000"/>
+                  <a:satMod val="135000"/>
+                </a:schemeClr>
+                <a:prstClr val="white"/>
+              </a:duotone>
+              <a:extLst>
+                <a:ext uri="{28A0092B-C50C-407E-A947-70E740481C1C}">
+                  <a14:useLocalDpi xmlns:a14="http://schemas.microsoft.com/office/drawing/2010/main" val="0"/>
+                </a:ext>
+              </a:extLst>
+            </a:blip>
+            <a:stretch>
+              <a:fillRect/>
+            </a:stretch>
+          </p:blipFill>
+          <p:spPr>
+            <a:xfrm>
+              <a:off x="7106557" y="2564515"/>
+              <a:ext cx="4452503" cy="3701143"/>
+            </a:xfrm>
+            <a:prstGeom prst="rect">
+              <a:avLst/>
+            </a:prstGeom>
+          </p:spPr>
+        </p:pic>
+      </p:grpSp>
+      <p:pic>
+        <p:nvPicPr>
+          <p:cNvPr id="2" name="Picture 1"/>
+          <p:cNvPicPr>
+            <a:picLocks noChangeAspect="1"/>
+          </p:cNvPicPr>
+          <p:nvPr/>
+        </p:nvPicPr>
+        <p:blipFill>
+          <a:blip r:embed="rId5">
+            <a:extLst>
+              <a:ext uri="{28A0092B-C50C-407E-A947-70E740481C1C}">
+                <a14:useLocalDpi xmlns:a14="http://schemas.microsoft.com/office/drawing/2010/main" val="0"/>
+              </a:ext>
+            </a:extLst>
+          </a:blip>
+          <a:stretch>
+            <a:fillRect/>
+          </a:stretch>
+        </p:blipFill>
+        <p:spPr>
+          <a:xfrm>
+            <a:off x="1304925" y="1743075"/>
+            <a:ext cx="9582150" cy="4210050"/>
+          </a:xfrm>
+          <a:prstGeom prst="rect">
+            <a:avLst/>
+          </a:prstGeom>
+        </p:spPr>
+      </p:pic>
+    </p:spTree>
+    <p:extLst>
+      <p:ext uri="{BB962C8B-B14F-4D97-AF65-F5344CB8AC3E}">
+        <p14:creationId xmlns:p14="http://schemas.microsoft.com/office/powerpoint/2010/main" val="1697631370"/>
+      </p:ext>
+    </p:extLst>
+  </p:cSld>
+  <p:clrMapOvr>
+    <a:masterClrMapping/>
+  </p:clrMapOvr>
+  <p:timing>
+    <p:tnLst>
+      <p:par>
+        <p:cTn id="1" dur="indefinite" restart="never" nodeType="tmRoot"/>
+      </p:par>
+    </p:tnLst>
+  </p:timing>
+</p:sld>
+</file>
+
+<file path=ppt/slides/slide17.xml><?xml version="1.0" encoding="utf-8"?>
+<p:sld xmlns:a="http://schemas.openxmlformats.org/drawingml/2006/main" xmlns:r="http://schemas.openxmlformats.org/officeDocument/2006/relationships" xmlns:p="http://schemas.openxmlformats.org/presentationml/2006/main">
+  <p:cSld>
+    <p:bg>
+      <p:bgPr>
+        <a:solidFill>
+          <a:srgbClr val="F4CBB2"/>
+        </a:solidFill>
+        <a:effectLst/>
+      </p:bgPr>
+    </p:bg>
+    <p:spTree>
+      <p:nvGrpSpPr>
+        <p:cNvPr id="1" name=""/>
+        <p:cNvGrpSpPr/>
+        <p:nvPr/>
+      </p:nvGrpSpPr>
+      <p:grpSpPr>
+        <a:xfrm>
+          <a:off x="0" y="0"/>
+          <a:ext cx="0" cy="0"/>
+          <a:chOff x="0" y="0"/>
+          <a:chExt cx="0" cy="0"/>
+        </a:xfrm>
+      </p:grpSpPr>
+      <p:sp>
+        <p:nvSpPr>
+          <p:cNvPr id="5" name="TextBox 4"/>
+          <p:cNvSpPr txBox="1"/>
+          <p:nvPr/>
+        </p:nvSpPr>
+        <p:spPr>
+          <a:xfrm>
+            <a:off x="0" y="0"/>
+            <a:ext cx="12191999" cy="1477328"/>
+          </a:xfrm>
+          <a:prstGeom prst="rect">
+            <a:avLst/>
+          </a:prstGeom>
+          <a:noFill/>
+        </p:spPr>
+        <p:txBody>
+          <a:bodyPr wrap="square" rtlCol="0">
+            <a:spAutoFit/>
+          </a:bodyPr>
+          <a:lstStyle/>
+          <a:p>
+            <a:pPr algn="ctr"/>
+            <a:endParaRPr lang="en-US" sz="4500" dirty="0" smtClean="0"/>
+          </a:p>
+          <a:p>
+            <a:pPr algn="ctr"/>
+            <a:r>
+              <a:rPr lang="en-NZ" sz="4500" dirty="0" smtClean="0"/>
+              <a:t>Pulling files from the remote repository</a:t>
+            </a:r>
+            <a:endParaRPr lang="en-US" sz="2500" dirty="0" smtClean="0"/>
+          </a:p>
+        </p:txBody>
+      </p:sp>
+      <p:grpSp>
+        <p:nvGrpSpPr>
+          <p:cNvPr id="6" name="Group 5"/>
+          <p:cNvGrpSpPr/>
+          <p:nvPr/>
+        </p:nvGrpSpPr>
+        <p:grpSpPr>
+          <a:xfrm>
+            <a:off x="10249685" y="6111669"/>
+            <a:ext cx="1829241" cy="635050"/>
+            <a:chOff x="898038" y="2564515"/>
+            <a:chExt cx="10661022" cy="3701143"/>
+          </a:xfrm>
+        </p:grpSpPr>
+        <p:pic>
+          <p:nvPicPr>
+            <p:cNvPr id="7" name="Picture 6"/>
+            <p:cNvPicPr>
+              <a:picLocks noChangeAspect="1"/>
+            </p:cNvPicPr>
+            <p:nvPr/>
+          </p:nvPicPr>
+          <p:blipFill>
+            <a:blip r:embed="rId3">
+              <a:duotone>
+                <a:schemeClr val="accent3">
+                  <a:shade val="45000"/>
+                  <a:satMod val="135000"/>
+                </a:schemeClr>
+                <a:prstClr val="white"/>
+              </a:duotone>
+              <a:extLst>
+                <a:ext uri="{28A0092B-C50C-407E-A947-70E740481C1C}">
+                  <a14:useLocalDpi xmlns:a14="http://schemas.microsoft.com/office/drawing/2010/main" val="0"/>
+                </a:ext>
+              </a:extLst>
+            </a:blip>
+            <a:stretch>
+              <a:fillRect/>
+            </a:stretch>
+          </p:blipFill>
+          <p:spPr>
+            <a:xfrm>
+              <a:off x="898038" y="3118803"/>
+              <a:ext cx="6208519" cy="2592568"/>
+            </a:xfrm>
+            <a:prstGeom prst="rect">
+              <a:avLst/>
+            </a:prstGeom>
+          </p:spPr>
+        </p:pic>
+        <p:pic>
+          <p:nvPicPr>
+            <p:cNvPr id="8" name="Picture 7"/>
+            <p:cNvPicPr>
+              <a:picLocks noChangeAspect="1"/>
+            </p:cNvPicPr>
+            <p:nvPr/>
+          </p:nvPicPr>
+          <p:blipFill>
+            <a:blip r:embed="rId4">
+              <a:duotone>
+                <a:schemeClr val="accent3">
+                  <a:shade val="45000"/>
+                  <a:satMod val="135000"/>
+                </a:schemeClr>
+                <a:prstClr val="white"/>
+              </a:duotone>
+              <a:extLst>
+                <a:ext uri="{28A0092B-C50C-407E-A947-70E740481C1C}">
+                  <a14:useLocalDpi xmlns:a14="http://schemas.microsoft.com/office/drawing/2010/main" val="0"/>
+                </a:ext>
+              </a:extLst>
+            </a:blip>
+            <a:stretch>
+              <a:fillRect/>
+            </a:stretch>
+          </p:blipFill>
+          <p:spPr>
+            <a:xfrm>
+              <a:off x="7106557" y="2564515"/>
+              <a:ext cx="4452503" cy="3701143"/>
+            </a:xfrm>
+            <a:prstGeom prst="rect">
+              <a:avLst/>
+            </a:prstGeom>
+          </p:spPr>
+        </p:pic>
+      </p:grpSp>
+      <p:pic>
+        <p:nvPicPr>
+          <p:cNvPr id="3" name="Picture 2"/>
+          <p:cNvPicPr>
+            <a:picLocks noChangeAspect="1"/>
+          </p:cNvPicPr>
+          <p:nvPr/>
+        </p:nvPicPr>
+        <p:blipFill>
+          <a:blip r:embed="rId5">
+            <a:extLst>
+              <a:ext uri="{28A0092B-C50C-407E-A947-70E740481C1C}">
+                <a14:useLocalDpi xmlns:a14="http://schemas.microsoft.com/office/drawing/2010/main" val="0"/>
+              </a:ext>
+            </a:extLst>
+          </a:blip>
+          <a:stretch>
+            <a:fillRect/>
+          </a:stretch>
+        </p:blipFill>
+        <p:spPr>
+          <a:xfrm>
+            <a:off x="1824034" y="1890870"/>
+            <a:ext cx="8543927" cy="2558258"/>
+          </a:xfrm>
+          <a:prstGeom prst="rect">
+            <a:avLst/>
+          </a:prstGeom>
+        </p:spPr>
+      </p:pic>
+      <p:pic>
+        <p:nvPicPr>
+          <p:cNvPr id="4" name="Picture 3"/>
+          <p:cNvPicPr>
+            <a:picLocks noChangeAspect="1"/>
+          </p:cNvPicPr>
+          <p:nvPr/>
+        </p:nvPicPr>
+        <p:blipFill>
+          <a:blip r:embed="rId6">
+            <a:extLst>
+              <a:ext uri="{28A0092B-C50C-407E-A947-70E740481C1C}">
+                <a14:useLocalDpi xmlns:a14="http://schemas.microsoft.com/office/drawing/2010/main" val="0"/>
+              </a:ext>
+            </a:extLst>
+          </a:blip>
+          <a:stretch>
+            <a:fillRect/>
+          </a:stretch>
+        </p:blipFill>
+        <p:spPr>
+          <a:xfrm>
+            <a:off x="2902742" y="3940057"/>
+            <a:ext cx="6386513" cy="2711556"/>
+          </a:xfrm>
+          <a:prstGeom prst="rect">
+            <a:avLst/>
+          </a:prstGeom>
+        </p:spPr>
+      </p:pic>
+    </p:spTree>
+    <p:extLst>
+      <p:ext uri="{BB962C8B-B14F-4D97-AF65-F5344CB8AC3E}">
+        <p14:creationId xmlns:p14="http://schemas.microsoft.com/office/powerpoint/2010/main" val="3341184404"/>
+      </p:ext>
+    </p:extLst>
+  </p:cSld>
+  <p:clrMapOvr>
+    <a:masterClrMapping/>
+  </p:clrMapOvr>
+  <p:timing>
+    <p:tnLst>
+      <p:par>
+        <p:cTn id="1" dur="indefinite" restart="never" nodeType="tmRoot"/>
+      </p:par>
+    </p:tnLst>
+  </p:timing>
+</p:sld>
+</file>
+
+<file path=ppt/slides/slide18.xml><?xml version="1.0" encoding="utf-8"?>
+<p:sld xmlns:a="http://schemas.openxmlformats.org/drawingml/2006/main" xmlns:r="http://schemas.openxmlformats.org/officeDocument/2006/relationships" xmlns:p="http://schemas.openxmlformats.org/presentationml/2006/main">
+  <p:cSld>
+    <p:bg>
+      <p:bgPr>
+        <a:solidFill>
+          <a:srgbClr val="F4CBB2"/>
+        </a:solidFill>
+        <a:effectLst/>
+      </p:bgPr>
+    </p:bg>
+    <p:spTree>
+      <p:nvGrpSpPr>
+        <p:cNvPr id="1" name=""/>
+        <p:cNvGrpSpPr/>
+        <p:nvPr/>
+      </p:nvGrpSpPr>
+      <p:grpSpPr>
+        <a:xfrm>
+          <a:off x="0" y="0"/>
+          <a:ext cx="0" cy="0"/>
+          <a:chOff x="0" y="0"/>
+          <a:chExt cx="0" cy="0"/>
+        </a:xfrm>
+      </p:grpSpPr>
+      <p:sp>
+        <p:nvSpPr>
+          <p:cNvPr id="5" name="TextBox 4"/>
+          <p:cNvSpPr txBox="1"/>
+          <p:nvPr/>
+        </p:nvSpPr>
+        <p:spPr>
+          <a:xfrm>
+            <a:off x="0" y="0"/>
+            <a:ext cx="12191999" cy="1477328"/>
+          </a:xfrm>
+          <a:prstGeom prst="rect">
+            <a:avLst/>
+          </a:prstGeom>
+          <a:noFill/>
+        </p:spPr>
+        <p:txBody>
+          <a:bodyPr wrap="square" rtlCol="0">
+            <a:spAutoFit/>
+          </a:bodyPr>
+          <a:lstStyle/>
+          <a:p>
+            <a:pPr algn="ctr"/>
+            <a:endParaRPr lang="en-US" sz="4500" dirty="0" smtClean="0"/>
+          </a:p>
+          <a:p>
+            <a:pPr algn="ctr"/>
+            <a:r>
+              <a:rPr lang="en-NZ" sz="4500" dirty="0" smtClean="0"/>
+              <a:t>Pulling files from the remote repository</a:t>
+            </a:r>
+            <a:endParaRPr lang="en-US" sz="2500" dirty="0" smtClean="0"/>
+          </a:p>
+        </p:txBody>
+      </p:sp>
+      <p:grpSp>
+        <p:nvGrpSpPr>
+          <p:cNvPr id="6" name="Group 5"/>
+          <p:cNvGrpSpPr/>
+          <p:nvPr/>
+        </p:nvGrpSpPr>
+        <p:grpSpPr>
+          <a:xfrm>
+            <a:off x="10249685" y="6111669"/>
+            <a:ext cx="1829241" cy="635050"/>
+            <a:chOff x="898038" y="2564515"/>
+            <a:chExt cx="10661022" cy="3701143"/>
+          </a:xfrm>
+        </p:grpSpPr>
+        <p:pic>
+          <p:nvPicPr>
+            <p:cNvPr id="7" name="Picture 6"/>
+            <p:cNvPicPr>
+              <a:picLocks noChangeAspect="1"/>
+            </p:cNvPicPr>
+            <p:nvPr/>
+          </p:nvPicPr>
+          <p:blipFill>
+            <a:blip r:embed="rId3">
+              <a:duotone>
+                <a:schemeClr val="accent3">
+                  <a:shade val="45000"/>
+                  <a:satMod val="135000"/>
+                </a:schemeClr>
+                <a:prstClr val="white"/>
+              </a:duotone>
+              <a:extLst>
+                <a:ext uri="{28A0092B-C50C-407E-A947-70E740481C1C}">
+                  <a14:useLocalDpi xmlns:a14="http://schemas.microsoft.com/office/drawing/2010/main" val="0"/>
+                </a:ext>
+              </a:extLst>
+            </a:blip>
+            <a:stretch>
+              <a:fillRect/>
+            </a:stretch>
+          </p:blipFill>
+          <p:spPr>
+            <a:xfrm>
+              <a:off x="898038" y="3118803"/>
+              <a:ext cx="6208519" cy="2592568"/>
+            </a:xfrm>
+            <a:prstGeom prst="rect">
+              <a:avLst/>
+            </a:prstGeom>
+          </p:spPr>
+        </p:pic>
+        <p:pic>
+          <p:nvPicPr>
+            <p:cNvPr id="8" name="Picture 7"/>
+            <p:cNvPicPr>
+              <a:picLocks noChangeAspect="1"/>
+            </p:cNvPicPr>
+            <p:nvPr/>
+          </p:nvPicPr>
+          <p:blipFill>
+            <a:blip r:embed="rId4">
+              <a:duotone>
+                <a:schemeClr val="accent3">
+                  <a:shade val="45000"/>
+                  <a:satMod val="135000"/>
+                </a:schemeClr>
+                <a:prstClr val="white"/>
+              </a:duotone>
+              <a:extLst>
+                <a:ext uri="{28A0092B-C50C-407E-A947-70E740481C1C}">
+                  <a14:useLocalDpi xmlns:a14="http://schemas.microsoft.com/office/drawing/2010/main" val="0"/>
+                </a:ext>
+              </a:extLst>
+            </a:blip>
+            <a:stretch>
+              <a:fillRect/>
+            </a:stretch>
+          </p:blipFill>
+          <p:spPr>
+            <a:xfrm>
+              <a:off x="7106557" y="2564515"/>
+              <a:ext cx="4452503" cy="3701143"/>
+            </a:xfrm>
+            <a:prstGeom prst="rect">
+              <a:avLst/>
+            </a:prstGeom>
+          </p:spPr>
+        </p:pic>
+      </p:grpSp>
+      <p:pic>
+        <p:nvPicPr>
+          <p:cNvPr id="2" name="Picture 1"/>
+          <p:cNvPicPr>
+            <a:picLocks noChangeAspect="1"/>
+          </p:cNvPicPr>
+          <p:nvPr/>
+        </p:nvPicPr>
+        <p:blipFill>
+          <a:blip r:embed="rId5">
+            <a:extLst>
+              <a:ext uri="{28A0092B-C50C-407E-A947-70E740481C1C}">
+                <a14:useLocalDpi xmlns:a14="http://schemas.microsoft.com/office/drawing/2010/main" val="0"/>
+              </a:ext>
+            </a:extLst>
+          </a:blip>
+          <a:stretch>
+            <a:fillRect/>
+          </a:stretch>
+        </p:blipFill>
+        <p:spPr>
+          <a:xfrm>
+            <a:off x="1988342" y="1904424"/>
+            <a:ext cx="8215313" cy="3780149"/>
+          </a:xfrm>
+          <a:prstGeom prst="rect">
+            <a:avLst/>
+          </a:prstGeom>
+        </p:spPr>
+      </p:pic>
+    </p:spTree>
+    <p:extLst>
+      <p:ext uri="{BB962C8B-B14F-4D97-AF65-F5344CB8AC3E}">
+        <p14:creationId xmlns:p14="http://schemas.microsoft.com/office/powerpoint/2010/main" val="3028220424"/>
+      </p:ext>
+    </p:extLst>
+  </p:cSld>
+  <p:clrMapOvr>
+    <a:masterClrMapping/>
+  </p:clrMapOvr>
+  <p:timing>
+    <p:tnLst>
+      <p:par>
+        <p:cTn id="1" dur="indefinite" restart="never" nodeType="tmRoot"/>
+      </p:par>
+    </p:tnLst>
+  </p:timing>
+</p:sld>
+</file>
+
+<file path=ppt/slides/slide19.xml><?xml version="1.0" encoding="utf-8"?>
+<p:sld xmlns:a="http://schemas.openxmlformats.org/drawingml/2006/main" xmlns:r="http://schemas.openxmlformats.org/officeDocument/2006/relationships" xmlns:p="http://schemas.openxmlformats.org/presentationml/2006/main">
+  <p:cSld>
+    <p:bg>
+      <p:bgPr>
+        <a:solidFill>
+          <a:srgbClr val="F4CBB2"/>
+        </a:solidFill>
+        <a:effectLst/>
+      </p:bgPr>
+    </p:bg>
+    <p:spTree>
+      <p:nvGrpSpPr>
+        <p:cNvPr id="1" name=""/>
+        <p:cNvGrpSpPr/>
+        <p:nvPr/>
+      </p:nvGrpSpPr>
+      <p:grpSpPr>
+        <a:xfrm>
+          <a:off x="0" y="0"/>
+          <a:ext cx="0" cy="0"/>
+          <a:chOff x="0" y="0"/>
+          <a:chExt cx="0" cy="0"/>
+        </a:xfrm>
+      </p:grpSpPr>
+      <p:sp>
+        <p:nvSpPr>
+          <p:cNvPr id="5" name="TextBox 4"/>
+          <p:cNvSpPr txBox="1"/>
+          <p:nvPr/>
+        </p:nvSpPr>
+        <p:spPr>
+          <a:xfrm>
+            <a:off x="0" y="0"/>
+            <a:ext cx="12191999" cy="1477328"/>
+          </a:xfrm>
+          <a:prstGeom prst="rect">
+            <a:avLst/>
+          </a:prstGeom>
+          <a:noFill/>
+        </p:spPr>
+        <p:txBody>
+          <a:bodyPr wrap="square" rtlCol="0">
+            <a:spAutoFit/>
+          </a:bodyPr>
+          <a:lstStyle/>
+          <a:p>
+            <a:pPr algn="ctr"/>
+            <a:endParaRPr lang="en-US" sz="4500" dirty="0" smtClean="0"/>
+          </a:p>
+          <a:p>
+            <a:pPr algn="ctr"/>
+            <a:r>
+              <a:rPr lang="en-NZ" sz="4500" dirty="0" smtClean="0"/>
+              <a:t>Pulling files from the remote repository</a:t>
+            </a:r>
+            <a:endParaRPr lang="en-US" sz="2500" dirty="0" smtClean="0"/>
+          </a:p>
+        </p:txBody>
+      </p:sp>
+      <p:grpSp>
+        <p:nvGrpSpPr>
+          <p:cNvPr id="6" name="Group 5"/>
+          <p:cNvGrpSpPr/>
+          <p:nvPr/>
+        </p:nvGrpSpPr>
+        <p:grpSpPr>
+          <a:xfrm>
+            <a:off x="10249685" y="6111669"/>
+            <a:ext cx="1829241" cy="635050"/>
+            <a:chOff x="898038" y="2564515"/>
+            <a:chExt cx="10661022" cy="3701143"/>
+          </a:xfrm>
+        </p:grpSpPr>
+        <p:pic>
+          <p:nvPicPr>
+            <p:cNvPr id="7" name="Picture 6"/>
+            <p:cNvPicPr>
+              <a:picLocks noChangeAspect="1"/>
+            </p:cNvPicPr>
+            <p:nvPr/>
+          </p:nvPicPr>
+          <p:blipFill>
+            <a:blip r:embed="rId3">
+              <a:duotone>
+                <a:schemeClr val="accent3">
+                  <a:shade val="45000"/>
+                  <a:satMod val="135000"/>
+                </a:schemeClr>
+                <a:prstClr val="white"/>
+              </a:duotone>
+              <a:extLst>
+                <a:ext uri="{28A0092B-C50C-407E-A947-70E740481C1C}">
+                  <a14:useLocalDpi xmlns:a14="http://schemas.microsoft.com/office/drawing/2010/main" val="0"/>
+                </a:ext>
+              </a:extLst>
+            </a:blip>
+            <a:stretch>
+              <a:fillRect/>
+            </a:stretch>
+          </p:blipFill>
+          <p:spPr>
+            <a:xfrm>
+              <a:off x="898038" y="3118803"/>
+              <a:ext cx="6208519" cy="2592568"/>
+            </a:xfrm>
+            <a:prstGeom prst="rect">
+              <a:avLst/>
+            </a:prstGeom>
+          </p:spPr>
+        </p:pic>
+        <p:pic>
+          <p:nvPicPr>
+            <p:cNvPr id="8" name="Picture 7"/>
+            <p:cNvPicPr>
+              <a:picLocks noChangeAspect="1"/>
+            </p:cNvPicPr>
+            <p:nvPr/>
+          </p:nvPicPr>
+          <p:blipFill>
+            <a:blip r:embed="rId4">
+              <a:duotone>
+                <a:schemeClr val="accent3">
+                  <a:shade val="45000"/>
+                  <a:satMod val="135000"/>
+                </a:schemeClr>
+                <a:prstClr val="white"/>
+              </a:duotone>
+              <a:extLst>
+                <a:ext uri="{28A0092B-C50C-407E-A947-70E740481C1C}">
+                  <a14:useLocalDpi xmlns:a14="http://schemas.microsoft.com/office/drawing/2010/main" val="0"/>
+                </a:ext>
+              </a:extLst>
+            </a:blip>
+            <a:stretch>
+              <a:fillRect/>
+            </a:stretch>
+          </p:blipFill>
+          <p:spPr>
+            <a:xfrm>
+              <a:off x="7106557" y="2564515"/>
+              <a:ext cx="4452503" cy="3701143"/>
+            </a:xfrm>
+            <a:prstGeom prst="rect">
+              <a:avLst/>
+            </a:prstGeom>
+          </p:spPr>
+        </p:pic>
+      </p:grpSp>
+      <p:pic>
+        <p:nvPicPr>
+          <p:cNvPr id="3" name="Picture 2"/>
+          <p:cNvPicPr>
+            <a:picLocks noChangeAspect="1"/>
+          </p:cNvPicPr>
+          <p:nvPr/>
+        </p:nvPicPr>
+        <p:blipFill>
+          <a:blip r:embed="rId5">
+            <a:extLst>
+              <a:ext uri="{28A0092B-C50C-407E-A947-70E740481C1C}">
+                <a14:useLocalDpi xmlns:a14="http://schemas.microsoft.com/office/drawing/2010/main" val="0"/>
+              </a:ext>
+            </a:extLst>
+          </a:blip>
+          <a:stretch>
+            <a:fillRect/>
+          </a:stretch>
+        </p:blipFill>
+        <p:spPr>
+          <a:xfrm>
+            <a:off x="769123" y="1830379"/>
+            <a:ext cx="10653752" cy="3309262"/>
+          </a:xfrm>
+          <a:prstGeom prst="rect">
+            <a:avLst/>
+          </a:prstGeom>
+        </p:spPr>
+      </p:pic>
+    </p:spTree>
+    <p:extLst>
+      <p:ext uri="{BB962C8B-B14F-4D97-AF65-F5344CB8AC3E}">
+        <p14:creationId xmlns:p14="http://schemas.microsoft.com/office/powerpoint/2010/main" val="1912366571"/>
+      </p:ext>
+    </p:extLst>
+  </p:cSld>
+  <p:clrMapOvr>
+    <a:masterClrMapping/>
+  </p:clrMapOvr>
+  <p:timing>
+    <p:tnLst>
+      <p:par>
+        <p:cTn id="1" dur="indefinite" restart="never" nodeType="tmRoot"/>
+      </p:par>
+    </p:tnLst>
+  </p:timing>
+</p:sld>
+</file>
+
+<file path=ppt/slides/slide2.xml><?xml version="1.0" encoding="utf-8"?>
+<p:sld xmlns:a="http://schemas.openxmlformats.org/drawingml/2006/main" xmlns:r="http://schemas.openxmlformats.org/officeDocument/2006/relationships" xmlns:p="http://schemas.openxmlformats.org/presentationml/2006/main">
+  <p:cSld>
+    <p:bg>
+      <p:bgPr>
+        <a:solidFill>
+          <a:srgbClr val="F4CBB2"/>
+        </a:solidFill>
+        <a:effectLst/>
+      </p:bgPr>
+    </p:bg>
+    <p:spTree>
+      <p:nvGrpSpPr>
+        <p:cNvPr id="1" name=""/>
+        <p:cNvGrpSpPr/>
+        <p:nvPr/>
+      </p:nvGrpSpPr>
+      <p:grpSpPr>
+        <a:xfrm>
+          <a:off x="0" y="0"/>
+          <a:ext cx="0" cy="0"/>
+          <a:chOff x="0" y="0"/>
+          <a:chExt cx="0" cy="0"/>
+        </a:xfrm>
+      </p:grpSpPr>
+      <p:sp>
+        <p:nvSpPr>
+          <p:cNvPr id="5" name="TextBox 4"/>
+          <p:cNvSpPr txBox="1"/>
+          <p:nvPr/>
+        </p:nvSpPr>
+        <p:spPr>
+          <a:xfrm>
+            <a:off x="0" y="0"/>
+            <a:ext cx="12191999" cy="4555093"/>
+          </a:xfrm>
+          <a:prstGeom prst="rect">
+            <a:avLst/>
+          </a:prstGeom>
+          <a:noFill/>
+        </p:spPr>
+        <p:txBody>
+          <a:bodyPr wrap="square" rtlCol="0">
+            <a:spAutoFit/>
+          </a:bodyPr>
+          <a:lstStyle/>
+          <a:p>
+            <a:pPr algn="ctr"/>
+            <a:endParaRPr lang="en-US" sz="4500" dirty="0" smtClean="0"/>
+          </a:p>
+          <a:p>
+            <a:pPr algn="ctr"/>
+            <a:r>
               <a:rPr lang="en-US" sz="4500" dirty="0" smtClean="0"/>
               <a:t>What is Git?</a:t>
             </a:r>
@@ -3615,7 +7934,7 @@
             </a:pPr>
             <a:r>
               <a:rPr lang="en-US" sz="2500" dirty="0" smtClean="0"/>
-              <a:t>Distributed version control system</a:t>
+              <a:t>Distributed VCS </a:t>
             </a:r>
           </a:p>
           <a:p>
@@ -3625,7 +7944,7 @@
             </a:pPr>
             <a:r>
               <a:rPr lang="en-US" sz="2500" dirty="0" smtClean="0"/>
-              <a:t>Work between multiple developers</a:t>
+              <a:t>Coordinate work among developers</a:t>
             </a:r>
           </a:p>
           <a:p>
@@ -3635,7 +7954,7 @@
             </a:pPr>
             <a:r>
               <a:rPr lang="en-US" sz="2500" dirty="0" smtClean="0"/>
-              <a:t>Track who made changes and when</a:t>
+              <a:t>Used to track changes in any set of files</a:t>
             </a:r>
           </a:p>
           <a:p>
@@ -3645,17 +7964,474 @@
             </a:pPr>
             <a:r>
               <a:rPr lang="en-US" sz="2500" dirty="0" smtClean="0"/>
-              <a:t>Revert back at any time</a:t>
-            </a:r>
-          </a:p>
-          <a:p>
-            <a:pPr marL="342900" indent="-342900" algn="ctr">
+              <a:t>Access to local and remote repositories</a:t>
+            </a:r>
+          </a:p>
+        </p:txBody>
+      </p:sp>
+      <p:grpSp>
+        <p:nvGrpSpPr>
+          <p:cNvPr id="6" name="Group 5"/>
+          <p:cNvGrpSpPr/>
+          <p:nvPr/>
+        </p:nvGrpSpPr>
+        <p:grpSpPr>
+          <a:xfrm>
+            <a:off x="10249685" y="6111669"/>
+            <a:ext cx="1829241" cy="635050"/>
+            <a:chOff x="898038" y="2564515"/>
+            <a:chExt cx="10661022" cy="3701143"/>
+          </a:xfrm>
+        </p:grpSpPr>
+        <p:pic>
+          <p:nvPicPr>
+            <p:cNvPr id="7" name="Picture 6"/>
+            <p:cNvPicPr>
+              <a:picLocks noChangeAspect="1"/>
+            </p:cNvPicPr>
+            <p:nvPr/>
+          </p:nvPicPr>
+          <p:blipFill>
+            <a:blip r:embed="rId3">
+              <a:duotone>
+                <a:schemeClr val="accent3">
+                  <a:shade val="45000"/>
+                  <a:satMod val="135000"/>
+                </a:schemeClr>
+                <a:prstClr val="white"/>
+              </a:duotone>
+              <a:extLst>
+                <a:ext uri="{28A0092B-C50C-407E-A947-70E740481C1C}">
+                  <a14:useLocalDpi xmlns:a14="http://schemas.microsoft.com/office/drawing/2010/main" val="0"/>
+                </a:ext>
+              </a:extLst>
+            </a:blip>
+            <a:stretch>
+              <a:fillRect/>
+            </a:stretch>
+          </p:blipFill>
+          <p:spPr>
+            <a:xfrm>
+              <a:off x="898038" y="3118803"/>
+              <a:ext cx="6208519" cy="2592568"/>
+            </a:xfrm>
+            <a:prstGeom prst="rect">
+              <a:avLst/>
+            </a:prstGeom>
+          </p:spPr>
+        </p:pic>
+        <p:pic>
+          <p:nvPicPr>
+            <p:cNvPr id="8" name="Picture 7"/>
+            <p:cNvPicPr>
+              <a:picLocks noChangeAspect="1"/>
+            </p:cNvPicPr>
+            <p:nvPr/>
+          </p:nvPicPr>
+          <p:blipFill>
+            <a:blip r:embed="rId4">
+              <a:duotone>
+                <a:schemeClr val="accent3">
+                  <a:shade val="45000"/>
+                  <a:satMod val="135000"/>
+                </a:schemeClr>
+                <a:prstClr val="white"/>
+              </a:duotone>
+              <a:extLst>
+                <a:ext uri="{28A0092B-C50C-407E-A947-70E740481C1C}">
+                  <a14:useLocalDpi xmlns:a14="http://schemas.microsoft.com/office/drawing/2010/main" val="0"/>
+                </a:ext>
+              </a:extLst>
+            </a:blip>
+            <a:stretch>
+              <a:fillRect/>
+            </a:stretch>
+          </p:blipFill>
+          <p:spPr>
+            <a:xfrm>
+              <a:off x="7106557" y="2564515"/>
+              <a:ext cx="4452503" cy="3701143"/>
+            </a:xfrm>
+            <a:prstGeom prst="rect">
+              <a:avLst/>
+            </a:prstGeom>
+          </p:spPr>
+        </p:pic>
+      </p:grpSp>
+    </p:spTree>
+    <p:extLst>
+      <p:ext uri="{BB962C8B-B14F-4D97-AF65-F5344CB8AC3E}">
+        <p14:creationId xmlns:p14="http://schemas.microsoft.com/office/powerpoint/2010/main" val="1346192309"/>
+      </p:ext>
+    </p:extLst>
+  </p:cSld>
+  <p:clrMapOvr>
+    <a:masterClrMapping/>
+  </p:clrMapOvr>
+  <p:timing>
+    <p:tnLst>
+      <p:par>
+        <p:cTn id="1" dur="indefinite" restart="never" nodeType="tmRoot"/>
+      </p:par>
+    </p:tnLst>
+  </p:timing>
+</p:sld>
+</file>
+
+<file path=ppt/slides/slide3.xml><?xml version="1.0" encoding="utf-8"?>
+<p:sld xmlns:a="http://schemas.openxmlformats.org/drawingml/2006/main" xmlns:r="http://schemas.openxmlformats.org/officeDocument/2006/relationships" xmlns:p="http://schemas.openxmlformats.org/presentationml/2006/main">
+  <p:cSld>
+    <p:bg>
+      <p:bgPr>
+        <a:solidFill>
+          <a:srgbClr val="F4CBB2"/>
+        </a:solidFill>
+        <a:effectLst/>
+      </p:bgPr>
+    </p:bg>
+    <p:spTree>
+      <p:nvGrpSpPr>
+        <p:cNvPr id="1" name=""/>
+        <p:cNvGrpSpPr/>
+        <p:nvPr/>
+      </p:nvGrpSpPr>
+      <p:grpSpPr>
+        <a:xfrm>
+          <a:off x="0" y="0"/>
+          <a:ext cx="0" cy="0"/>
+          <a:chOff x="0" y="0"/>
+          <a:chExt cx="0" cy="0"/>
+        </a:xfrm>
+      </p:grpSpPr>
+      <p:sp>
+        <p:nvSpPr>
+          <p:cNvPr id="5" name="TextBox 4"/>
+          <p:cNvSpPr txBox="1"/>
+          <p:nvPr/>
+        </p:nvSpPr>
+        <p:spPr>
+          <a:xfrm>
+            <a:off x="0" y="0"/>
+            <a:ext cx="12191999" cy="1862048"/>
+          </a:xfrm>
+          <a:prstGeom prst="rect">
+            <a:avLst/>
+          </a:prstGeom>
+          <a:noFill/>
+        </p:spPr>
+        <p:txBody>
+          <a:bodyPr wrap="square" rtlCol="0">
+            <a:spAutoFit/>
+          </a:bodyPr>
+          <a:lstStyle/>
+          <a:p>
+            <a:pPr algn="ctr"/>
+            <a:endParaRPr lang="en-US" sz="4500" dirty="0" smtClean="0"/>
+          </a:p>
+          <a:p>
+            <a:pPr algn="ctr"/>
+            <a:r>
+              <a:rPr lang="en-US" sz="4500" dirty="0" smtClean="0"/>
+              <a:t>Centralised vs Distributed VCS</a:t>
+            </a:r>
+          </a:p>
+          <a:p>
+            <a:pPr algn="ctr"/>
+            <a:endParaRPr lang="en-US" sz="2500" dirty="0"/>
+          </a:p>
+        </p:txBody>
+      </p:sp>
+      <p:grpSp>
+        <p:nvGrpSpPr>
+          <p:cNvPr id="6" name="Group 5"/>
+          <p:cNvGrpSpPr/>
+          <p:nvPr/>
+        </p:nvGrpSpPr>
+        <p:grpSpPr>
+          <a:xfrm>
+            <a:off x="10249685" y="6111669"/>
+            <a:ext cx="1829241" cy="635050"/>
+            <a:chOff x="898038" y="2564515"/>
+            <a:chExt cx="10661022" cy="3701143"/>
+          </a:xfrm>
+        </p:grpSpPr>
+        <p:pic>
+          <p:nvPicPr>
+            <p:cNvPr id="7" name="Picture 6"/>
+            <p:cNvPicPr>
+              <a:picLocks noChangeAspect="1"/>
+            </p:cNvPicPr>
+            <p:nvPr/>
+          </p:nvPicPr>
+          <p:blipFill>
+            <a:blip r:embed="rId3">
+              <a:duotone>
+                <a:schemeClr val="accent3">
+                  <a:shade val="45000"/>
+                  <a:satMod val="135000"/>
+                </a:schemeClr>
+                <a:prstClr val="white"/>
+              </a:duotone>
+              <a:extLst>
+                <a:ext uri="{28A0092B-C50C-407E-A947-70E740481C1C}">
+                  <a14:useLocalDpi xmlns:a14="http://schemas.microsoft.com/office/drawing/2010/main" val="0"/>
+                </a:ext>
+              </a:extLst>
+            </a:blip>
+            <a:stretch>
+              <a:fillRect/>
+            </a:stretch>
+          </p:blipFill>
+          <p:spPr>
+            <a:xfrm>
+              <a:off x="898038" y="3118803"/>
+              <a:ext cx="6208519" cy="2592568"/>
+            </a:xfrm>
+            <a:prstGeom prst="rect">
+              <a:avLst/>
+            </a:prstGeom>
+          </p:spPr>
+        </p:pic>
+        <p:pic>
+          <p:nvPicPr>
+            <p:cNvPr id="8" name="Picture 7"/>
+            <p:cNvPicPr>
+              <a:picLocks noChangeAspect="1"/>
+            </p:cNvPicPr>
+            <p:nvPr/>
+          </p:nvPicPr>
+          <p:blipFill>
+            <a:blip r:embed="rId4">
+              <a:duotone>
+                <a:schemeClr val="accent3">
+                  <a:shade val="45000"/>
+                  <a:satMod val="135000"/>
+                </a:schemeClr>
+                <a:prstClr val="white"/>
+              </a:duotone>
+              <a:extLst>
+                <a:ext uri="{28A0092B-C50C-407E-A947-70E740481C1C}">
+                  <a14:useLocalDpi xmlns:a14="http://schemas.microsoft.com/office/drawing/2010/main" val="0"/>
+                </a:ext>
+              </a:extLst>
+            </a:blip>
+            <a:stretch>
+              <a:fillRect/>
+            </a:stretch>
+          </p:blipFill>
+          <p:spPr>
+            <a:xfrm>
+              <a:off x="7106557" y="2564515"/>
+              <a:ext cx="4452503" cy="3701143"/>
+            </a:xfrm>
+            <a:prstGeom prst="rect">
+              <a:avLst/>
+            </a:prstGeom>
+          </p:spPr>
+        </p:pic>
+      </p:grpSp>
+      <p:grpSp>
+        <p:nvGrpSpPr>
+          <p:cNvPr id="4" name="Group 3"/>
+          <p:cNvGrpSpPr/>
+          <p:nvPr/>
+        </p:nvGrpSpPr>
+        <p:grpSpPr>
+          <a:xfrm>
+            <a:off x="2546375" y="1862048"/>
+            <a:ext cx="7099247" cy="2800741"/>
+            <a:chOff x="4506686" y="1862048"/>
+            <a:chExt cx="7099247" cy="2800741"/>
+          </a:xfrm>
+        </p:grpSpPr>
+        <p:pic>
+          <p:nvPicPr>
+            <p:cNvPr id="2" name="Picture 1"/>
+            <p:cNvPicPr>
+              <a:picLocks noChangeAspect="1"/>
+            </p:cNvPicPr>
+            <p:nvPr/>
+          </p:nvPicPr>
+          <p:blipFill rotWithShape="1">
+            <a:blip r:embed="rId5">
+              <a:extLst>
+                <a:ext uri="{28A0092B-C50C-407E-A947-70E740481C1C}">
+                  <a14:useLocalDpi xmlns:a14="http://schemas.microsoft.com/office/drawing/2010/main" val="0"/>
+                </a:ext>
+              </a:extLst>
+            </a:blip>
+            <a:srcRect l="6096" r="4051"/>
+            <a:stretch/>
+          </p:blipFill>
+          <p:spPr>
+            <a:xfrm>
+              <a:off x="4506686" y="1862048"/>
+              <a:ext cx="3252651" cy="2610214"/>
+            </a:xfrm>
+            <a:prstGeom prst="rect">
+              <a:avLst/>
+            </a:prstGeom>
+          </p:spPr>
+        </p:pic>
+        <p:pic>
+          <p:nvPicPr>
+            <p:cNvPr id="3" name="Picture 2"/>
+            <p:cNvPicPr>
+              <a:picLocks noChangeAspect="1"/>
+            </p:cNvPicPr>
+            <p:nvPr/>
+          </p:nvPicPr>
+          <p:blipFill rotWithShape="1">
+            <a:blip r:embed="rId6">
+              <a:extLst>
+                <a:ext uri="{28A0092B-C50C-407E-A947-70E740481C1C}">
+                  <a14:useLocalDpi xmlns:a14="http://schemas.microsoft.com/office/drawing/2010/main" val="0"/>
+                </a:ext>
+              </a:extLst>
+            </a:blip>
+            <a:srcRect l="17725"/>
+            <a:stretch/>
+          </p:blipFill>
+          <p:spPr>
+            <a:xfrm>
+              <a:off x="8345402" y="1862048"/>
+              <a:ext cx="3260531" cy="2800741"/>
+            </a:xfrm>
+            <a:prstGeom prst="rect">
+              <a:avLst/>
+            </a:prstGeom>
+          </p:spPr>
+        </p:pic>
+      </p:grpSp>
+    </p:spTree>
+    <p:extLst>
+      <p:ext uri="{BB962C8B-B14F-4D97-AF65-F5344CB8AC3E}">
+        <p14:creationId xmlns:p14="http://schemas.microsoft.com/office/powerpoint/2010/main" val="2451671826"/>
+      </p:ext>
+    </p:extLst>
+  </p:cSld>
+  <p:clrMapOvr>
+    <a:masterClrMapping/>
+  </p:clrMapOvr>
+  <p:timing>
+    <p:tnLst>
+      <p:par>
+        <p:cTn id="1" dur="indefinite" restart="never" nodeType="tmRoot"/>
+      </p:par>
+    </p:tnLst>
+  </p:timing>
+</p:sld>
+</file>
+
+<file path=ppt/slides/slide4.xml><?xml version="1.0" encoding="utf-8"?>
+<p:sld xmlns:a="http://schemas.openxmlformats.org/drawingml/2006/main" xmlns:r="http://schemas.openxmlformats.org/officeDocument/2006/relationships" xmlns:p="http://schemas.openxmlformats.org/presentationml/2006/main">
+  <p:cSld>
+    <p:bg>
+      <p:bgPr>
+        <a:solidFill>
+          <a:srgbClr val="F4CBB2"/>
+        </a:solidFill>
+        <a:effectLst/>
+      </p:bgPr>
+    </p:bg>
+    <p:spTree>
+      <p:nvGrpSpPr>
+        <p:cNvPr id="1" name=""/>
+        <p:cNvGrpSpPr/>
+        <p:nvPr/>
+      </p:nvGrpSpPr>
+      <p:grpSpPr>
+        <a:xfrm>
+          <a:off x="0" y="0"/>
+          <a:ext cx="0" cy="0"/>
+          <a:chOff x="0" y="0"/>
+          <a:chExt cx="0" cy="0"/>
+        </a:xfrm>
+      </p:grpSpPr>
+      <p:sp>
+        <p:nvSpPr>
+          <p:cNvPr id="5" name="TextBox 4"/>
+          <p:cNvSpPr txBox="1"/>
+          <p:nvPr/>
+        </p:nvSpPr>
+        <p:spPr>
+          <a:xfrm>
+            <a:off x="0" y="0"/>
+            <a:ext cx="12191999" cy="3785652"/>
+          </a:xfrm>
+          <a:prstGeom prst="rect">
+            <a:avLst/>
+          </a:prstGeom>
+          <a:noFill/>
+        </p:spPr>
+        <p:txBody>
+          <a:bodyPr wrap="square" rtlCol="0">
+            <a:spAutoFit/>
+          </a:bodyPr>
+          <a:lstStyle/>
+          <a:p>
+            <a:pPr algn="ctr"/>
+            <a:endParaRPr lang="en-US" sz="4500" dirty="0" smtClean="0"/>
+          </a:p>
+          <a:p>
+            <a:pPr algn="ctr"/>
+            <a:r>
+              <a:rPr lang="en-US" sz="4500" dirty="0" smtClean="0"/>
+              <a:t>Core concepts of Git</a:t>
+            </a:r>
+          </a:p>
+          <a:p>
+            <a:pPr algn="ctr"/>
+            <a:endParaRPr lang="en-US" sz="2500" dirty="0" smtClean="0"/>
+          </a:p>
+          <a:p>
+            <a:pPr marL="342900" lvl="7" indent="-342900" algn="ctr">
               <a:buFontTx/>
               <a:buChar char="-"/>
             </a:pPr>
             <a:r>
               <a:rPr lang="en-US" sz="2500" dirty="0" smtClean="0"/>
-              <a:t>Local and remote repositories</a:t>
+              <a:t>Keeps track of your source code history</a:t>
+            </a:r>
+          </a:p>
+          <a:p>
+            <a:pPr marL="342900" lvl="7" indent="-342900" algn="ctr">
+              <a:buFontTx/>
+              <a:buChar char="-"/>
+            </a:pPr>
+            <a:r>
+              <a:rPr lang="en-US" sz="2500" dirty="0" smtClean="0"/>
+              <a:t>Takes snapshots of your source code files</a:t>
+            </a:r>
+          </a:p>
+          <a:p>
+            <a:pPr marL="342900" lvl="7" indent="-342900" algn="ctr">
+              <a:buFontTx/>
+              <a:buChar char="-"/>
+            </a:pPr>
+            <a:r>
+              <a:rPr lang="en-US" sz="2500" dirty="0" smtClean="0"/>
+              <a:t>You decide when to take the snapshot – “commit”</a:t>
+            </a:r>
+          </a:p>
+          <a:p>
+            <a:pPr marL="342900" lvl="7" indent="-342900" algn="ctr">
+              <a:buFontTx/>
+              <a:buChar char="-"/>
+            </a:pPr>
+            <a:r>
+              <a:rPr lang="en-US" sz="2500" dirty="0" smtClean="0"/>
+              <a:t>You can stage files before committing – “add”</a:t>
+            </a:r>
+          </a:p>
+          <a:p>
+            <a:pPr marL="342900" lvl="7" indent="-342900" algn="ctr">
+              <a:buFontTx/>
+              <a:buChar char="-"/>
+            </a:pPr>
+            <a:r>
+              <a:rPr lang="en-US" sz="2500" dirty="0" smtClean="0"/>
+              <a:t>You can visit any snapshot at anytime</a:t>
             </a:r>
           </a:p>
         </p:txBody>
@@ -3685,7 +8461,7 @@
           <p:blipFill>
             <a:blip r:embed="rId2">
               <a:duotone>
-                <a:schemeClr val="bg2">
+                <a:schemeClr val="accent3">
                   <a:shade val="45000"/>
                   <a:satMod val="135000"/>
                 </a:schemeClr>
@@ -3722,7 +8498,7 @@
           <p:blipFill>
             <a:blip r:embed="rId3">
               <a:duotone>
-                <a:schemeClr val="bg2">
+                <a:schemeClr val="accent3">
                   <a:shade val="45000"/>
                   <a:satMod val="135000"/>
                 </a:schemeClr>
@@ -3752,19 +8528,34 @@
     </p:spTree>
     <p:extLst>
       <p:ext uri="{BB962C8B-B14F-4D97-AF65-F5344CB8AC3E}">
-        <p14:creationId xmlns:p14="http://schemas.microsoft.com/office/powerpoint/2010/main" val="1346192309"/>
+        <p14:creationId xmlns:p14="http://schemas.microsoft.com/office/powerpoint/2010/main" val="704903363"/>
       </p:ext>
     </p:extLst>
   </p:cSld>
   <p:clrMapOvr>
     <a:masterClrMapping/>
   </p:clrMapOvr>
+  <p:timing>
+    <p:tnLst>
+      <p:par>
+        <p:cTn id="1" dur="indefinite" restart="never" nodeType="tmRoot"/>
+      </p:par>
+    </p:tnLst>
+  </p:timing>
 </p:sld>
 </file>
 
-<file path=ppt/slides/slide3.xml><?xml version="1.0" encoding="utf-8"?>
+<file path=ppt/slides/slide5.xml><?xml version="1.0" encoding="utf-8"?>
 <p:sld xmlns:a="http://schemas.openxmlformats.org/drawingml/2006/main" xmlns:r="http://schemas.openxmlformats.org/officeDocument/2006/relationships" xmlns:p="http://schemas.openxmlformats.org/presentationml/2006/main">
   <p:cSld>
+    <p:bg>
+      <p:bgPr>
+        <a:solidFill>
+          <a:srgbClr val="F4CBB2"/>
+        </a:solidFill>
+        <a:effectLst/>
+      </p:bgPr>
+    </p:bg>
     <p:spTree>
       <p:nvGrpSpPr>
         <p:cNvPr id="1" name=""/>
@@ -3788,7 +8579,7 @@
         <p:spPr>
           <a:xfrm>
             <a:off x="0" y="0"/>
-            <a:ext cx="12191999" cy="3785652"/>
+            <a:ext cx="12191999" cy="1477328"/>
           </a:xfrm>
           <a:prstGeom prst="rect">
             <a:avLst/>
@@ -3808,61 +8599,7 @@
             <a:pPr algn="ctr"/>
             <a:r>
               <a:rPr lang="en-US" sz="4500" dirty="0" smtClean="0"/>
-              <a:t>Core concepts of Git</a:t>
-            </a:r>
-          </a:p>
-          <a:p>
-            <a:pPr algn="ctr"/>
-            <a:endParaRPr lang="en-US" sz="2500" dirty="0" smtClean="0"/>
-          </a:p>
-          <a:p>
-            <a:pPr marL="342900" lvl="7" indent="-342900" algn="ctr">
-              <a:buFontTx/>
-              <a:buChar char="-"/>
-            </a:pPr>
-            <a:r>
-              <a:rPr lang="en-US" sz="2500" dirty="0" smtClean="0"/>
-              <a:t>Keeps track of source code history</a:t>
-            </a:r>
-          </a:p>
-          <a:p>
-            <a:pPr marL="342900" lvl="7" indent="-342900" algn="ctr">
-              <a:buFontTx/>
-              <a:buChar char="-"/>
-            </a:pPr>
-            <a:r>
-              <a:rPr lang="en-US" sz="2500" dirty="0" smtClean="0"/>
-              <a:t>Takes “snapshots” of your source code files</a:t>
-            </a:r>
-          </a:p>
-          <a:p>
-            <a:pPr marL="342900" lvl="7" indent="-342900" algn="ctr">
-              <a:buFontTx/>
-              <a:buChar char="-"/>
-            </a:pPr>
-            <a:r>
-              <a:rPr lang="en-US" sz="2500" dirty="0" smtClean="0"/>
-              <a:t>You decide when to take a snapshot</a:t>
-            </a:r>
-          </a:p>
-          <a:p>
-            <a:pPr marL="342900" lvl="7" indent="-342900" algn="ctr">
-              <a:buFontTx/>
-              <a:buChar char="-"/>
-            </a:pPr>
-            <a:r>
-              <a:rPr lang="en-US" sz="2500" dirty="0" smtClean="0"/>
-              <a:t>You can visit any snapshot at any time</a:t>
-            </a:r>
-          </a:p>
-          <a:p>
-            <a:pPr marL="342900" lvl="7" indent="-342900" algn="ctr">
-              <a:buFontTx/>
-              <a:buChar char="-"/>
-            </a:pPr>
-            <a:r>
-              <a:rPr lang="en-US" sz="2500" dirty="0" smtClean="0"/>
-              <a:t>You can stage files before committing</a:t>
+              <a:t>Basic commands</a:t>
             </a:r>
           </a:p>
         </p:txBody>
@@ -3892,7 +8629,7 @@
           <p:blipFill>
             <a:blip r:embed="rId2">
               <a:duotone>
-                <a:schemeClr val="bg2">
+                <a:schemeClr val="accent3">
                   <a:shade val="45000"/>
                   <a:satMod val="135000"/>
                 </a:schemeClr>
@@ -3929,7 +8666,7 @@
           <p:blipFill>
             <a:blip r:embed="rId3">
               <a:duotone>
-                <a:schemeClr val="bg2">
+                <a:schemeClr val="accent3">
                   <a:shade val="45000"/>
                   <a:satMod val="135000"/>
                 </a:schemeClr>
@@ -3956,22 +8693,393 @@
           </p:spPr>
         </p:pic>
       </p:grpSp>
+      <p:graphicFrame>
+        <p:nvGraphicFramePr>
+          <p:cNvPr id="2" name="Table 1"/>
+          <p:cNvGraphicFramePr>
+            <a:graphicFrameLocks noGrp="1"/>
+          </p:cNvGraphicFramePr>
+          <p:nvPr>
+            <p:extLst>
+              <p:ext uri="{D42A27DB-BD31-4B8C-83A1-F6EECF244321}">
+                <p14:modId xmlns:p14="http://schemas.microsoft.com/office/powerpoint/2010/main" val="851531810"/>
+              </p:ext>
+            </p:extLst>
+          </p:nvPr>
+        </p:nvGraphicFramePr>
+        <p:xfrm>
+          <a:off x="2031999" y="1921449"/>
+          <a:ext cx="8128000" cy="2966720"/>
+        </p:xfrm>
+        <a:graphic>
+          <a:graphicData uri="http://schemas.openxmlformats.org/drawingml/2006/table">
+            <a:tbl>
+              <a:tblPr firstRow="1" bandRow="1">
+                <a:tableStyleId>{5C22544A-7EE6-4342-B048-85BDC9FD1C3A}</a:tableStyleId>
+              </a:tblPr>
+              <a:tblGrid>
+                <a:gridCol w="4064000">
+                  <a:extLst>
+                    <a:ext uri="{9D8B030D-6E8A-4147-A177-3AD203B41FA5}">
+                      <a16:colId xmlns:a16="http://schemas.microsoft.com/office/drawing/2014/main" val="20000"/>
+                    </a:ext>
+                  </a:extLst>
+                </a:gridCol>
+                <a:gridCol w="4064000">
+                  <a:extLst>
+                    <a:ext uri="{9D8B030D-6E8A-4147-A177-3AD203B41FA5}">
+                      <a16:colId xmlns:a16="http://schemas.microsoft.com/office/drawing/2014/main" val="20001"/>
+                    </a:ext>
+                  </a:extLst>
+                </a:gridCol>
+              </a:tblGrid>
+              <a:tr h="370840">
+                <a:tc>
+                  <a:txBody>
+                    <a:bodyPr/>
+                    <a:lstStyle/>
+                    <a:p>
+                      <a:pPr algn="ctr"/>
+                      <a:r>
+                        <a:rPr lang="en-US" dirty="0" smtClean="0"/>
+                        <a:t>Command</a:t>
+                      </a:r>
+                      <a:endParaRPr lang="en-US" dirty="0"/>
+                    </a:p>
+                  </a:txBody>
+                  <a:tcPr/>
+                </a:tc>
+                <a:tc>
+                  <a:txBody>
+                    <a:bodyPr/>
+                    <a:lstStyle/>
+                    <a:p>
+                      <a:pPr algn="ctr"/>
+                      <a:r>
+                        <a:rPr lang="en-US" dirty="0" smtClean="0"/>
+                        <a:t>Description</a:t>
+                      </a:r>
+                      <a:endParaRPr lang="en-US" dirty="0"/>
+                    </a:p>
+                  </a:txBody>
+                  <a:tcPr/>
+                </a:tc>
+                <a:extLst>
+                  <a:ext uri="{0D108BD9-81ED-4DB2-BD59-A6C34878D82A}">
+                    <a16:rowId xmlns:a16="http://schemas.microsoft.com/office/drawing/2014/main" val="10000"/>
+                  </a:ext>
+                </a:extLst>
+              </a:tr>
+              <a:tr h="370840">
+                <a:tc>
+                  <a:txBody>
+                    <a:bodyPr/>
+                    <a:lstStyle/>
+                    <a:p>
+                      <a:pPr algn="ctr"/>
+                      <a:r>
+                        <a:rPr lang="en-US" dirty="0" smtClean="0"/>
+                        <a:t>git </a:t>
+                      </a:r>
+                      <a:r>
+                        <a:rPr lang="en-US" baseline="0" dirty="0" smtClean="0"/>
+                        <a:t>init</a:t>
+                      </a:r>
+                      <a:endParaRPr lang="en-US" dirty="0"/>
+                    </a:p>
+                  </a:txBody>
+                  <a:tcPr/>
+                </a:tc>
+                <a:tc>
+                  <a:txBody>
+                    <a:bodyPr/>
+                    <a:lstStyle/>
+                    <a:p>
+                      <a:pPr algn="ctr"/>
+                      <a:r>
+                        <a:rPr lang="en-US" dirty="0" smtClean="0"/>
+                        <a:t>Initialise local Git</a:t>
+                      </a:r>
+                      <a:r>
+                        <a:rPr lang="en-US" baseline="0" dirty="0" smtClean="0"/>
+                        <a:t> repository</a:t>
+                      </a:r>
+                      <a:endParaRPr lang="en-US" dirty="0"/>
+                    </a:p>
+                  </a:txBody>
+                  <a:tcPr/>
+                </a:tc>
+                <a:extLst>
+                  <a:ext uri="{0D108BD9-81ED-4DB2-BD59-A6C34878D82A}">
+                    <a16:rowId xmlns:a16="http://schemas.microsoft.com/office/drawing/2014/main" val="10001"/>
+                  </a:ext>
+                </a:extLst>
+              </a:tr>
+              <a:tr h="370840">
+                <a:tc>
+                  <a:txBody>
+                    <a:bodyPr/>
+                    <a:lstStyle/>
+                    <a:p>
+                      <a:pPr algn="ctr"/>
+                      <a:r>
+                        <a:rPr lang="en-US" dirty="0" smtClean="0"/>
+                        <a:t>git add &lt;file&gt;</a:t>
+                      </a:r>
+                      <a:endParaRPr lang="en-US" dirty="0"/>
+                    </a:p>
+                  </a:txBody>
+                  <a:tcPr/>
+                </a:tc>
+                <a:tc>
+                  <a:txBody>
+                    <a:bodyPr/>
+                    <a:lstStyle/>
+                    <a:p>
+                      <a:pPr algn="ctr"/>
+                      <a:r>
+                        <a:rPr lang="en-US" dirty="0" smtClean="0"/>
+                        <a:t>Add file(s) to index</a:t>
+                      </a:r>
+                      <a:endParaRPr lang="en-US" dirty="0"/>
+                    </a:p>
+                  </a:txBody>
+                  <a:tcPr/>
+                </a:tc>
+                <a:extLst>
+                  <a:ext uri="{0D108BD9-81ED-4DB2-BD59-A6C34878D82A}">
+                    <a16:rowId xmlns:a16="http://schemas.microsoft.com/office/drawing/2014/main" val="10002"/>
+                  </a:ext>
+                </a:extLst>
+              </a:tr>
+              <a:tr h="370840">
+                <a:tc>
+                  <a:txBody>
+                    <a:bodyPr/>
+                    <a:lstStyle/>
+                    <a:p>
+                      <a:pPr algn="ctr"/>
+                      <a:r>
+                        <a:rPr lang="en-US" dirty="0" smtClean="0"/>
+                        <a:t>git status</a:t>
+                      </a:r>
+                      <a:endParaRPr lang="en-US" dirty="0"/>
+                    </a:p>
+                  </a:txBody>
+                  <a:tcPr/>
+                </a:tc>
+                <a:tc>
+                  <a:txBody>
+                    <a:bodyPr/>
+                    <a:lstStyle/>
+                    <a:p>
+                      <a:pPr algn="ctr"/>
+                      <a:r>
+                        <a:rPr lang="en-US" dirty="0" smtClean="0"/>
+                        <a:t>Check</a:t>
+                      </a:r>
+                      <a:r>
+                        <a:rPr lang="en-US" baseline="0" dirty="0" smtClean="0"/>
+                        <a:t> status of working tree</a:t>
+                      </a:r>
+                      <a:endParaRPr lang="en-US" dirty="0"/>
+                    </a:p>
+                  </a:txBody>
+                  <a:tcPr/>
+                </a:tc>
+                <a:extLst>
+                  <a:ext uri="{0D108BD9-81ED-4DB2-BD59-A6C34878D82A}">
+                    <a16:rowId xmlns:a16="http://schemas.microsoft.com/office/drawing/2014/main" val="10003"/>
+                  </a:ext>
+                </a:extLst>
+              </a:tr>
+              <a:tr h="370840">
+                <a:tc>
+                  <a:txBody>
+                    <a:bodyPr/>
+                    <a:lstStyle/>
+                    <a:p>
+                      <a:pPr algn="ctr"/>
+                      <a:r>
+                        <a:rPr lang="en-US" dirty="0" smtClean="0"/>
+                        <a:t>git commit</a:t>
+                      </a:r>
+                      <a:endParaRPr lang="en-US" dirty="0"/>
+                    </a:p>
+                  </a:txBody>
+                  <a:tcPr/>
+                </a:tc>
+                <a:tc>
+                  <a:txBody>
+                    <a:bodyPr/>
+                    <a:lstStyle/>
+                    <a:p>
+                      <a:pPr algn="ctr"/>
+                      <a:r>
+                        <a:rPr lang="en-US" dirty="0" smtClean="0"/>
+                        <a:t>Commit changes in index</a:t>
+                      </a:r>
+                      <a:endParaRPr lang="en-US" dirty="0"/>
+                    </a:p>
+                  </a:txBody>
+                  <a:tcPr/>
+                </a:tc>
+                <a:extLst>
+                  <a:ext uri="{0D108BD9-81ED-4DB2-BD59-A6C34878D82A}">
+                    <a16:rowId xmlns:a16="http://schemas.microsoft.com/office/drawing/2014/main" val="10004"/>
+                  </a:ext>
+                </a:extLst>
+              </a:tr>
+              <a:tr h="370840">
+                <a:tc>
+                  <a:txBody>
+                    <a:bodyPr/>
+                    <a:lstStyle/>
+                    <a:p>
+                      <a:pPr algn="ctr"/>
+                      <a:r>
+                        <a:rPr lang="en-US" dirty="0" smtClean="0"/>
+                        <a:t>git push</a:t>
+                      </a:r>
+                      <a:endParaRPr lang="en-US" dirty="0"/>
+                    </a:p>
+                  </a:txBody>
+                  <a:tcPr/>
+                </a:tc>
+                <a:tc>
+                  <a:txBody>
+                    <a:bodyPr/>
+                    <a:lstStyle/>
+                    <a:p>
+                      <a:pPr algn="ctr"/>
+                      <a:r>
+                        <a:rPr lang="en-US" dirty="0" smtClean="0"/>
+                        <a:t>Push to</a:t>
+                      </a:r>
+                      <a:r>
+                        <a:rPr lang="en-US" baseline="0" dirty="0" smtClean="0"/>
+                        <a:t> remote repository</a:t>
+                      </a:r>
+                      <a:endParaRPr lang="en-US" dirty="0"/>
+                    </a:p>
+                  </a:txBody>
+                  <a:tcPr/>
+                </a:tc>
+                <a:extLst>
+                  <a:ext uri="{0D108BD9-81ED-4DB2-BD59-A6C34878D82A}">
+                    <a16:rowId xmlns:a16="http://schemas.microsoft.com/office/drawing/2014/main" val="10005"/>
+                  </a:ext>
+                </a:extLst>
+              </a:tr>
+              <a:tr h="370840">
+                <a:tc>
+                  <a:txBody>
+                    <a:bodyPr/>
+                    <a:lstStyle/>
+                    <a:p>
+                      <a:pPr algn="ctr"/>
+                      <a:r>
+                        <a:rPr lang="en-US" dirty="0" smtClean="0"/>
+                        <a:t>git pull</a:t>
+                      </a:r>
+                      <a:endParaRPr lang="en-US" dirty="0"/>
+                    </a:p>
+                  </a:txBody>
+                  <a:tcPr/>
+                </a:tc>
+                <a:tc>
+                  <a:txBody>
+                    <a:bodyPr/>
+                    <a:lstStyle/>
+                    <a:p>
+                      <a:pPr algn="ctr"/>
+                      <a:r>
+                        <a:rPr lang="en-US" dirty="0" smtClean="0"/>
+                        <a:t>Pull latest from remote repository</a:t>
+                      </a:r>
+                      <a:endParaRPr lang="en-US" dirty="0"/>
+                    </a:p>
+                  </a:txBody>
+                  <a:tcPr/>
+                </a:tc>
+                <a:extLst>
+                  <a:ext uri="{0D108BD9-81ED-4DB2-BD59-A6C34878D82A}">
+                    <a16:rowId xmlns:a16="http://schemas.microsoft.com/office/drawing/2014/main" val="10006"/>
+                  </a:ext>
+                </a:extLst>
+              </a:tr>
+              <a:tr h="370840">
+                <a:tc>
+                  <a:txBody>
+                    <a:bodyPr/>
+                    <a:lstStyle/>
+                    <a:p>
+                      <a:pPr algn="ctr"/>
+                      <a:r>
+                        <a:rPr lang="en-US" dirty="0" smtClean="0"/>
+                        <a:t>git clone</a:t>
+                      </a:r>
+                      <a:endParaRPr lang="en-US" dirty="0"/>
+                    </a:p>
+                  </a:txBody>
+                  <a:tcPr/>
+                </a:tc>
+                <a:tc>
+                  <a:txBody>
+                    <a:bodyPr/>
+                    <a:lstStyle/>
+                    <a:p>
+                      <a:pPr algn="ctr"/>
+                      <a:r>
+                        <a:rPr lang="en-US" dirty="0" smtClean="0"/>
+                        <a:t>Clone repository into a new directory</a:t>
+                      </a:r>
+                      <a:endParaRPr lang="en-US" dirty="0"/>
+                    </a:p>
+                  </a:txBody>
+                  <a:tcPr/>
+                </a:tc>
+                <a:extLst>
+                  <a:ext uri="{0D108BD9-81ED-4DB2-BD59-A6C34878D82A}">
+                    <a16:rowId xmlns:a16="http://schemas.microsoft.com/office/drawing/2014/main" val="10007"/>
+                  </a:ext>
+                </a:extLst>
+              </a:tr>
+            </a:tbl>
+          </a:graphicData>
+        </a:graphic>
+      </p:graphicFrame>
     </p:spTree>
     <p:extLst>
       <p:ext uri="{BB962C8B-B14F-4D97-AF65-F5344CB8AC3E}">
-        <p14:creationId xmlns:p14="http://schemas.microsoft.com/office/powerpoint/2010/main" val="704903363"/>
+        <p14:creationId xmlns:p14="http://schemas.microsoft.com/office/powerpoint/2010/main" val="580696805"/>
       </p:ext>
     </p:extLst>
   </p:cSld>
   <p:clrMapOvr>
     <a:masterClrMapping/>
   </p:clrMapOvr>
+  <p:timing>
+    <p:tnLst>
+      <p:par>
+        <p:cTn id="1" dur="indefinite" restart="never" nodeType="tmRoot"/>
+      </p:par>
+    </p:tnLst>
+  </p:timing>
 </p:sld>
 </file>
 
-<file path=ppt/slides/slide4.xml><?xml version="1.0" encoding="utf-8"?>
+<file path=ppt/slides/slide6.xml><?xml version="1.0" encoding="utf-8"?>
 <p:sld xmlns:a="http://schemas.openxmlformats.org/drawingml/2006/main" xmlns:r="http://schemas.openxmlformats.org/officeDocument/2006/relationships" xmlns:p="http://schemas.openxmlformats.org/presentationml/2006/main">
   <p:cSld>
+    <p:bg>
+      <p:bgPr>
+        <a:solidFill>
+          <a:srgbClr val="F4CBB2"/>
+        </a:solidFill>
+        <a:effectLst/>
+      </p:bgPr>
+    </p:bg>
     <p:spTree>
       <p:nvGrpSpPr>
         <p:cNvPr id="1" name=""/>
@@ -3995,7 +9103,7 @@
         <p:spPr>
           <a:xfrm>
             <a:off x="0" y="0"/>
-            <a:ext cx="12191999" cy="1477328"/>
+            <a:ext cx="12191999" cy="4216539"/>
           </a:xfrm>
           <a:prstGeom prst="rect">
             <a:avLst/>
@@ -4015,8 +9123,96 @@
             <a:pPr algn="ctr"/>
             <a:r>
               <a:rPr lang="en-US" sz="4500" dirty="0" smtClean="0"/>
-              <a:t>Basic commands</a:t>
-            </a:r>
+              <a:t>Installing Git</a:t>
+            </a:r>
+          </a:p>
+          <a:p>
+            <a:pPr algn="ctr"/>
+            <a:endParaRPr lang="en-US" sz="2500" dirty="0" smtClean="0"/>
+          </a:p>
+          <a:p>
+            <a:pPr marL="342900" lvl="7" indent="-342900" algn="ctr">
+              <a:buFontTx/>
+              <a:buChar char="-"/>
+            </a:pPr>
+            <a:r>
+              <a:rPr lang="en-US" sz="2500" dirty="0" smtClean="0"/>
+              <a:t>Cross platform</a:t>
+            </a:r>
+          </a:p>
+          <a:p>
+            <a:pPr marL="342900" lvl="7" indent="-342900" algn="ctr">
+              <a:buFontTx/>
+              <a:buChar char="-"/>
+            </a:pPr>
+            <a:r>
+              <a:rPr lang="en-US" sz="2500" dirty="0" smtClean="0"/>
+              <a:t>Windows – </a:t>
+            </a:r>
+            <a:r>
+              <a:rPr lang="en-NZ" sz="2500" dirty="0" smtClean="0">
+                <a:hlinkClick r:id="rId3"/>
+              </a:rPr>
+              <a:t>https</a:t>
+            </a:r>
+            <a:r>
+              <a:rPr lang="en-NZ" sz="2500" dirty="0">
+                <a:hlinkClick r:id="rId3"/>
+              </a:rPr>
+              <a:t>://</a:t>
+            </a:r>
+            <a:r>
+              <a:rPr lang="en-NZ" sz="2500" dirty="0" smtClean="0">
+                <a:hlinkClick r:id="rId3"/>
+              </a:rPr>
+              <a:t>git-scm.com/download/win</a:t>
+            </a:r>
+            <a:endParaRPr lang="en-NZ" sz="2500" dirty="0" smtClean="0"/>
+          </a:p>
+          <a:p>
+            <a:pPr marL="342900" lvl="7" indent="-342900" algn="ctr">
+              <a:buFontTx/>
+              <a:buChar char="-"/>
+            </a:pPr>
+            <a:r>
+              <a:rPr lang="en-NZ" sz="2500" dirty="0" smtClean="0"/>
+              <a:t>Mac OS X – </a:t>
+            </a:r>
+            <a:r>
+              <a:rPr lang="en-NZ" sz="2500" dirty="0">
+                <a:hlinkClick r:id="rId4"/>
+              </a:rPr>
+              <a:t>https://git-scm.com/download/mac</a:t>
+            </a:r>
+            <a:r>
+              <a:rPr lang="en-NZ" sz="2500" dirty="0" smtClean="0"/>
+              <a:t> </a:t>
+            </a:r>
+            <a:endParaRPr lang="en-US" sz="2500" dirty="0" smtClean="0"/>
+          </a:p>
+          <a:p>
+            <a:pPr marL="342900" lvl="7" indent="-342900" algn="ctr">
+              <a:buFontTx/>
+              <a:buChar char="-"/>
+            </a:pPr>
+            <a:r>
+              <a:rPr lang="en-US" sz="2500" dirty="0" smtClean="0"/>
+              <a:t>Linux – sudo apt-get install git</a:t>
+            </a:r>
+          </a:p>
+          <a:p>
+            <a:pPr marL="342900" lvl="7" indent="-342900" algn="ctr">
+              <a:buFontTx/>
+              <a:buChar char="-"/>
+            </a:pPr>
+            <a:endParaRPr lang="en-US" sz="2500" dirty="0" smtClean="0"/>
+          </a:p>
+          <a:p>
+            <a:pPr marL="342900" lvl="7" indent="-342900" algn="ctr">
+              <a:buFontTx/>
+              <a:buChar char="-"/>
+            </a:pPr>
+            <a:endParaRPr lang="en-US" sz="2500" dirty="0" smtClean="0"/>
           </a:p>
         </p:txBody>
       </p:sp>
@@ -4043,9 +9239,9 @@
             <p:nvPr/>
           </p:nvPicPr>
           <p:blipFill>
-            <a:blip r:embed="rId2">
+            <a:blip r:embed="rId5">
               <a:duotone>
-                <a:schemeClr val="bg2">
+                <a:schemeClr val="accent3">
                   <a:shade val="45000"/>
                   <a:satMod val="135000"/>
                 </a:schemeClr>
@@ -4080,9 +9276,9 @@
             <p:nvPr/>
           </p:nvPicPr>
           <p:blipFill>
-            <a:blip r:embed="rId3">
+            <a:blip r:embed="rId6">
               <a:duotone>
-                <a:schemeClr val="bg2">
+                <a:schemeClr val="accent3">
                   <a:shade val="45000"/>
                   <a:satMod val="135000"/>
                 </a:schemeClr>
@@ -4109,280 +9305,727 @@
           </p:spPr>
         </p:pic>
       </p:grpSp>
-      <p:graphicFrame>
-        <p:nvGraphicFramePr>
-          <p:cNvPr id="2" name="Table 1"/>
-          <p:cNvGraphicFramePr>
-            <a:graphicFrameLocks noGrp="1"/>
-          </p:cNvGraphicFramePr>
-          <p:nvPr>
-            <p:extLst>
-              <p:ext uri="{D42A27DB-BD31-4B8C-83A1-F6EECF244321}">
-                <p14:modId xmlns:p14="http://schemas.microsoft.com/office/powerpoint/2010/main" val="350429949"/>
-              </p:ext>
-            </p:extLst>
-          </p:nvPr>
-        </p:nvGraphicFramePr>
-        <p:xfrm>
-          <a:off x="2031999" y="1921449"/>
-          <a:ext cx="8128000" cy="2966720"/>
-        </p:xfrm>
-        <a:graphic>
-          <a:graphicData uri="http://schemas.openxmlformats.org/drawingml/2006/table">
-            <a:tbl>
-              <a:tblPr firstRow="1" bandRow="1">
-                <a:tableStyleId>{5C22544A-7EE6-4342-B048-85BDC9FD1C3A}</a:tableStyleId>
-              </a:tblPr>
-              <a:tblGrid>
-                <a:gridCol w="4064000"/>
-                <a:gridCol w="4064000"/>
-              </a:tblGrid>
-              <a:tr h="370840">
-                <a:tc>
-                  <a:txBody>
-                    <a:bodyPr/>
-                    <a:lstStyle/>
-                    <a:p>
-                      <a:pPr algn="ctr"/>
-                      <a:r>
-                        <a:rPr lang="en-US" dirty="0" smtClean="0"/>
-                        <a:t>Command</a:t>
-                      </a:r>
-                      <a:endParaRPr lang="en-US" dirty="0"/>
-                    </a:p>
-                  </a:txBody>
-                  <a:tcPr/>
-                </a:tc>
-                <a:tc>
-                  <a:txBody>
-                    <a:bodyPr/>
-                    <a:lstStyle/>
-                    <a:p>
-                      <a:pPr algn="ctr"/>
-                      <a:r>
-                        <a:rPr lang="en-US" dirty="0" smtClean="0"/>
-                        <a:t>Description</a:t>
-                      </a:r>
-                      <a:endParaRPr lang="en-US" dirty="0"/>
-                    </a:p>
-                  </a:txBody>
-                  <a:tcPr/>
-                </a:tc>
-              </a:tr>
-              <a:tr h="370840">
-                <a:tc>
-                  <a:txBody>
-                    <a:bodyPr/>
-                    <a:lstStyle/>
-                    <a:p>
-                      <a:pPr algn="ctr"/>
-                      <a:r>
-                        <a:rPr lang="en-US" dirty="0" smtClean="0"/>
-                        <a:t>git </a:t>
-                      </a:r>
-                      <a:r>
-                        <a:rPr lang="en-US" baseline="0" dirty="0" smtClean="0"/>
-                        <a:t>init</a:t>
-                      </a:r>
-                      <a:endParaRPr lang="en-US" dirty="0"/>
-                    </a:p>
-                  </a:txBody>
-                  <a:tcPr/>
-                </a:tc>
-                <a:tc>
-                  <a:txBody>
-                    <a:bodyPr/>
-                    <a:lstStyle/>
-                    <a:p>
-                      <a:pPr algn="ctr"/>
-                      <a:endParaRPr lang="en-US"/>
-                    </a:p>
-                  </a:txBody>
-                  <a:tcPr/>
-                </a:tc>
-              </a:tr>
-              <a:tr h="370840">
-                <a:tc>
-                  <a:txBody>
-                    <a:bodyPr/>
-                    <a:lstStyle/>
-                    <a:p>
-                      <a:pPr algn="ctr"/>
-                      <a:r>
-                        <a:rPr lang="en-US" dirty="0" smtClean="0"/>
-                        <a:t>git add &lt;file&gt;</a:t>
-                      </a:r>
-                      <a:endParaRPr lang="en-US" dirty="0"/>
-                    </a:p>
-                  </a:txBody>
-                  <a:tcPr/>
-                </a:tc>
-                <a:tc>
-                  <a:txBody>
-                    <a:bodyPr/>
-                    <a:lstStyle/>
-                    <a:p>
-                      <a:pPr algn="ctr"/>
-                      <a:endParaRPr lang="en-US"/>
-                    </a:p>
-                  </a:txBody>
-                  <a:tcPr/>
-                </a:tc>
-              </a:tr>
-              <a:tr h="370840">
-                <a:tc>
-                  <a:txBody>
-                    <a:bodyPr/>
-                    <a:lstStyle/>
-                    <a:p>
-                      <a:pPr algn="ctr"/>
-                      <a:r>
-                        <a:rPr lang="en-US" dirty="0" smtClean="0"/>
-                        <a:t>git status</a:t>
-                      </a:r>
-                      <a:endParaRPr lang="en-US" dirty="0"/>
-                    </a:p>
-                  </a:txBody>
-                  <a:tcPr/>
-                </a:tc>
-                <a:tc>
-                  <a:txBody>
-                    <a:bodyPr/>
-                    <a:lstStyle/>
-                    <a:p>
-                      <a:pPr algn="ctr"/>
-                      <a:endParaRPr lang="en-US"/>
-                    </a:p>
-                  </a:txBody>
-                  <a:tcPr/>
-                </a:tc>
-              </a:tr>
-              <a:tr h="370840">
-                <a:tc>
-                  <a:txBody>
-                    <a:bodyPr/>
-                    <a:lstStyle/>
-                    <a:p>
-                      <a:pPr algn="ctr"/>
-                      <a:r>
-                        <a:rPr lang="en-US" dirty="0" smtClean="0"/>
-                        <a:t>git commit</a:t>
-                      </a:r>
-                      <a:endParaRPr lang="en-US" dirty="0"/>
-                    </a:p>
-                  </a:txBody>
-                  <a:tcPr/>
-                </a:tc>
-                <a:tc>
-                  <a:txBody>
-                    <a:bodyPr/>
-                    <a:lstStyle/>
-                    <a:p>
-                      <a:pPr algn="ctr"/>
-                      <a:endParaRPr lang="en-US"/>
-                    </a:p>
-                  </a:txBody>
-                  <a:tcPr/>
-                </a:tc>
-              </a:tr>
-              <a:tr h="370840">
-                <a:tc>
-                  <a:txBody>
-                    <a:bodyPr/>
-                    <a:lstStyle/>
-                    <a:p>
-                      <a:pPr algn="ctr"/>
-                      <a:r>
-                        <a:rPr lang="en-US" dirty="0" smtClean="0"/>
-                        <a:t>git push</a:t>
-                      </a:r>
-                      <a:endParaRPr lang="en-US" dirty="0"/>
-                    </a:p>
-                  </a:txBody>
-                  <a:tcPr/>
-                </a:tc>
-                <a:tc>
-                  <a:txBody>
-                    <a:bodyPr/>
-                    <a:lstStyle/>
-                    <a:p>
-                      <a:pPr algn="ctr"/>
-                      <a:endParaRPr lang="en-US" dirty="0"/>
-                    </a:p>
-                  </a:txBody>
-                  <a:tcPr/>
-                </a:tc>
-              </a:tr>
-              <a:tr h="370840">
-                <a:tc>
-                  <a:txBody>
-                    <a:bodyPr/>
-                    <a:lstStyle/>
-                    <a:p>
-                      <a:pPr algn="ctr"/>
-                      <a:r>
-                        <a:rPr lang="en-US" dirty="0" smtClean="0"/>
-                        <a:t>git pull</a:t>
-                      </a:r>
-                      <a:endParaRPr lang="en-US" dirty="0"/>
-                    </a:p>
-                  </a:txBody>
-                  <a:tcPr/>
-                </a:tc>
-                <a:tc>
-                  <a:txBody>
-                    <a:bodyPr/>
-                    <a:lstStyle/>
-                    <a:p>
-                      <a:pPr algn="ctr"/>
-                      <a:endParaRPr lang="en-US" dirty="0"/>
-                    </a:p>
-                  </a:txBody>
-                  <a:tcPr/>
-                </a:tc>
-              </a:tr>
-              <a:tr h="370840">
-                <a:tc>
-                  <a:txBody>
-                    <a:bodyPr/>
-                    <a:lstStyle/>
-                    <a:p>
-                      <a:pPr algn="ctr"/>
-                      <a:r>
-                        <a:rPr lang="en-US" dirty="0" smtClean="0"/>
-                        <a:t>git clone</a:t>
-                      </a:r>
-                      <a:endParaRPr lang="en-US" dirty="0"/>
-                    </a:p>
-                  </a:txBody>
-                  <a:tcPr/>
-                </a:tc>
-                <a:tc>
-                  <a:txBody>
-                    <a:bodyPr/>
-                    <a:lstStyle/>
-                    <a:p>
-                      <a:pPr algn="ctr"/>
-                      <a:endParaRPr lang="en-US" dirty="0"/>
-                    </a:p>
-                  </a:txBody>
-                  <a:tcPr/>
-                </a:tc>
-              </a:tr>
-            </a:tbl>
-          </a:graphicData>
-        </a:graphic>
-      </p:graphicFrame>
     </p:spTree>
     <p:extLst>
       <p:ext uri="{BB962C8B-B14F-4D97-AF65-F5344CB8AC3E}">
-        <p14:creationId xmlns:p14="http://schemas.microsoft.com/office/powerpoint/2010/main" val="580696805"/>
+        <p14:creationId xmlns:p14="http://schemas.microsoft.com/office/powerpoint/2010/main" val="380583751"/>
       </p:ext>
     </p:extLst>
   </p:cSld>
   <p:clrMapOvr>
     <a:masterClrMapping/>
   </p:clrMapOvr>
+  <mc:AlternateContent xmlns:mc="http://schemas.openxmlformats.org/markup-compatibility/2006">
+    <mc:Choice xmlns:p14="http://schemas.microsoft.com/office/powerpoint/2010/main" Requires="p14">
+      <p:transition spd="slow" p14:dur="2000"/>
+    </mc:Choice>
+    <mc:Fallback>
+      <p:transition spd="slow"/>
+    </mc:Fallback>
+  </mc:AlternateContent>
+  <p:timing>
+    <p:tnLst>
+      <p:par>
+        <p:cTn id="1" dur="indefinite" restart="never" nodeType="tmRoot"/>
+      </p:par>
+    </p:tnLst>
+  </p:timing>
+</p:sld>
+</file>
+
+<file path=ppt/slides/slide7.xml><?xml version="1.0" encoding="utf-8"?>
+<p:sld xmlns:a="http://schemas.openxmlformats.org/drawingml/2006/main" xmlns:r="http://schemas.openxmlformats.org/officeDocument/2006/relationships" xmlns:p="http://schemas.openxmlformats.org/presentationml/2006/main">
+  <p:cSld>
+    <p:bg>
+      <p:bgPr>
+        <a:solidFill>
+          <a:srgbClr val="F4CBB2"/>
+        </a:solidFill>
+        <a:effectLst/>
+      </p:bgPr>
+    </p:bg>
+    <p:spTree>
+      <p:nvGrpSpPr>
+        <p:cNvPr id="1" name=""/>
+        <p:cNvGrpSpPr/>
+        <p:nvPr/>
+      </p:nvGrpSpPr>
+      <p:grpSpPr>
+        <a:xfrm>
+          <a:off x="0" y="0"/>
+          <a:ext cx="0" cy="0"/>
+          <a:chOff x="0" y="0"/>
+          <a:chExt cx="0" cy="0"/>
+        </a:xfrm>
+      </p:grpSpPr>
+      <p:sp>
+        <p:nvSpPr>
+          <p:cNvPr id="5" name="TextBox 4"/>
+          <p:cNvSpPr txBox="1"/>
+          <p:nvPr/>
+        </p:nvSpPr>
+        <p:spPr>
+          <a:xfrm>
+            <a:off x="0" y="0"/>
+            <a:ext cx="12191999" cy="2631490"/>
+          </a:xfrm>
+          <a:prstGeom prst="rect">
+            <a:avLst/>
+          </a:prstGeom>
+          <a:noFill/>
+        </p:spPr>
+        <p:txBody>
+          <a:bodyPr wrap="square" rtlCol="0">
+            <a:spAutoFit/>
+          </a:bodyPr>
+          <a:lstStyle/>
+          <a:p>
+            <a:pPr algn="ctr"/>
+            <a:endParaRPr lang="en-US" sz="4500" dirty="0" smtClean="0"/>
+          </a:p>
+          <a:p>
+            <a:pPr algn="ctr"/>
+            <a:r>
+              <a:rPr lang="en-US" sz="4500" dirty="0" smtClean="0"/>
+              <a:t>Creating a new repository</a:t>
+            </a:r>
+          </a:p>
+          <a:p>
+            <a:pPr algn="ctr"/>
+            <a:endParaRPr lang="en-US" sz="2500" dirty="0" smtClean="0"/>
+          </a:p>
+          <a:p>
+            <a:pPr marL="342900" lvl="7" indent="-342900" algn="ctr">
+              <a:buFontTx/>
+              <a:buChar char="-"/>
+            </a:pPr>
+            <a:endParaRPr lang="en-US" sz="2500" dirty="0" smtClean="0"/>
+          </a:p>
+          <a:p>
+            <a:pPr marL="342900" lvl="7" indent="-342900" algn="ctr">
+              <a:buFontTx/>
+              <a:buChar char="-"/>
+            </a:pPr>
+            <a:endParaRPr lang="en-US" sz="2500" dirty="0" smtClean="0"/>
+          </a:p>
+        </p:txBody>
+      </p:sp>
+      <p:grpSp>
+        <p:nvGrpSpPr>
+          <p:cNvPr id="6" name="Group 5"/>
+          <p:cNvGrpSpPr/>
+          <p:nvPr/>
+        </p:nvGrpSpPr>
+        <p:grpSpPr>
+          <a:xfrm>
+            <a:off x="10249685" y="6111669"/>
+            <a:ext cx="1829241" cy="635050"/>
+            <a:chOff x="898038" y="2564515"/>
+            <a:chExt cx="10661022" cy="3701143"/>
+          </a:xfrm>
+        </p:grpSpPr>
+        <p:pic>
+          <p:nvPicPr>
+            <p:cNvPr id="7" name="Picture 6"/>
+            <p:cNvPicPr>
+              <a:picLocks noChangeAspect="1"/>
+            </p:cNvPicPr>
+            <p:nvPr/>
+          </p:nvPicPr>
+          <p:blipFill>
+            <a:blip r:embed="rId3">
+              <a:duotone>
+                <a:schemeClr val="accent3">
+                  <a:shade val="45000"/>
+                  <a:satMod val="135000"/>
+                </a:schemeClr>
+                <a:prstClr val="white"/>
+              </a:duotone>
+              <a:extLst>
+                <a:ext uri="{28A0092B-C50C-407E-A947-70E740481C1C}">
+                  <a14:useLocalDpi xmlns:a14="http://schemas.microsoft.com/office/drawing/2010/main" val="0"/>
+                </a:ext>
+              </a:extLst>
+            </a:blip>
+            <a:stretch>
+              <a:fillRect/>
+            </a:stretch>
+          </p:blipFill>
+          <p:spPr>
+            <a:xfrm>
+              <a:off x="898038" y="3118803"/>
+              <a:ext cx="6208519" cy="2592568"/>
+            </a:xfrm>
+            <a:prstGeom prst="rect">
+              <a:avLst/>
+            </a:prstGeom>
+          </p:spPr>
+        </p:pic>
+        <p:pic>
+          <p:nvPicPr>
+            <p:cNvPr id="8" name="Picture 7"/>
+            <p:cNvPicPr>
+              <a:picLocks noChangeAspect="1"/>
+            </p:cNvPicPr>
+            <p:nvPr/>
+          </p:nvPicPr>
+          <p:blipFill>
+            <a:blip r:embed="rId4">
+              <a:duotone>
+                <a:schemeClr val="accent3">
+                  <a:shade val="45000"/>
+                  <a:satMod val="135000"/>
+                </a:schemeClr>
+                <a:prstClr val="white"/>
+              </a:duotone>
+              <a:extLst>
+                <a:ext uri="{28A0092B-C50C-407E-A947-70E740481C1C}">
+                  <a14:useLocalDpi xmlns:a14="http://schemas.microsoft.com/office/drawing/2010/main" val="0"/>
+                </a:ext>
+              </a:extLst>
+            </a:blip>
+            <a:stretch>
+              <a:fillRect/>
+            </a:stretch>
+          </p:blipFill>
+          <p:spPr>
+            <a:xfrm>
+              <a:off x="7106557" y="2564515"/>
+              <a:ext cx="4452503" cy="3701143"/>
+            </a:xfrm>
+            <a:prstGeom prst="rect">
+              <a:avLst/>
+            </a:prstGeom>
+          </p:spPr>
+        </p:pic>
+      </p:grpSp>
+      <p:pic>
+        <p:nvPicPr>
+          <p:cNvPr id="2" name="Picture 1"/>
+          <p:cNvPicPr>
+            <a:picLocks noChangeAspect="1"/>
+          </p:cNvPicPr>
+          <p:nvPr/>
+        </p:nvPicPr>
+        <p:blipFill>
+          <a:blip r:embed="rId5">
+            <a:extLst>
+              <a:ext uri="{28A0092B-C50C-407E-A947-70E740481C1C}">
+                <a14:useLocalDpi xmlns:a14="http://schemas.microsoft.com/office/drawing/2010/main" val="0"/>
+              </a:ext>
+            </a:extLst>
+          </a:blip>
+          <a:stretch>
+            <a:fillRect/>
+          </a:stretch>
+        </p:blipFill>
+        <p:spPr>
+          <a:xfrm>
+            <a:off x="3157537" y="1676399"/>
+            <a:ext cx="5876001" cy="4772025"/>
+          </a:xfrm>
+          <a:prstGeom prst="rect">
+            <a:avLst/>
+          </a:prstGeom>
+        </p:spPr>
+      </p:pic>
+    </p:spTree>
+    <p:extLst>
+      <p:ext uri="{BB962C8B-B14F-4D97-AF65-F5344CB8AC3E}">
+        <p14:creationId xmlns:p14="http://schemas.microsoft.com/office/powerpoint/2010/main" val="2632161091"/>
+      </p:ext>
+    </p:extLst>
+  </p:cSld>
+  <p:clrMapOvr>
+    <a:masterClrMapping/>
+  </p:clrMapOvr>
+  <p:timing>
+    <p:tnLst>
+      <p:par>
+        <p:cTn id="1" dur="indefinite" restart="never" nodeType="tmRoot"/>
+      </p:par>
+    </p:tnLst>
+  </p:timing>
+</p:sld>
+</file>
+
+<file path=ppt/slides/slide8.xml><?xml version="1.0" encoding="utf-8"?>
+<p:sld xmlns:a="http://schemas.openxmlformats.org/drawingml/2006/main" xmlns:r="http://schemas.openxmlformats.org/officeDocument/2006/relationships" xmlns:p="http://schemas.openxmlformats.org/presentationml/2006/main">
+  <p:cSld>
+    <p:bg>
+      <p:bgPr>
+        <a:solidFill>
+          <a:srgbClr val="F4CBB2"/>
+        </a:solidFill>
+        <a:effectLst/>
+      </p:bgPr>
+    </p:bg>
+    <p:spTree>
+      <p:nvGrpSpPr>
+        <p:cNvPr id="1" name=""/>
+        <p:cNvGrpSpPr/>
+        <p:nvPr/>
+      </p:nvGrpSpPr>
+      <p:grpSpPr>
+        <a:xfrm>
+          <a:off x="0" y="0"/>
+          <a:ext cx="0" cy="0"/>
+          <a:chOff x="0" y="0"/>
+          <a:chExt cx="0" cy="0"/>
+        </a:xfrm>
+      </p:grpSpPr>
+      <p:sp>
+        <p:nvSpPr>
+          <p:cNvPr id="5" name="TextBox 4"/>
+          <p:cNvSpPr txBox="1"/>
+          <p:nvPr/>
+        </p:nvSpPr>
+        <p:spPr>
+          <a:xfrm>
+            <a:off x="0" y="0"/>
+            <a:ext cx="12191999" cy="2631490"/>
+          </a:xfrm>
+          <a:prstGeom prst="rect">
+            <a:avLst/>
+          </a:prstGeom>
+          <a:noFill/>
+        </p:spPr>
+        <p:txBody>
+          <a:bodyPr wrap="square" rtlCol="0">
+            <a:spAutoFit/>
+          </a:bodyPr>
+          <a:lstStyle/>
+          <a:p>
+            <a:pPr algn="ctr"/>
+            <a:endParaRPr lang="en-US" sz="4500" dirty="0" smtClean="0"/>
+          </a:p>
+          <a:p>
+            <a:pPr algn="ctr"/>
+            <a:r>
+              <a:rPr lang="en-US" sz="4500" dirty="0" smtClean="0"/>
+              <a:t>Cloning a repository</a:t>
+            </a:r>
+            <a:endParaRPr lang="en-US" sz="4500" dirty="0" smtClean="0"/>
+          </a:p>
+          <a:p>
+            <a:pPr algn="ctr"/>
+            <a:endParaRPr lang="en-US" sz="2500" dirty="0" smtClean="0"/>
+          </a:p>
+          <a:p>
+            <a:pPr marL="342900" lvl="7" indent="-342900" algn="ctr">
+              <a:buFontTx/>
+              <a:buChar char="-"/>
+            </a:pPr>
+            <a:endParaRPr lang="en-US" sz="2500" dirty="0" smtClean="0"/>
+          </a:p>
+          <a:p>
+            <a:pPr marL="342900" lvl="7" indent="-342900" algn="ctr">
+              <a:buFontTx/>
+              <a:buChar char="-"/>
+            </a:pPr>
+            <a:endParaRPr lang="en-US" sz="2500" dirty="0" smtClean="0"/>
+          </a:p>
+        </p:txBody>
+      </p:sp>
+      <p:grpSp>
+        <p:nvGrpSpPr>
+          <p:cNvPr id="6" name="Group 5"/>
+          <p:cNvGrpSpPr/>
+          <p:nvPr/>
+        </p:nvGrpSpPr>
+        <p:grpSpPr>
+          <a:xfrm>
+            <a:off x="10249685" y="6111669"/>
+            <a:ext cx="1829241" cy="635050"/>
+            <a:chOff x="898038" y="2564515"/>
+            <a:chExt cx="10661022" cy="3701143"/>
+          </a:xfrm>
+        </p:grpSpPr>
+        <p:pic>
+          <p:nvPicPr>
+            <p:cNvPr id="7" name="Picture 6"/>
+            <p:cNvPicPr>
+              <a:picLocks noChangeAspect="1"/>
+            </p:cNvPicPr>
+            <p:nvPr/>
+          </p:nvPicPr>
+          <p:blipFill>
+            <a:blip r:embed="rId3">
+              <a:duotone>
+                <a:schemeClr val="accent3">
+                  <a:shade val="45000"/>
+                  <a:satMod val="135000"/>
+                </a:schemeClr>
+                <a:prstClr val="white"/>
+              </a:duotone>
+              <a:extLst>
+                <a:ext uri="{28A0092B-C50C-407E-A947-70E740481C1C}">
+                  <a14:useLocalDpi xmlns:a14="http://schemas.microsoft.com/office/drawing/2010/main" val="0"/>
+                </a:ext>
+              </a:extLst>
+            </a:blip>
+            <a:stretch>
+              <a:fillRect/>
+            </a:stretch>
+          </p:blipFill>
+          <p:spPr>
+            <a:xfrm>
+              <a:off x="898038" y="3118803"/>
+              <a:ext cx="6208519" cy="2592568"/>
+            </a:xfrm>
+            <a:prstGeom prst="rect">
+              <a:avLst/>
+            </a:prstGeom>
+          </p:spPr>
+        </p:pic>
+        <p:pic>
+          <p:nvPicPr>
+            <p:cNvPr id="8" name="Picture 7"/>
+            <p:cNvPicPr>
+              <a:picLocks noChangeAspect="1"/>
+            </p:cNvPicPr>
+            <p:nvPr/>
+          </p:nvPicPr>
+          <p:blipFill>
+            <a:blip r:embed="rId4">
+              <a:duotone>
+                <a:schemeClr val="accent3">
+                  <a:shade val="45000"/>
+                  <a:satMod val="135000"/>
+                </a:schemeClr>
+                <a:prstClr val="white"/>
+              </a:duotone>
+              <a:extLst>
+                <a:ext uri="{28A0092B-C50C-407E-A947-70E740481C1C}">
+                  <a14:useLocalDpi xmlns:a14="http://schemas.microsoft.com/office/drawing/2010/main" val="0"/>
+                </a:ext>
+              </a:extLst>
+            </a:blip>
+            <a:stretch>
+              <a:fillRect/>
+            </a:stretch>
+          </p:blipFill>
+          <p:spPr>
+            <a:xfrm>
+              <a:off x="7106557" y="2564515"/>
+              <a:ext cx="4452503" cy="3701143"/>
+            </a:xfrm>
+            <a:prstGeom prst="rect">
+              <a:avLst/>
+            </a:prstGeom>
+          </p:spPr>
+        </p:pic>
+      </p:grpSp>
+      <p:pic>
+        <p:nvPicPr>
+          <p:cNvPr id="3" name="Picture 2"/>
+          <p:cNvPicPr>
+            <a:picLocks noChangeAspect="1"/>
+          </p:cNvPicPr>
+          <p:nvPr/>
+        </p:nvPicPr>
+        <p:blipFill>
+          <a:blip r:embed="rId5">
+            <a:extLst>
+              <a:ext uri="{28A0092B-C50C-407E-A947-70E740481C1C}">
+                <a14:useLocalDpi xmlns:a14="http://schemas.microsoft.com/office/drawing/2010/main" val="0"/>
+              </a:ext>
+            </a:extLst>
+          </a:blip>
+          <a:stretch>
+            <a:fillRect/>
+          </a:stretch>
+        </p:blipFill>
+        <p:spPr>
+          <a:xfrm>
+            <a:off x="2819163" y="1688762"/>
+            <a:ext cx="6553671" cy="4518013"/>
+          </a:xfrm>
+          <a:prstGeom prst="rect">
+            <a:avLst/>
+          </a:prstGeom>
+        </p:spPr>
+      </p:pic>
+      <p:sp>
+        <p:nvSpPr>
+          <p:cNvPr id="4" name="Oval 3"/>
+          <p:cNvSpPr/>
+          <p:nvPr/>
+        </p:nvSpPr>
+        <p:spPr>
+          <a:xfrm>
+            <a:off x="3486150" y="2057400"/>
+            <a:ext cx="5753334" cy="361950"/>
+          </a:xfrm>
+          <a:prstGeom prst="ellipse">
+            <a:avLst/>
+          </a:prstGeom>
+          <a:noFill/>
+          <a:ln>
+            <a:solidFill>
+              <a:schemeClr val="tx1"/>
+            </a:solidFill>
+          </a:ln>
+        </p:spPr>
+        <p:style>
+          <a:lnRef idx="2">
+            <a:schemeClr val="accent1">
+              <a:shade val="50000"/>
+            </a:schemeClr>
+          </a:lnRef>
+          <a:fillRef idx="1">
+            <a:schemeClr val="accent1"/>
+          </a:fillRef>
+          <a:effectRef idx="0">
+            <a:schemeClr val="accent1"/>
+          </a:effectRef>
+          <a:fontRef idx="minor">
+            <a:schemeClr val="lt1"/>
+          </a:fontRef>
+        </p:style>
+        <p:txBody>
+          <a:bodyPr rtlCol="0" anchor="ctr"/>
+          <a:lstStyle/>
+          <a:p>
+            <a:pPr algn="ctr"/>
+            <a:endParaRPr lang="en-NZ"/>
+          </a:p>
+        </p:txBody>
+      </p:sp>
+    </p:spTree>
+    <p:extLst>
+      <p:ext uri="{BB962C8B-B14F-4D97-AF65-F5344CB8AC3E}">
+        <p14:creationId xmlns:p14="http://schemas.microsoft.com/office/powerpoint/2010/main" val="1272830991"/>
+      </p:ext>
+    </p:extLst>
+  </p:cSld>
+  <p:clrMapOvr>
+    <a:masterClrMapping/>
+  </p:clrMapOvr>
+  <p:timing>
+    <p:tnLst>
+      <p:par>
+        <p:cTn id="1" dur="indefinite" restart="never" nodeType="tmRoot"/>
+      </p:par>
+    </p:tnLst>
+  </p:timing>
+</p:sld>
+</file>
+
+<file path=ppt/slides/slide9.xml><?xml version="1.0" encoding="utf-8"?>
+<p:sld xmlns:a="http://schemas.openxmlformats.org/drawingml/2006/main" xmlns:r="http://schemas.openxmlformats.org/officeDocument/2006/relationships" xmlns:p="http://schemas.openxmlformats.org/presentationml/2006/main">
+  <p:cSld>
+    <p:bg>
+      <p:bgPr>
+        <a:solidFill>
+          <a:srgbClr val="F4CBB2"/>
+        </a:solidFill>
+        <a:effectLst/>
+      </p:bgPr>
+    </p:bg>
+    <p:spTree>
+      <p:nvGrpSpPr>
+        <p:cNvPr id="1" name=""/>
+        <p:cNvGrpSpPr/>
+        <p:nvPr/>
+      </p:nvGrpSpPr>
+      <p:grpSpPr>
+        <a:xfrm>
+          <a:off x="0" y="0"/>
+          <a:ext cx="0" cy="0"/>
+          <a:chOff x="0" y="0"/>
+          <a:chExt cx="0" cy="0"/>
+        </a:xfrm>
+      </p:grpSpPr>
+      <p:sp>
+        <p:nvSpPr>
+          <p:cNvPr id="5" name="TextBox 4"/>
+          <p:cNvSpPr txBox="1"/>
+          <p:nvPr/>
+        </p:nvSpPr>
+        <p:spPr>
+          <a:xfrm>
+            <a:off x="0" y="0"/>
+            <a:ext cx="12191999" cy="2631490"/>
+          </a:xfrm>
+          <a:prstGeom prst="rect">
+            <a:avLst/>
+          </a:prstGeom>
+          <a:noFill/>
+        </p:spPr>
+        <p:txBody>
+          <a:bodyPr wrap="square" rtlCol="0">
+            <a:spAutoFit/>
+          </a:bodyPr>
+          <a:lstStyle/>
+          <a:p>
+            <a:pPr algn="ctr"/>
+            <a:endParaRPr lang="en-US" sz="4500" dirty="0" smtClean="0"/>
+          </a:p>
+          <a:p>
+            <a:pPr algn="ctr"/>
+            <a:r>
+              <a:rPr lang="en-US" sz="4500" dirty="0" smtClean="0"/>
+              <a:t>Cloning a repository</a:t>
+            </a:r>
+            <a:endParaRPr lang="en-US" sz="4500" dirty="0" smtClean="0"/>
+          </a:p>
+          <a:p>
+            <a:pPr algn="ctr"/>
+            <a:endParaRPr lang="en-US" sz="2500" dirty="0" smtClean="0"/>
+          </a:p>
+          <a:p>
+            <a:pPr marL="342900" lvl="7" indent="-342900" algn="ctr">
+              <a:buFontTx/>
+              <a:buChar char="-"/>
+            </a:pPr>
+            <a:endParaRPr lang="en-US" sz="2500" dirty="0" smtClean="0"/>
+          </a:p>
+          <a:p>
+            <a:pPr marL="342900" lvl="7" indent="-342900" algn="ctr">
+              <a:buFontTx/>
+              <a:buChar char="-"/>
+            </a:pPr>
+            <a:endParaRPr lang="en-US" sz="2500" dirty="0" smtClean="0"/>
+          </a:p>
+        </p:txBody>
+      </p:sp>
+      <p:grpSp>
+        <p:nvGrpSpPr>
+          <p:cNvPr id="6" name="Group 5"/>
+          <p:cNvGrpSpPr/>
+          <p:nvPr/>
+        </p:nvGrpSpPr>
+        <p:grpSpPr>
+          <a:xfrm>
+            <a:off x="10249685" y="6111669"/>
+            <a:ext cx="1829241" cy="635050"/>
+            <a:chOff x="898038" y="2564515"/>
+            <a:chExt cx="10661022" cy="3701143"/>
+          </a:xfrm>
+        </p:grpSpPr>
+        <p:pic>
+          <p:nvPicPr>
+            <p:cNvPr id="7" name="Picture 6"/>
+            <p:cNvPicPr>
+              <a:picLocks noChangeAspect="1"/>
+            </p:cNvPicPr>
+            <p:nvPr/>
+          </p:nvPicPr>
+          <p:blipFill>
+            <a:blip r:embed="rId3">
+              <a:duotone>
+                <a:schemeClr val="accent3">
+                  <a:shade val="45000"/>
+                  <a:satMod val="135000"/>
+                </a:schemeClr>
+                <a:prstClr val="white"/>
+              </a:duotone>
+              <a:extLst>
+                <a:ext uri="{28A0092B-C50C-407E-A947-70E740481C1C}">
+                  <a14:useLocalDpi xmlns:a14="http://schemas.microsoft.com/office/drawing/2010/main" val="0"/>
+                </a:ext>
+              </a:extLst>
+            </a:blip>
+            <a:stretch>
+              <a:fillRect/>
+            </a:stretch>
+          </p:blipFill>
+          <p:spPr>
+            <a:xfrm>
+              <a:off x="898038" y="3118803"/>
+              <a:ext cx="6208519" cy="2592568"/>
+            </a:xfrm>
+            <a:prstGeom prst="rect">
+              <a:avLst/>
+            </a:prstGeom>
+          </p:spPr>
+        </p:pic>
+        <p:pic>
+          <p:nvPicPr>
+            <p:cNvPr id="8" name="Picture 7"/>
+            <p:cNvPicPr>
+              <a:picLocks noChangeAspect="1"/>
+            </p:cNvPicPr>
+            <p:nvPr/>
+          </p:nvPicPr>
+          <p:blipFill>
+            <a:blip r:embed="rId4">
+              <a:duotone>
+                <a:schemeClr val="accent3">
+                  <a:shade val="45000"/>
+                  <a:satMod val="135000"/>
+                </a:schemeClr>
+                <a:prstClr val="white"/>
+              </a:duotone>
+              <a:extLst>
+                <a:ext uri="{28A0092B-C50C-407E-A947-70E740481C1C}">
+                  <a14:useLocalDpi xmlns:a14="http://schemas.microsoft.com/office/drawing/2010/main" val="0"/>
+                </a:ext>
+              </a:extLst>
+            </a:blip>
+            <a:stretch>
+              <a:fillRect/>
+            </a:stretch>
+          </p:blipFill>
+          <p:spPr>
+            <a:xfrm>
+              <a:off x="7106557" y="2564515"/>
+              <a:ext cx="4452503" cy="3701143"/>
+            </a:xfrm>
+            <a:prstGeom prst="rect">
+              <a:avLst/>
+            </a:prstGeom>
+          </p:spPr>
+        </p:pic>
+      </p:grpSp>
+      <p:pic>
+        <p:nvPicPr>
+          <p:cNvPr id="2" name="Picture 1"/>
+          <p:cNvPicPr>
+            <a:picLocks noChangeAspect="1"/>
+          </p:cNvPicPr>
+          <p:nvPr/>
+        </p:nvPicPr>
+        <p:blipFill>
+          <a:blip r:embed="rId5">
+            <a:extLst>
+              <a:ext uri="{28A0092B-C50C-407E-A947-70E740481C1C}">
+                <a14:useLocalDpi xmlns:a14="http://schemas.microsoft.com/office/drawing/2010/main" val="0"/>
+              </a:ext>
+            </a:extLst>
+          </a:blip>
+          <a:stretch>
+            <a:fillRect/>
+          </a:stretch>
+        </p:blipFill>
+        <p:spPr>
+          <a:xfrm>
+            <a:off x="647922" y="1905000"/>
+            <a:ext cx="10896153" cy="3406857"/>
+          </a:xfrm>
+          <a:prstGeom prst="rect">
+            <a:avLst/>
+          </a:prstGeom>
+        </p:spPr>
+      </p:pic>
+    </p:spTree>
+    <p:extLst>
+      <p:ext uri="{BB962C8B-B14F-4D97-AF65-F5344CB8AC3E}">
+        <p14:creationId xmlns:p14="http://schemas.microsoft.com/office/powerpoint/2010/main" val="3994929323"/>
+      </p:ext>
+    </p:extLst>
+  </p:cSld>
+  <p:clrMapOvr>
+    <a:masterClrMapping/>
+  </p:clrMapOvr>
+  <p:timing>
+    <p:tnLst>
+      <p:par>
+        <p:cTn id="1" dur="indefinite" restart="never" nodeType="tmRoot"/>
+      </p:par>
+    </p:tnLst>
+  </p:timing>
 </p:sld>
 </file>
 

--- a/Workshops/Git Intro.pptx
+++ b/Workshops/Git Intro.pptx
@@ -5,7 +5,7 @@
     <p:sldMasterId id="2147483648" r:id="rId1"/>
   </p:sldMasterIdLst>
   <p:notesMasterIdLst>
-    <p:notesMasterId r:id="rId21"/>
+    <p:notesMasterId r:id="rId23"/>
   </p:notesMasterIdLst>
   <p:sldIdLst>
     <p:sldId id="256" r:id="rId2"/>
@@ -27,6 +27,8 @@
     <p:sldId id="272" r:id="rId18"/>
     <p:sldId id="273" r:id="rId19"/>
     <p:sldId id="274" r:id="rId20"/>
+    <p:sldId id="275" r:id="rId21"/>
+    <p:sldId id="276" r:id="rId22"/>
   </p:sldIdLst>
   <p:sldSz cx="12192000" cy="6858000"/>
   <p:notesSz cx="6858000" cy="9144000"/>
@@ -672,11 +674,7 @@
             </a:pPr>
             <a:r>
               <a:rPr lang="en-NZ" dirty="0" smtClean="0"/>
-              <a:t>Changed </a:t>
-            </a:r>
-            <a:r>
-              <a:rPr lang="en-NZ" dirty="0" smtClean="0"/>
-              <a:t>files – new</a:t>
+              <a:t>Changed files – new</a:t>
             </a:r>
             <a:r>
               <a:rPr lang="en-NZ" baseline="0" dirty="0" smtClean="0"/>
@@ -1555,6 +1553,271 @@
 </p:notes>
 </file>
 
+<file path=ppt/notesSlides/notesSlide18.xml><?xml version="1.0" encoding="utf-8"?>
+<p:notes xmlns:a="http://schemas.openxmlformats.org/drawingml/2006/main" xmlns:r="http://schemas.openxmlformats.org/officeDocument/2006/relationships" xmlns:p="http://schemas.openxmlformats.org/presentationml/2006/main">
+  <p:cSld>
+    <p:spTree>
+      <p:nvGrpSpPr>
+        <p:cNvPr id="1" name=""/>
+        <p:cNvGrpSpPr/>
+        <p:nvPr/>
+      </p:nvGrpSpPr>
+      <p:grpSpPr>
+        <a:xfrm>
+          <a:off x="0" y="0"/>
+          <a:ext cx="0" cy="0"/>
+          <a:chOff x="0" y="0"/>
+          <a:chExt cx="0" cy="0"/>
+        </a:xfrm>
+      </p:grpSpPr>
+      <p:sp>
+        <p:nvSpPr>
+          <p:cNvPr id="2" name="Slide Image Placeholder 1"/>
+          <p:cNvSpPr>
+            <a:spLocks noGrp="1" noRot="1" noChangeAspect="1"/>
+          </p:cNvSpPr>
+          <p:nvPr>
+            <p:ph type="sldImg"/>
+          </p:nvPr>
+        </p:nvSpPr>
+        <p:spPr/>
+      </p:sp>
+      <p:sp>
+        <p:nvSpPr>
+          <p:cNvPr id="3" name="Notes Placeholder 2"/>
+          <p:cNvSpPr>
+            <a:spLocks noGrp="1"/>
+          </p:cNvSpPr>
+          <p:nvPr>
+            <p:ph type="body" idx="1"/>
+          </p:nvPr>
+        </p:nvSpPr>
+        <p:spPr/>
+        <p:txBody>
+          <a:bodyPr/>
+          <a:lstStyle/>
+          <a:p>
+            <a:pPr marL="171450" indent="-171450">
+              <a:buFont typeface="Arial" panose="020B0604020202020204" pitchFamily="34" charset="0"/>
+              <a:buChar char="•"/>
+            </a:pPr>
+            <a:r>
+              <a:rPr lang="en-NZ" b="0" i="0" baseline="0" dirty="0" smtClean="0"/>
+              <a:t>We can track changes on this repository by click on “# commits”</a:t>
+            </a:r>
+          </a:p>
+          <a:p>
+            <a:pPr marL="171450" indent="-171450">
+              <a:buFont typeface="Arial" panose="020B0604020202020204" pitchFamily="34" charset="0"/>
+              <a:buChar char="•"/>
+            </a:pPr>
+            <a:r>
+              <a:rPr lang="en-NZ" b="0" i="0" baseline="0" dirty="0" smtClean="0"/>
+              <a:t>The # represents the number of commits made to this branch</a:t>
+            </a:r>
+            <a:endParaRPr lang="en-NZ" b="0" i="0" baseline="0" dirty="0" smtClean="0"/>
+          </a:p>
+        </p:txBody>
+      </p:sp>
+      <p:sp>
+        <p:nvSpPr>
+          <p:cNvPr id="4" name="Slide Number Placeholder 3"/>
+          <p:cNvSpPr>
+            <a:spLocks noGrp="1"/>
+          </p:cNvSpPr>
+          <p:nvPr>
+            <p:ph type="sldNum" sz="quarter" idx="10"/>
+          </p:nvPr>
+        </p:nvSpPr>
+        <p:spPr/>
+        <p:txBody>
+          <a:bodyPr/>
+          <a:lstStyle/>
+          <a:p>
+            <a:fld id="{12FF5A28-F489-364E-AEDB-387A53AA762A}" type="slidenum">
+              <a:rPr lang="en-US" smtClean="0"/>
+              <a:t>20</a:t>
+            </a:fld>
+            <a:endParaRPr lang="en-US"/>
+          </a:p>
+        </p:txBody>
+      </p:sp>
+    </p:spTree>
+    <p:extLst>
+      <p:ext uri="{BB962C8B-B14F-4D97-AF65-F5344CB8AC3E}">
+        <p14:creationId xmlns:p14="http://schemas.microsoft.com/office/powerpoint/2010/main" val="4172937563"/>
+      </p:ext>
+    </p:extLst>
+  </p:cSld>
+  <p:clrMapOvr>
+    <a:masterClrMapping/>
+  </p:clrMapOvr>
+</p:notes>
+</file>
+
+<file path=ppt/notesSlides/notesSlide19.xml><?xml version="1.0" encoding="utf-8"?>
+<p:notes xmlns:a="http://schemas.openxmlformats.org/drawingml/2006/main" xmlns:r="http://schemas.openxmlformats.org/officeDocument/2006/relationships" xmlns:p="http://schemas.openxmlformats.org/presentationml/2006/main">
+  <p:cSld>
+    <p:spTree>
+      <p:nvGrpSpPr>
+        <p:cNvPr id="1" name=""/>
+        <p:cNvGrpSpPr/>
+        <p:nvPr/>
+      </p:nvGrpSpPr>
+      <p:grpSpPr>
+        <a:xfrm>
+          <a:off x="0" y="0"/>
+          <a:ext cx="0" cy="0"/>
+          <a:chOff x="0" y="0"/>
+          <a:chExt cx="0" cy="0"/>
+        </a:xfrm>
+      </p:grpSpPr>
+      <p:sp>
+        <p:nvSpPr>
+          <p:cNvPr id="2" name="Slide Image Placeholder 1"/>
+          <p:cNvSpPr>
+            <a:spLocks noGrp="1" noRot="1" noChangeAspect="1"/>
+          </p:cNvSpPr>
+          <p:nvPr>
+            <p:ph type="sldImg"/>
+          </p:nvPr>
+        </p:nvSpPr>
+        <p:spPr/>
+      </p:sp>
+      <p:sp>
+        <p:nvSpPr>
+          <p:cNvPr id="3" name="Notes Placeholder 2"/>
+          <p:cNvSpPr>
+            <a:spLocks noGrp="1"/>
+          </p:cNvSpPr>
+          <p:nvPr>
+            <p:ph type="body" idx="1"/>
+          </p:nvPr>
+        </p:nvSpPr>
+        <p:spPr/>
+        <p:txBody>
+          <a:bodyPr/>
+          <a:lstStyle/>
+          <a:p>
+            <a:pPr marL="171450" indent="-171450">
+              <a:buFont typeface="Arial" panose="020B0604020202020204" pitchFamily="34" charset="0"/>
+              <a:buChar char="•"/>
+            </a:pPr>
+            <a:r>
+              <a:rPr lang="en-NZ" b="0" i="0" baseline="0" dirty="0" smtClean="0"/>
+              <a:t>Here we can view our remote repositories commit history</a:t>
+            </a:r>
+          </a:p>
+          <a:p>
+            <a:pPr marL="171450" indent="-171450">
+              <a:buFont typeface="Arial" panose="020B0604020202020204" pitchFamily="34" charset="0"/>
+              <a:buChar char="•"/>
+            </a:pPr>
+            <a:r>
+              <a:rPr lang="en-NZ" b="0" i="0" baseline="0" dirty="0" smtClean="0"/>
+              <a:t>Information includes:</a:t>
+            </a:r>
+          </a:p>
+          <a:p>
+            <a:pPr marL="628650" lvl="1" indent="-171450">
+              <a:buFont typeface="Arial" panose="020B0604020202020204" pitchFamily="34" charset="0"/>
+              <a:buChar char="•"/>
+            </a:pPr>
+            <a:r>
+              <a:rPr lang="en-NZ" b="0" i="0" baseline="0" dirty="0" smtClean="0"/>
+              <a:t>The commit message</a:t>
+            </a:r>
+          </a:p>
+          <a:p>
+            <a:pPr marL="628650" lvl="1" indent="-171450">
+              <a:buFont typeface="Arial" panose="020B0604020202020204" pitchFamily="34" charset="0"/>
+              <a:buChar char="•"/>
+            </a:pPr>
+            <a:r>
+              <a:rPr lang="en-NZ" b="0" i="0" baseline="0" dirty="0" smtClean="0"/>
+              <a:t>The commit author</a:t>
+            </a:r>
+          </a:p>
+          <a:p>
+            <a:pPr marL="628650" lvl="1" indent="-171450">
+              <a:buFont typeface="Arial" panose="020B0604020202020204" pitchFamily="34" charset="0"/>
+              <a:buChar char="•"/>
+            </a:pPr>
+            <a:r>
+              <a:rPr lang="en-NZ" b="0" i="0" baseline="0" dirty="0" smtClean="0"/>
+              <a:t>The commit time</a:t>
+            </a:r>
+          </a:p>
+          <a:p>
+            <a:pPr marL="628650" lvl="1" indent="-171450">
+              <a:buFont typeface="Arial" panose="020B0604020202020204" pitchFamily="34" charset="0"/>
+              <a:buChar char="•"/>
+            </a:pPr>
+            <a:r>
+              <a:rPr lang="en-NZ" b="0" i="0" baseline="0" dirty="0" smtClean="0"/>
+              <a:t>The file changes</a:t>
+            </a:r>
+          </a:p>
+          <a:p>
+            <a:pPr marL="628650" lvl="1" indent="-171450">
+              <a:buFont typeface="Arial" panose="020B0604020202020204" pitchFamily="34" charset="0"/>
+              <a:buChar char="•"/>
+            </a:pPr>
+            <a:r>
+              <a:rPr lang="en-NZ" b="0" i="0" baseline="0" dirty="0" smtClean="0"/>
+              <a:t>The repository at this point </a:t>
+            </a:r>
+            <a:r>
+              <a:rPr lang="en-NZ" b="0" i="0" baseline="0" smtClean="0"/>
+              <a:t>in time</a:t>
+            </a:r>
+            <a:endParaRPr lang="en-NZ" b="0" i="0" baseline="0" dirty="0" smtClean="0"/>
+          </a:p>
+          <a:p>
+            <a:pPr marL="171450" indent="-171450">
+              <a:buFont typeface="Arial" panose="020B0604020202020204" pitchFamily="34" charset="0"/>
+              <a:buChar char="•"/>
+            </a:pPr>
+            <a:endParaRPr lang="en-NZ" b="0" i="0" baseline="0" dirty="0" smtClean="0"/>
+          </a:p>
+        </p:txBody>
+      </p:sp>
+      <p:sp>
+        <p:nvSpPr>
+          <p:cNvPr id="4" name="Slide Number Placeholder 3"/>
+          <p:cNvSpPr>
+            <a:spLocks noGrp="1"/>
+          </p:cNvSpPr>
+          <p:nvPr>
+            <p:ph type="sldNum" sz="quarter" idx="10"/>
+          </p:nvPr>
+        </p:nvSpPr>
+        <p:spPr/>
+        <p:txBody>
+          <a:bodyPr/>
+          <a:lstStyle/>
+          <a:p>
+            <a:fld id="{12FF5A28-F489-364E-AEDB-387A53AA762A}" type="slidenum">
+              <a:rPr lang="en-US" smtClean="0"/>
+              <a:t>21</a:t>
+            </a:fld>
+            <a:endParaRPr lang="en-US"/>
+          </a:p>
+        </p:txBody>
+      </p:sp>
+    </p:spTree>
+    <p:extLst>
+      <p:ext uri="{BB962C8B-B14F-4D97-AF65-F5344CB8AC3E}">
+        <p14:creationId xmlns:p14="http://schemas.microsoft.com/office/powerpoint/2010/main" val="1801326920"/>
+      </p:ext>
+    </p:extLst>
+  </p:cSld>
+  <p:clrMapOvr>
+    <a:masterClrMapping/>
+  </p:clrMapOvr>
+</p:notes>
+</file>
+
 <file path=ppt/notesSlides/notesSlide2.xml><?xml version="1.0" encoding="utf-8"?>
 <p:notes xmlns:a="http://schemas.openxmlformats.org/drawingml/2006/main" xmlns:r="http://schemas.openxmlformats.org/officeDocument/2006/relationships" xmlns:p="http://schemas.openxmlformats.org/presentationml/2006/main">
   <p:cSld>
@@ -1962,11 +2225,7 @@
             </a:r>
             <a:r>
               <a:rPr lang="en-NZ" baseline="0" dirty="0" smtClean="0"/>
-              <a:t> to </a:t>
-            </a:r>
-            <a:r>
-              <a:rPr lang="en-NZ" baseline="0" dirty="0" smtClean="0"/>
-              <a:t>GitHub and either create new account or login</a:t>
+              <a:t> to GitHub and either create new account or login</a:t>
             </a:r>
           </a:p>
           <a:p>
@@ -8078,6 +8337,450 @@
 </p:sld>
 </file>
 
+<file path=ppt/slides/slide20.xml><?xml version="1.0" encoding="utf-8"?>
+<p:sld xmlns:a="http://schemas.openxmlformats.org/drawingml/2006/main" xmlns:r="http://schemas.openxmlformats.org/officeDocument/2006/relationships" xmlns:p="http://schemas.openxmlformats.org/presentationml/2006/main">
+  <p:cSld>
+    <p:bg>
+      <p:bgPr>
+        <a:solidFill>
+          <a:srgbClr val="F4CBB2"/>
+        </a:solidFill>
+        <a:effectLst/>
+      </p:bgPr>
+    </p:bg>
+    <p:spTree>
+      <p:nvGrpSpPr>
+        <p:cNvPr id="1" name=""/>
+        <p:cNvGrpSpPr/>
+        <p:nvPr/>
+      </p:nvGrpSpPr>
+      <p:grpSpPr>
+        <a:xfrm>
+          <a:off x="0" y="0"/>
+          <a:ext cx="0" cy="0"/>
+          <a:chOff x="0" y="0"/>
+          <a:chExt cx="0" cy="0"/>
+        </a:xfrm>
+      </p:grpSpPr>
+      <p:sp>
+        <p:nvSpPr>
+          <p:cNvPr id="5" name="TextBox 4"/>
+          <p:cNvSpPr txBox="1"/>
+          <p:nvPr/>
+        </p:nvSpPr>
+        <p:spPr>
+          <a:xfrm>
+            <a:off x="0" y="0"/>
+            <a:ext cx="12191999" cy="1477328"/>
+          </a:xfrm>
+          <a:prstGeom prst="rect">
+            <a:avLst/>
+          </a:prstGeom>
+          <a:noFill/>
+        </p:spPr>
+        <p:txBody>
+          <a:bodyPr wrap="square" rtlCol="0">
+            <a:spAutoFit/>
+          </a:bodyPr>
+          <a:lstStyle/>
+          <a:p>
+            <a:pPr algn="ctr"/>
+            <a:endParaRPr lang="en-US" sz="4500" dirty="0" smtClean="0"/>
+          </a:p>
+          <a:p>
+            <a:pPr algn="ctr"/>
+            <a:r>
+              <a:rPr lang="en-NZ" sz="4500" dirty="0" smtClean="0"/>
+              <a:t>Track changes</a:t>
+            </a:r>
+            <a:endParaRPr lang="en-US" sz="2500" dirty="0" smtClean="0"/>
+          </a:p>
+        </p:txBody>
+      </p:sp>
+      <p:grpSp>
+        <p:nvGrpSpPr>
+          <p:cNvPr id="6" name="Group 5"/>
+          <p:cNvGrpSpPr/>
+          <p:nvPr/>
+        </p:nvGrpSpPr>
+        <p:grpSpPr>
+          <a:xfrm>
+            <a:off x="10249685" y="6111669"/>
+            <a:ext cx="1829241" cy="635050"/>
+            <a:chOff x="898038" y="2564515"/>
+            <a:chExt cx="10661022" cy="3701143"/>
+          </a:xfrm>
+        </p:grpSpPr>
+        <p:pic>
+          <p:nvPicPr>
+            <p:cNvPr id="7" name="Picture 6"/>
+            <p:cNvPicPr>
+              <a:picLocks noChangeAspect="1"/>
+            </p:cNvPicPr>
+            <p:nvPr/>
+          </p:nvPicPr>
+          <p:blipFill>
+            <a:blip r:embed="rId3">
+              <a:duotone>
+                <a:schemeClr val="accent3">
+                  <a:shade val="45000"/>
+                  <a:satMod val="135000"/>
+                </a:schemeClr>
+                <a:prstClr val="white"/>
+              </a:duotone>
+              <a:extLst>
+                <a:ext uri="{28A0092B-C50C-407E-A947-70E740481C1C}">
+                  <a14:useLocalDpi xmlns:a14="http://schemas.microsoft.com/office/drawing/2010/main" val="0"/>
+                </a:ext>
+              </a:extLst>
+            </a:blip>
+            <a:stretch>
+              <a:fillRect/>
+            </a:stretch>
+          </p:blipFill>
+          <p:spPr>
+            <a:xfrm>
+              <a:off x="898038" y="3118803"/>
+              <a:ext cx="6208519" cy="2592568"/>
+            </a:xfrm>
+            <a:prstGeom prst="rect">
+              <a:avLst/>
+            </a:prstGeom>
+          </p:spPr>
+        </p:pic>
+        <p:pic>
+          <p:nvPicPr>
+            <p:cNvPr id="8" name="Picture 7"/>
+            <p:cNvPicPr>
+              <a:picLocks noChangeAspect="1"/>
+            </p:cNvPicPr>
+            <p:nvPr/>
+          </p:nvPicPr>
+          <p:blipFill>
+            <a:blip r:embed="rId4">
+              <a:duotone>
+                <a:schemeClr val="accent3">
+                  <a:shade val="45000"/>
+                  <a:satMod val="135000"/>
+                </a:schemeClr>
+                <a:prstClr val="white"/>
+              </a:duotone>
+              <a:extLst>
+                <a:ext uri="{28A0092B-C50C-407E-A947-70E740481C1C}">
+                  <a14:useLocalDpi xmlns:a14="http://schemas.microsoft.com/office/drawing/2010/main" val="0"/>
+                </a:ext>
+              </a:extLst>
+            </a:blip>
+            <a:stretch>
+              <a:fillRect/>
+            </a:stretch>
+          </p:blipFill>
+          <p:spPr>
+            <a:xfrm>
+              <a:off x="7106557" y="2564515"/>
+              <a:ext cx="4452503" cy="3701143"/>
+            </a:xfrm>
+            <a:prstGeom prst="rect">
+              <a:avLst/>
+            </a:prstGeom>
+          </p:spPr>
+        </p:pic>
+      </p:grpSp>
+      <p:pic>
+        <p:nvPicPr>
+          <p:cNvPr id="2" name="Picture 1"/>
+          <p:cNvPicPr>
+            <a:picLocks noChangeAspect="1"/>
+          </p:cNvPicPr>
+          <p:nvPr/>
+        </p:nvPicPr>
+        <p:blipFill>
+          <a:blip r:embed="rId5">
+            <a:extLst>
+              <a:ext uri="{28A0092B-C50C-407E-A947-70E740481C1C}">
+                <a14:useLocalDpi xmlns:a14="http://schemas.microsoft.com/office/drawing/2010/main" val="0"/>
+              </a:ext>
+            </a:extLst>
+          </a:blip>
+          <a:stretch>
+            <a:fillRect/>
+          </a:stretch>
+        </p:blipFill>
+        <p:spPr>
+          <a:xfrm>
+            <a:off x="1747836" y="1735475"/>
+            <a:ext cx="8699373" cy="4118046"/>
+          </a:xfrm>
+          <a:prstGeom prst="rect">
+            <a:avLst/>
+          </a:prstGeom>
+        </p:spPr>
+      </p:pic>
+      <p:sp>
+        <p:nvSpPr>
+          <p:cNvPr id="4" name="Oval 3"/>
+          <p:cNvSpPr/>
+          <p:nvPr/>
+        </p:nvSpPr>
+        <p:spPr>
+          <a:xfrm>
+            <a:off x="2171700" y="3333750"/>
+            <a:ext cx="1104900" cy="400050"/>
+          </a:xfrm>
+          <a:prstGeom prst="ellipse">
+            <a:avLst/>
+          </a:prstGeom>
+          <a:noFill/>
+          <a:ln>
+            <a:solidFill>
+              <a:schemeClr val="tx1"/>
+            </a:solidFill>
+          </a:ln>
+        </p:spPr>
+        <p:style>
+          <a:lnRef idx="2">
+            <a:schemeClr val="accent1">
+              <a:shade val="50000"/>
+            </a:schemeClr>
+          </a:lnRef>
+          <a:fillRef idx="1">
+            <a:schemeClr val="accent1"/>
+          </a:fillRef>
+          <a:effectRef idx="0">
+            <a:schemeClr val="accent1"/>
+          </a:effectRef>
+          <a:fontRef idx="minor">
+            <a:schemeClr val="lt1"/>
+          </a:fontRef>
+        </p:style>
+        <p:txBody>
+          <a:bodyPr rtlCol="0" anchor="ctr"/>
+          <a:lstStyle/>
+          <a:p>
+            <a:pPr algn="ctr"/>
+            <a:endParaRPr lang="en-NZ"/>
+          </a:p>
+        </p:txBody>
+      </p:sp>
+    </p:spTree>
+    <p:extLst>
+      <p:ext uri="{BB962C8B-B14F-4D97-AF65-F5344CB8AC3E}">
+        <p14:creationId xmlns:p14="http://schemas.microsoft.com/office/powerpoint/2010/main" val="3836985808"/>
+      </p:ext>
+    </p:extLst>
+  </p:cSld>
+  <p:clrMapOvr>
+    <a:masterClrMapping/>
+  </p:clrMapOvr>
+  <p:timing>
+    <p:tnLst>
+      <p:par>
+        <p:cTn id="1" dur="indefinite" restart="never" nodeType="tmRoot"/>
+      </p:par>
+    </p:tnLst>
+  </p:timing>
+</p:sld>
+</file>
+
+<file path=ppt/slides/slide21.xml><?xml version="1.0" encoding="utf-8"?>
+<p:sld xmlns:a="http://schemas.openxmlformats.org/drawingml/2006/main" xmlns:r="http://schemas.openxmlformats.org/officeDocument/2006/relationships" xmlns:p="http://schemas.openxmlformats.org/presentationml/2006/main">
+  <p:cSld>
+    <p:bg>
+      <p:bgPr>
+        <a:solidFill>
+          <a:srgbClr val="F4CBB2"/>
+        </a:solidFill>
+        <a:effectLst/>
+      </p:bgPr>
+    </p:bg>
+    <p:spTree>
+      <p:nvGrpSpPr>
+        <p:cNvPr id="1" name=""/>
+        <p:cNvGrpSpPr/>
+        <p:nvPr/>
+      </p:nvGrpSpPr>
+      <p:grpSpPr>
+        <a:xfrm>
+          <a:off x="0" y="0"/>
+          <a:ext cx="0" cy="0"/>
+          <a:chOff x="0" y="0"/>
+          <a:chExt cx="0" cy="0"/>
+        </a:xfrm>
+      </p:grpSpPr>
+      <p:sp>
+        <p:nvSpPr>
+          <p:cNvPr id="5" name="TextBox 4"/>
+          <p:cNvSpPr txBox="1"/>
+          <p:nvPr/>
+        </p:nvSpPr>
+        <p:spPr>
+          <a:xfrm>
+            <a:off x="0" y="0"/>
+            <a:ext cx="12191999" cy="1477328"/>
+          </a:xfrm>
+          <a:prstGeom prst="rect">
+            <a:avLst/>
+          </a:prstGeom>
+          <a:noFill/>
+        </p:spPr>
+        <p:txBody>
+          <a:bodyPr wrap="square" rtlCol="0">
+            <a:spAutoFit/>
+          </a:bodyPr>
+          <a:lstStyle/>
+          <a:p>
+            <a:pPr algn="ctr"/>
+            <a:endParaRPr lang="en-US" sz="4500" dirty="0" smtClean="0"/>
+          </a:p>
+          <a:p>
+            <a:pPr algn="ctr"/>
+            <a:r>
+              <a:rPr lang="en-NZ" sz="4500" dirty="0" smtClean="0"/>
+              <a:t>Track changes</a:t>
+            </a:r>
+            <a:endParaRPr lang="en-US" sz="2500" dirty="0" smtClean="0"/>
+          </a:p>
+        </p:txBody>
+      </p:sp>
+      <p:grpSp>
+        <p:nvGrpSpPr>
+          <p:cNvPr id="6" name="Group 5"/>
+          <p:cNvGrpSpPr/>
+          <p:nvPr/>
+        </p:nvGrpSpPr>
+        <p:grpSpPr>
+          <a:xfrm>
+            <a:off x="10249685" y="6111669"/>
+            <a:ext cx="1829241" cy="635050"/>
+            <a:chOff x="898038" y="2564515"/>
+            <a:chExt cx="10661022" cy="3701143"/>
+          </a:xfrm>
+        </p:grpSpPr>
+        <p:pic>
+          <p:nvPicPr>
+            <p:cNvPr id="7" name="Picture 6"/>
+            <p:cNvPicPr>
+              <a:picLocks noChangeAspect="1"/>
+            </p:cNvPicPr>
+            <p:nvPr/>
+          </p:nvPicPr>
+          <p:blipFill>
+            <a:blip r:embed="rId3">
+              <a:duotone>
+                <a:schemeClr val="accent3">
+                  <a:shade val="45000"/>
+                  <a:satMod val="135000"/>
+                </a:schemeClr>
+                <a:prstClr val="white"/>
+              </a:duotone>
+              <a:extLst>
+                <a:ext uri="{28A0092B-C50C-407E-A947-70E740481C1C}">
+                  <a14:useLocalDpi xmlns:a14="http://schemas.microsoft.com/office/drawing/2010/main" val="0"/>
+                </a:ext>
+              </a:extLst>
+            </a:blip>
+            <a:stretch>
+              <a:fillRect/>
+            </a:stretch>
+          </p:blipFill>
+          <p:spPr>
+            <a:xfrm>
+              <a:off x="898038" y="3118803"/>
+              <a:ext cx="6208519" cy="2592568"/>
+            </a:xfrm>
+            <a:prstGeom prst="rect">
+              <a:avLst/>
+            </a:prstGeom>
+          </p:spPr>
+        </p:pic>
+        <p:pic>
+          <p:nvPicPr>
+            <p:cNvPr id="8" name="Picture 7"/>
+            <p:cNvPicPr>
+              <a:picLocks noChangeAspect="1"/>
+            </p:cNvPicPr>
+            <p:nvPr/>
+          </p:nvPicPr>
+          <p:blipFill>
+            <a:blip r:embed="rId4">
+              <a:duotone>
+                <a:schemeClr val="accent3">
+                  <a:shade val="45000"/>
+                  <a:satMod val="135000"/>
+                </a:schemeClr>
+                <a:prstClr val="white"/>
+              </a:duotone>
+              <a:extLst>
+                <a:ext uri="{28A0092B-C50C-407E-A947-70E740481C1C}">
+                  <a14:useLocalDpi xmlns:a14="http://schemas.microsoft.com/office/drawing/2010/main" val="0"/>
+                </a:ext>
+              </a:extLst>
+            </a:blip>
+            <a:stretch>
+              <a:fillRect/>
+            </a:stretch>
+          </p:blipFill>
+          <p:spPr>
+            <a:xfrm>
+              <a:off x="7106557" y="2564515"/>
+              <a:ext cx="4452503" cy="3701143"/>
+            </a:xfrm>
+            <a:prstGeom prst="rect">
+              <a:avLst/>
+            </a:prstGeom>
+          </p:spPr>
+        </p:pic>
+      </p:grpSp>
+      <p:pic>
+        <p:nvPicPr>
+          <p:cNvPr id="3" name="Picture 2"/>
+          <p:cNvPicPr>
+            <a:picLocks noChangeAspect="1"/>
+          </p:cNvPicPr>
+          <p:nvPr/>
+        </p:nvPicPr>
+        <p:blipFill>
+          <a:blip r:embed="rId5">
+            <a:extLst>
+              <a:ext uri="{28A0092B-C50C-407E-A947-70E740481C1C}">
+                <a14:useLocalDpi xmlns:a14="http://schemas.microsoft.com/office/drawing/2010/main" val="0"/>
+              </a:ext>
+            </a:extLst>
+          </a:blip>
+          <a:stretch>
+            <a:fillRect/>
+          </a:stretch>
+        </p:blipFill>
+        <p:spPr>
+          <a:xfrm>
+            <a:off x="1252537" y="1827514"/>
+            <a:ext cx="9686925" cy="4029075"/>
+          </a:xfrm>
+          <a:prstGeom prst="rect">
+            <a:avLst/>
+          </a:prstGeom>
+        </p:spPr>
+      </p:pic>
+    </p:spTree>
+    <p:extLst>
+      <p:ext uri="{BB962C8B-B14F-4D97-AF65-F5344CB8AC3E}">
+        <p14:creationId xmlns:p14="http://schemas.microsoft.com/office/powerpoint/2010/main" val="1018535163"/>
+      </p:ext>
+    </p:extLst>
+  </p:cSld>
+  <p:clrMapOvr>
+    <a:masterClrMapping/>
+  </p:clrMapOvr>
+  <p:timing>
+    <p:tnLst>
+      <p:par>
+        <p:cTn id="1" dur="indefinite" restart="never" nodeType="tmRoot"/>
+      </p:par>
+    </p:tnLst>
+  </p:timing>
+</p:sld>
+</file>
+
 <file path=ppt/slides/slide3.xml><?xml version="1.0" encoding="utf-8"?>
 <p:sld xmlns:a="http://schemas.openxmlformats.org/drawingml/2006/main" xmlns:r="http://schemas.openxmlformats.org/officeDocument/2006/relationships" xmlns:p="http://schemas.openxmlformats.org/presentationml/2006/main">
   <p:cSld>
@@ -9315,11 +10018,11 @@
   <p:clrMapOvr>
     <a:masterClrMapping/>
   </p:clrMapOvr>
-  <mc:AlternateContent xmlns:mc="http://schemas.openxmlformats.org/markup-compatibility/2006">
-    <mc:Choice xmlns:p14="http://schemas.microsoft.com/office/powerpoint/2010/main" Requires="p14">
+  <mc:AlternateContent xmlns:mc="http://schemas.openxmlformats.org/markup-compatibility/2006" xmlns:p14="http://schemas.microsoft.com/office/powerpoint/2010/main">
+    <mc:Choice Requires="p14">
       <p:transition spd="slow" p14:dur="2000"/>
     </mc:Choice>
-    <mc:Fallback>
+    <mc:Fallback xmlns="">
       <p:transition spd="slow"/>
     </mc:Fallback>
   </mc:AlternateContent>
@@ -9605,7 +10308,6 @@
               <a:rPr lang="en-US" sz="4500" dirty="0" smtClean="0"/>
               <a:t>Cloning a repository</a:t>
             </a:r>
-            <a:endParaRPr lang="en-US" sz="4500" dirty="0" smtClean="0"/>
           </a:p>
           <a:p>
             <a:pPr algn="ctr"/>
@@ -9868,7 +10570,6 @@
               <a:rPr lang="en-US" sz="4500" dirty="0" smtClean="0"/>
               <a:t>Cloning a repository</a:t>
             </a:r>
-            <a:endParaRPr lang="en-US" sz="4500" dirty="0" smtClean="0"/>
           </a:p>
           <a:p>
             <a:pPr algn="ctr"/>

--- a/Workshops/Git Intro.pptx
+++ b/Workshops/Git Intro.pptx
@@ -1765,13 +1765,8 @@
             </a:pPr>
             <a:r>
               <a:rPr lang="en-NZ" b="0" i="0" baseline="0" dirty="0" smtClean="0"/>
-              <a:t>The repository at this point </a:t>
-            </a:r>
-            <a:r>
-              <a:rPr lang="en-NZ" b="0" i="0" baseline="0" smtClean="0"/>
-              <a:t>in time</a:t>
-            </a:r>
-            <a:endParaRPr lang="en-NZ" b="0" i="0" baseline="0" dirty="0" smtClean="0"/>
+              <a:t>The repository at this point in time</a:t>
+            </a:r>
           </a:p>
           <a:p>
             <a:pPr marL="171450" indent="-171450">

--- a/Workshops/Git Intro.pptx
+++ b/Workshops/Git Intro.pptx
@@ -228,7 +228,7 @@
           <a:p>
             <a:fld id="{B20A1C99-0E2F-0548-A15B-2D1809D1E4CF}" type="datetimeFigureOut">
               <a:rPr lang="en-US" smtClean="0"/>
-              <a:t>9/10/2019</a:t>
+              <a:t>9/10/19</a:t>
             </a:fld>
             <a:endParaRPr lang="en-US"/>
           </a:p>
@@ -902,7 +902,11 @@
             </a:r>
             <a:r>
               <a:rPr lang="en-NZ" b="0" baseline="0" dirty="0" smtClean="0"/>
-              <a:t> yourself with the statuses – this example doesn’t tell us much</a:t>
+              <a:t> yourself with the </a:t>
+            </a:r>
+            <a:r>
+              <a:rPr lang="en-NZ" b="0" baseline="0" dirty="0" smtClean="0"/>
+              <a:t>statuses</a:t>
             </a:r>
           </a:p>
           <a:p>
@@ -912,7 +916,11 @@
             </a:pPr>
             <a:r>
               <a:rPr lang="en-NZ" b="0" baseline="0" dirty="0" smtClean="0"/>
-              <a:t>You can almost guarantee there are no conflicts</a:t>
+              <a:t>You </a:t>
+            </a:r>
+            <a:r>
+              <a:rPr lang="en-NZ" b="0" baseline="0" dirty="0" smtClean="0"/>
+              <a:t>can almost guarantee there are no conflicts</a:t>
             </a:r>
             <a:endParaRPr lang="en-NZ" b="0" dirty="0"/>
           </a:p>
@@ -1126,7 +1134,7 @@
             </a:r>
             <a:r>
               <a:rPr lang="en-NZ" b="0" i="0" baseline="0" dirty="0" smtClean="0"/>
-              <a:t> we go back to GitHub and refresh the page we will see the file(s) in our remote repository</a:t>
+              <a:t> we go back to GitHub and refresh the page, we will see the file(s) in our remote repository</a:t>
             </a:r>
           </a:p>
           <a:p>
@@ -1136,7 +1144,23 @@
             </a:pPr>
             <a:r>
               <a:rPr lang="en-NZ" b="0" i="0" baseline="0" dirty="0" smtClean="0"/>
-              <a:t>We can create new files and upload existing files, but unfortunately we can’t do this with directories</a:t>
+              <a:t>We can create new files and upload existing </a:t>
+            </a:r>
+            <a:r>
+              <a:rPr lang="en-NZ" b="0" i="0" baseline="0" dirty="0" smtClean="0"/>
+              <a:t>files on GitHub, </a:t>
+            </a:r>
+            <a:r>
+              <a:rPr lang="en-NZ" b="0" i="0" baseline="0" dirty="0" smtClean="0"/>
+              <a:t>but unfortunately we can’t do </a:t>
+            </a:r>
+            <a:r>
+              <a:rPr lang="en-NZ" b="0" i="0" baseline="0" dirty="0" smtClean="0"/>
+              <a:t>the same thing </a:t>
+            </a:r>
+            <a:r>
+              <a:rPr lang="en-NZ" b="0" i="0" baseline="0" dirty="0" smtClean="0"/>
+              <a:t>with directories</a:t>
             </a:r>
             <a:endParaRPr lang="en-NZ" b="0" i="0" dirty="0"/>
           </a:p>
@@ -1263,7 +1287,15 @@
             </a:pPr>
             <a:r>
               <a:rPr lang="en-NZ" b="0" i="0" baseline="0" dirty="0" smtClean="0"/>
-              <a:t>Scroll to the bottom and click on the bright green “Commit new file” button</a:t>
+              <a:t>Scroll to the bottom and click on the </a:t>
+            </a:r>
+            <a:r>
+              <a:rPr lang="en-NZ" b="0" i="0" baseline="0" dirty="0" smtClean="0"/>
+              <a:t>“</a:t>
+            </a:r>
+            <a:r>
+              <a:rPr lang="en-NZ" b="0" i="0" baseline="0" dirty="0" smtClean="0"/>
+              <a:t>Commit new file” button</a:t>
             </a:r>
           </a:p>
           <a:p>
@@ -1273,7 +1305,15 @@
             </a:pPr>
             <a:r>
               <a:rPr lang="en-NZ" b="0" i="0" baseline="0" dirty="0" smtClean="0"/>
-              <a:t>This will commit directly to the master branch</a:t>
+              <a:t>This will commit </a:t>
+            </a:r>
+            <a:r>
+              <a:rPr lang="en-NZ" b="0" i="0" baseline="0" dirty="0" smtClean="0"/>
+              <a:t>your new file to </a:t>
+            </a:r>
+            <a:r>
+              <a:rPr lang="en-NZ" b="0" i="0" baseline="0" dirty="0" smtClean="0"/>
+              <a:t>the master branch</a:t>
             </a:r>
             <a:endParaRPr lang="en-NZ" b="0" i="0" dirty="0" smtClean="0"/>
           </a:p>
@@ -1379,7 +1419,7 @@
             </a:pPr>
             <a:r>
               <a:rPr lang="en-NZ" b="0" i="0" baseline="0" dirty="0" smtClean="0"/>
-              <a:t>How do I get this into my local repository???</a:t>
+              <a:t>This doesn’t appear in my local copy. How can I get this???</a:t>
             </a:r>
             <a:endParaRPr lang="en-NZ" b="0" i="0" dirty="0" smtClean="0"/>
           </a:p>
@@ -1475,8 +1515,13 @@
             </a:r>
             <a:r>
               <a:rPr lang="en-NZ" b="0" i="0" baseline="0" dirty="0" smtClean="0"/>
-              <a:t> you won’t see test-3.txt until you run the correct command</a:t>
-            </a:r>
+              <a:t> you won’t see test-3.txt until you run the </a:t>
+            </a:r>
+            <a:r>
+              <a:rPr lang="en-NZ" b="0" i="0" baseline="0" dirty="0" smtClean="0"/>
+              <a:t>following command</a:t>
+            </a:r>
+            <a:endParaRPr lang="en-NZ" b="0" i="0" baseline="0" dirty="0" smtClean="0"/>
           </a:p>
           <a:p>
             <a:pPr marL="171450" indent="-171450">
@@ -1615,7 +1660,6 @@
               <a:rPr lang="en-NZ" b="0" i="0" baseline="0" dirty="0" smtClean="0"/>
               <a:t>The # represents the number of commits made to this branch</a:t>
             </a:r>
-            <a:endParaRPr lang="en-NZ" b="0" i="0" baseline="0" dirty="0" smtClean="0"/>
           </a:p>
         </p:txBody>
       </p:sp>
@@ -1765,14 +1809,16 @@
             </a:pPr>
             <a:r>
               <a:rPr lang="en-NZ" b="0" i="0" baseline="0" dirty="0" smtClean="0"/>
-              <a:t>The repository at this point in time</a:t>
-            </a:r>
-          </a:p>
-          <a:p>
-            <a:pPr marL="171450" indent="-171450">
-              <a:buFont typeface="Arial" panose="020B0604020202020204" pitchFamily="34" charset="0"/>
-              <a:buChar char="•"/>
-            </a:pPr>
+              <a:t>The repository at this point </a:t>
+            </a:r>
+            <a:r>
+              <a:rPr lang="en-NZ" b="0" i="0" baseline="0" smtClean="0"/>
+              <a:t>in </a:t>
+            </a:r>
+            <a:r>
+              <a:rPr lang="en-NZ" b="0" i="0" baseline="0" smtClean="0"/>
+              <a:t>time</a:t>
+            </a:r>
             <a:endParaRPr lang="en-NZ" b="0" i="0" baseline="0" dirty="0" smtClean="0"/>
           </a:p>
         </p:txBody>
@@ -1862,12 +1908,8 @@
               <a:buChar char="•"/>
             </a:pPr>
             <a:r>
-              <a:rPr lang="en-NZ" dirty="0" smtClean="0"/>
-              <a:t>Promotes collaboration –</a:t>
-            </a:r>
-            <a:r>
               <a:rPr lang="en-NZ" baseline="0" dirty="0" smtClean="0"/>
-              <a:t> doesn’t matter where in the world you are</a:t>
+              <a:t>Git promotes collaboration. We can collaborate with developers in Australia, USA, everywhere around the world!!!</a:t>
             </a:r>
           </a:p>
         </p:txBody>
@@ -1958,7 +2000,11 @@
             </a:pPr>
             <a:r>
               <a:rPr lang="en-NZ" dirty="0" smtClean="0"/>
-              <a:t>Git is a distributed version control system</a:t>
+              <a:t>Git is a distributed version control </a:t>
+            </a:r>
+            <a:r>
+              <a:rPr lang="en-NZ" dirty="0" smtClean="0"/>
+              <a:t>system</a:t>
             </a:r>
           </a:p>
           <a:p>
@@ -1968,27 +2014,42 @@
             </a:pPr>
             <a:r>
               <a:rPr lang="en-NZ" dirty="0" smtClean="0"/>
-              <a:t>Examples of centralised</a:t>
+              <a:t>CSV</a:t>
             </a:r>
             <a:r>
               <a:rPr lang="en-NZ" baseline="0" dirty="0" smtClean="0"/>
-              <a:t> version control systems are </a:t>
-            </a:r>
-            <a:r>
-              <a:rPr lang="en-NZ" b="1" baseline="0" dirty="0" smtClean="0"/>
-              <a:t>CVS</a:t>
-            </a:r>
+              <a:t> and Subversion are examples of centralised VCS which are still heavily used within the industry</a:t>
+            </a:r>
+          </a:p>
+          <a:p>
+            <a:pPr marL="171450" marR="0" indent="-171450" algn="l" defTabSz="914400" rtl="0" eaLnBrk="1" fontAlgn="auto" latinLnBrk="0" hangingPunct="1">
+              <a:lnSpc>
+                <a:spcPct val="100000"/>
+              </a:lnSpc>
+              <a:spcBef>
+                <a:spcPts val="0"/>
+              </a:spcBef>
+              <a:spcAft>
+                <a:spcPts val="0"/>
+              </a:spcAft>
+              <a:buClrTx/>
+              <a:buSzTx/>
+              <a:buFont typeface="Arial" panose="020B0604020202020204" pitchFamily="34" charset="0"/>
+              <a:buChar char="•"/>
+              <a:tabLst/>
+              <a:defRPr/>
+            </a:pPr>
             <a:r>
               <a:rPr lang="en-NZ" baseline="0" dirty="0" smtClean="0"/>
-              <a:t> and </a:t>
-            </a:r>
-            <a:r>
-              <a:rPr lang="en-NZ" b="1" baseline="0" dirty="0" smtClean="0"/>
-              <a:t>Subversion</a:t>
+              <a:t>Centralised VCS </a:t>
+            </a:r>
+            <a:r>
+              <a:rPr lang="mr-IN" baseline="0" dirty="0" smtClean="0"/>
+              <a:t>–</a:t>
             </a:r>
             <a:r>
               <a:rPr lang="en-NZ" baseline="0" dirty="0" smtClean="0"/>
-              <a:t> – still used within the industry</a:t>
+              <a:t> the code lives on a server and everything lives in one place. Developers need special permissions to be able to add code to the repository</a:t>
             </a:r>
           </a:p>
           <a:p>
@@ -1998,39 +2059,16 @@
             </a:pPr>
             <a:r>
               <a:rPr lang="en-NZ" baseline="0" dirty="0" smtClean="0"/>
-              <a:t>Centralised means that the code lives on a server – everything lives in one place</a:t>
-            </a:r>
-          </a:p>
-          <a:p>
-            <a:pPr marL="171450" indent="-171450">
-              <a:buFont typeface="Arial" panose="020B0604020202020204" pitchFamily="34" charset="0"/>
-              <a:buChar char="•"/>
-            </a:pPr>
+              <a:t>Distributed VCS </a:t>
+            </a:r>
+            <a:r>
+              <a:rPr lang="mr-IN" baseline="0" dirty="0" smtClean="0"/>
+              <a:t>–</a:t>
+            </a:r>
             <a:r>
               <a:rPr lang="en-NZ" baseline="0" dirty="0" smtClean="0"/>
-              <a:t>Developers need special permissions to be able to add code to the repository</a:t>
-            </a:r>
-          </a:p>
-          <a:p>
-            <a:pPr marL="171450" indent="-171450">
-              <a:buFont typeface="Arial" panose="020B0604020202020204" pitchFamily="34" charset="0"/>
-              <a:buChar char="•"/>
-            </a:pPr>
-            <a:r>
-              <a:rPr lang="en-NZ" baseline="0" dirty="0" smtClean="0"/>
-              <a:t>Distributed – you get your own repository when you clone the project</a:t>
-            </a:r>
-          </a:p>
-          <a:p>
-            <a:pPr marL="171450" indent="-171450">
-              <a:buFont typeface="Arial" panose="020B0604020202020204" pitchFamily="34" charset="0"/>
-              <a:buChar char="•"/>
-            </a:pPr>
-            <a:r>
-              <a:rPr lang="en-NZ" baseline="0" dirty="0" smtClean="0"/>
-              <a:t>You can work and add code to the repository even when offline, since the repository lives on your computer locally</a:t>
-            </a:r>
-            <a:endParaRPr lang="en-NZ" dirty="0"/>
+              <a:t> you get your own repository when you clone a project. You can work on and add code to the repository even when you are offline, since we have access to a local copy</a:t>
+            </a:r>
           </a:p>
         </p:txBody>
       </p:sp>
@@ -2230,8 +2268,13 @@
             </a:pPr>
             <a:r>
               <a:rPr lang="en-NZ" baseline="0" dirty="0" smtClean="0"/>
-              <a:t>On the left-hand side on your homepage there is a bright green button called “New”</a:t>
-            </a:r>
+              <a:t>On the left-hand side on your </a:t>
+            </a:r>
+            <a:r>
+              <a:rPr lang="en-NZ" baseline="0" dirty="0" smtClean="0"/>
+              <a:t>homepage there is a button called “New”. Click on this to create a new repository</a:t>
+            </a:r>
+            <a:endParaRPr lang="en-NZ" baseline="0" dirty="0" smtClean="0"/>
           </a:p>
           <a:p>
             <a:pPr marL="171450" indent="-171450">
@@ -2240,8 +2283,9 @@
             </a:pPr>
             <a:r>
               <a:rPr lang="en-NZ" baseline="0" dirty="0" smtClean="0"/>
-              <a:t>Click on the button and you will be redirected to this page</a:t>
-            </a:r>
+              <a:t>You will be redirect to this page</a:t>
+            </a:r>
+            <a:endParaRPr lang="en-NZ" baseline="0" dirty="0" smtClean="0"/>
           </a:p>
           <a:p>
             <a:pPr marL="171450" indent="-171450">
@@ -2548,7 +2592,7 @@
             </a:r>
             <a:r>
               <a:rPr lang="en-NZ" baseline="0" dirty="0" smtClean="0"/>
-              <a:t> to go through the concepts of branches, but we are currently on the master branch (default)</a:t>
+              <a:t> to go through the concept of branches, but we are currently on the master branch (default)</a:t>
             </a:r>
             <a:endParaRPr lang="en-NZ" dirty="0" smtClean="0"/>
           </a:p>
@@ -2573,7 +2617,7 @@
             </a:r>
             <a:r>
               <a:rPr lang="en-NZ" b="0" baseline="0" dirty="0" smtClean="0"/>
-              <a:t> two files called test-1.txt and test-2.txt – in Linux we use the </a:t>
+              <a:t> two files called test-1.txt and test-2.txt – in Linux, we use the </a:t>
             </a:r>
             <a:r>
               <a:rPr lang="en-NZ" b="1" i="1" baseline="0" dirty="0" smtClean="0"/>
@@ -2581,8 +2625,13 @@
             </a:r>
             <a:r>
               <a:rPr lang="en-NZ" b="0" baseline="0" dirty="0" smtClean="0"/>
-              <a:t> command. Of course, you can manually do this</a:t>
-            </a:r>
+              <a:t> command. </a:t>
+            </a:r>
+            <a:r>
+              <a:rPr lang="en-NZ" b="0" baseline="0" dirty="0" smtClean="0"/>
+              <a:t>You can also do this manually </a:t>
+            </a:r>
+            <a:endParaRPr lang="en-NZ" b="0" baseline="0" dirty="0" smtClean="0"/>
           </a:p>
           <a:p>
             <a:pPr marL="171450" indent="-171450">
@@ -2591,7 +2640,15 @@
             </a:pPr>
             <a:r>
               <a:rPr lang="en-NZ" b="0" baseline="0" dirty="0" smtClean="0"/>
-              <a:t>Create an empty directory call sub-app – don’t put any files in here</a:t>
+              <a:t>Create an empty directory call </a:t>
+            </a:r>
+            <a:r>
+              <a:rPr lang="en-NZ" b="0" baseline="0" dirty="0" smtClean="0"/>
+              <a:t>sub-app, but </a:t>
+            </a:r>
+            <a:r>
+              <a:rPr lang="en-NZ" b="0" baseline="0" dirty="0" smtClean="0"/>
+              <a:t>don’t put any files in here</a:t>
             </a:r>
             <a:endParaRPr lang="en-NZ" b="0" dirty="0"/>
           </a:p>
@@ -2705,7 +2762,15 @@
             </a:r>
             <a:r>
               <a:rPr lang="en-NZ" b="0" baseline="0" dirty="0" smtClean="0"/>
-              <a:t>, we are add this file to the staging area ready for committing</a:t>
+              <a:t>, we are adding this </a:t>
+            </a:r>
+            <a:r>
+              <a:rPr lang="en-NZ" b="0" baseline="0" dirty="0" smtClean="0"/>
+              <a:t>file </a:t>
+            </a:r>
+            <a:r>
+              <a:rPr lang="en-NZ" b="0" baseline="0" dirty="0" smtClean="0"/>
+              <a:t>to the staging area ready for committing</a:t>
             </a:r>
           </a:p>
           <a:p>
@@ -2715,7 +2780,7 @@
             </a:pPr>
             <a:r>
               <a:rPr lang="en-NZ" b="0" baseline="0" dirty="0" smtClean="0"/>
-              <a:t>We can of course remove this file if we don’t want to commit it – type </a:t>
+              <a:t>We can remove this file if we don’t want to commit it – type </a:t>
             </a:r>
             <a:r>
               <a:rPr lang="en-NZ" b="1" i="1" baseline="0" dirty="0" smtClean="0"/>
@@ -2727,37 +2792,13 @@
             </a:r>
             <a:r>
               <a:rPr lang="en-NZ" b="1" i="1" baseline="0" dirty="0" smtClean="0"/>
-              <a:t> –cached &lt;file&gt;</a:t>
-            </a:r>
-          </a:p>
-          <a:p>
-            <a:pPr marL="171450" indent="-171450">
-              <a:buFont typeface="Arial" panose="020B0604020202020204" pitchFamily="34" charset="0"/>
-              <a:buChar char="•"/>
-            </a:pPr>
-            <a:r>
-              <a:rPr lang="en-NZ" b="0" baseline="0" dirty="0" smtClean="0"/>
-              <a:t>The best thing about Git is the messages – </a:t>
+              <a:t> –cached &lt;file</a:t>
             </a:r>
             <a:r>
               <a:rPr lang="en-NZ" b="1" i="1" baseline="0" dirty="0" smtClean="0"/>
-              <a:t>git status </a:t>
-            </a:r>
-            <a:r>
-              <a:rPr lang="en-NZ" b="0" baseline="0" dirty="0" smtClean="0"/>
-              <a:t>is a very handle command</a:t>
-            </a:r>
-          </a:p>
-          <a:p>
-            <a:pPr marL="171450" indent="-171450">
-              <a:buFont typeface="Arial" panose="020B0604020202020204" pitchFamily="34" charset="0"/>
-              <a:buChar char="•"/>
-            </a:pPr>
-            <a:r>
-              <a:rPr lang="en-NZ" b="0" baseline="0" dirty="0" smtClean="0"/>
-              <a:t>No commits yet…</a:t>
-            </a:r>
-            <a:endParaRPr lang="en-NZ" b="1" dirty="0"/>
+              <a:t>&gt;</a:t>
+            </a:r>
+            <a:endParaRPr lang="en-NZ" b="1" i="1" baseline="0" dirty="0" smtClean="0"/>
           </a:p>
         </p:txBody>
       </p:sp>
@@ -2928,7 +2969,7 @@
           <a:p>
             <a:fld id="{340BE638-7E53-8F4C-AF39-E07C0AA6BC33}" type="datetimeFigureOut">
               <a:rPr lang="en-US" smtClean="0"/>
-              <a:t>9/10/2019</a:t>
+              <a:t>9/10/19</a:t>
             </a:fld>
             <a:endParaRPr lang="en-US"/>
           </a:p>
@@ -3098,7 +3139,7 @@
           <a:p>
             <a:fld id="{340BE638-7E53-8F4C-AF39-E07C0AA6BC33}" type="datetimeFigureOut">
               <a:rPr lang="en-US" smtClean="0"/>
-              <a:t>9/10/2019</a:t>
+              <a:t>9/10/19</a:t>
             </a:fld>
             <a:endParaRPr lang="en-US"/>
           </a:p>
@@ -3278,7 +3319,7 @@
           <a:p>
             <a:fld id="{340BE638-7E53-8F4C-AF39-E07C0AA6BC33}" type="datetimeFigureOut">
               <a:rPr lang="en-US" smtClean="0"/>
-              <a:t>9/10/2019</a:t>
+              <a:t>9/10/19</a:t>
             </a:fld>
             <a:endParaRPr lang="en-US"/>
           </a:p>
@@ -3448,7 +3489,7 @@
           <a:p>
             <a:fld id="{340BE638-7E53-8F4C-AF39-E07C0AA6BC33}" type="datetimeFigureOut">
               <a:rPr lang="en-US" smtClean="0"/>
-              <a:t>9/10/2019</a:t>
+              <a:t>9/10/19</a:t>
             </a:fld>
             <a:endParaRPr lang="en-US"/>
           </a:p>
@@ -3694,7 +3735,7 @@
           <a:p>
             <a:fld id="{340BE638-7E53-8F4C-AF39-E07C0AA6BC33}" type="datetimeFigureOut">
               <a:rPr lang="en-US" smtClean="0"/>
-              <a:t>9/10/2019</a:t>
+              <a:t>9/10/19</a:t>
             </a:fld>
             <a:endParaRPr lang="en-US"/>
           </a:p>
@@ -3926,7 +3967,7 @@
           <a:p>
             <a:fld id="{340BE638-7E53-8F4C-AF39-E07C0AA6BC33}" type="datetimeFigureOut">
               <a:rPr lang="en-US" smtClean="0"/>
-              <a:t>9/10/2019</a:t>
+              <a:t>9/10/19</a:t>
             </a:fld>
             <a:endParaRPr lang="en-US"/>
           </a:p>
@@ -4293,7 +4334,7 @@
           <a:p>
             <a:fld id="{340BE638-7E53-8F4C-AF39-E07C0AA6BC33}" type="datetimeFigureOut">
               <a:rPr lang="en-US" smtClean="0"/>
-              <a:t>9/10/2019</a:t>
+              <a:t>9/10/19</a:t>
             </a:fld>
             <a:endParaRPr lang="en-US"/>
           </a:p>
@@ -4411,7 +4452,7 @@
           <a:p>
             <a:fld id="{340BE638-7E53-8F4C-AF39-E07C0AA6BC33}" type="datetimeFigureOut">
               <a:rPr lang="en-US" smtClean="0"/>
-              <a:t>9/10/2019</a:t>
+              <a:t>9/10/19</a:t>
             </a:fld>
             <a:endParaRPr lang="en-US"/>
           </a:p>
@@ -4506,7 +4547,7 @@
           <a:p>
             <a:fld id="{340BE638-7E53-8F4C-AF39-E07C0AA6BC33}" type="datetimeFigureOut">
               <a:rPr lang="en-US" smtClean="0"/>
-              <a:t>9/10/2019</a:t>
+              <a:t>9/10/19</a:t>
             </a:fld>
             <a:endParaRPr lang="en-US"/>
           </a:p>
@@ -4783,7 +4824,7 @@
           <a:p>
             <a:fld id="{340BE638-7E53-8F4C-AF39-E07C0AA6BC33}" type="datetimeFigureOut">
               <a:rPr lang="en-US" smtClean="0"/>
-              <a:t>9/10/2019</a:t>
+              <a:t>9/10/19</a:t>
             </a:fld>
             <a:endParaRPr lang="en-US"/>
           </a:p>
@@ -5036,7 +5077,7 @@
           <a:p>
             <a:fld id="{340BE638-7E53-8F4C-AF39-E07C0AA6BC33}" type="datetimeFigureOut">
               <a:rPr lang="en-US" smtClean="0"/>
-              <a:t>9/10/2019</a:t>
+              <a:t>9/10/19</a:t>
             </a:fld>
             <a:endParaRPr lang="en-US"/>
           </a:p>
@@ -5249,7 +5290,7 @@
           <a:p>
             <a:fld id="{340BE638-7E53-8F4C-AF39-E07C0AA6BC33}" type="datetimeFigureOut">
               <a:rPr lang="en-US" smtClean="0"/>
-              <a:t>9/10/2019</a:t>
+              <a:t>9/10/19</a:t>
             </a:fld>
             <a:endParaRPr lang="en-US"/>
           </a:p>
@@ -6374,14 +6415,14 @@
                 <a:gridCol w="4064000">
                   <a:extLst>
                     <a:ext uri="{9D8B030D-6E8A-4147-A177-3AD203B41FA5}">
-                      <a16:colId xmlns:a16="http://schemas.microsoft.com/office/drawing/2014/main" val="3306683555"/>
+                      <a16:colId xmlns="" xmlns:a16="http://schemas.microsoft.com/office/drawing/2014/main" val="3306683555"/>
                     </a:ext>
                   </a:extLst>
                 </a:gridCol>
                 <a:gridCol w="4064000">
                   <a:extLst>
                     <a:ext uri="{9D8B030D-6E8A-4147-A177-3AD203B41FA5}">
-                      <a16:colId xmlns:a16="http://schemas.microsoft.com/office/drawing/2014/main" val="3122824698"/>
+                      <a16:colId xmlns="" xmlns:a16="http://schemas.microsoft.com/office/drawing/2014/main" val="3122824698"/>
                     </a:ext>
                   </a:extLst>
                 </a:gridCol>
@@ -6419,7 +6460,7 @@
                 </a:tc>
                 <a:extLst>
                   <a:ext uri="{0D108BD9-81ED-4DB2-BD59-A6C34878D82A}">
-                    <a16:rowId xmlns:a16="http://schemas.microsoft.com/office/drawing/2014/main" val="1535492939"/>
+                    <a16:rowId xmlns="" xmlns:a16="http://schemas.microsoft.com/office/drawing/2014/main" val="1535492939"/>
                   </a:ext>
                 </a:extLst>
               </a:tr>
@@ -6456,7 +6497,7 @@
                 </a:tc>
                 <a:extLst>
                   <a:ext uri="{0D108BD9-81ED-4DB2-BD59-A6C34878D82A}">
-                    <a16:rowId xmlns:a16="http://schemas.microsoft.com/office/drawing/2014/main" val="2894951384"/>
+                    <a16:rowId xmlns="" xmlns:a16="http://schemas.microsoft.com/office/drawing/2014/main" val="2894951384"/>
                   </a:ext>
                 </a:extLst>
               </a:tr>
@@ -6513,7 +6554,7 @@
                 </a:tc>
                 <a:extLst>
                   <a:ext uri="{0D108BD9-81ED-4DB2-BD59-A6C34878D82A}">
-                    <a16:rowId xmlns:a16="http://schemas.microsoft.com/office/drawing/2014/main" val="1160171538"/>
+                    <a16:rowId xmlns="" xmlns:a16="http://schemas.microsoft.com/office/drawing/2014/main" val="1160171538"/>
                   </a:ext>
                 </a:extLst>
               </a:tr>
@@ -6554,7 +6595,7 @@
                 </a:tc>
                 <a:extLst>
                   <a:ext uri="{0D108BD9-81ED-4DB2-BD59-A6C34878D82A}">
-                    <a16:rowId xmlns:a16="http://schemas.microsoft.com/office/drawing/2014/main" val="1841383775"/>
+                    <a16:rowId xmlns="" xmlns:a16="http://schemas.microsoft.com/office/drawing/2014/main" val="1841383775"/>
                   </a:ext>
                 </a:extLst>
               </a:tr>
@@ -6595,7 +6636,7 @@
                 </a:tc>
                 <a:extLst>
                   <a:ext uri="{0D108BD9-81ED-4DB2-BD59-A6C34878D82A}">
-                    <a16:rowId xmlns:a16="http://schemas.microsoft.com/office/drawing/2014/main" val="3026743774"/>
+                    <a16:rowId xmlns="" xmlns:a16="http://schemas.microsoft.com/office/drawing/2014/main" val="3026743774"/>
                   </a:ext>
                 </a:extLst>
               </a:tr>
@@ -9419,14 +9460,14 @@
                 <a:gridCol w="4064000">
                   <a:extLst>
                     <a:ext uri="{9D8B030D-6E8A-4147-A177-3AD203B41FA5}">
-                      <a16:colId xmlns:a16="http://schemas.microsoft.com/office/drawing/2014/main" val="20000"/>
+                      <a16:colId xmlns="" xmlns:a16="http://schemas.microsoft.com/office/drawing/2014/main" val="20000"/>
                     </a:ext>
                   </a:extLst>
                 </a:gridCol>
                 <a:gridCol w="4064000">
                   <a:extLst>
                     <a:ext uri="{9D8B030D-6E8A-4147-A177-3AD203B41FA5}">
-                      <a16:colId xmlns:a16="http://schemas.microsoft.com/office/drawing/2014/main" val="20001"/>
+                      <a16:colId xmlns="" xmlns:a16="http://schemas.microsoft.com/office/drawing/2014/main" val="20001"/>
                     </a:ext>
                   </a:extLst>
                 </a:gridCol>
@@ -9464,7 +9505,7 @@
                 </a:tc>
                 <a:extLst>
                   <a:ext uri="{0D108BD9-81ED-4DB2-BD59-A6C34878D82A}">
-                    <a16:rowId xmlns:a16="http://schemas.microsoft.com/office/drawing/2014/main" val="10000"/>
+                    <a16:rowId xmlns="" xmlns:a16="http://schemas.microsoft.com/office/drawing/2014/main" val="10000"/>
                   </a:ext>
                 </a:extLst>
               </a:tr>
@@ -9509,7 +9550,7 @@
                 </a:tc>
                 <a:extLst>
                   <a:ext uri="{0D108BD9-81ED-4DB2-BD59-A6C34878D82A}">
-                    <a16:rowId xmlns:a16="http://schemas.microsoft.com/office/drawing/2014/main" val="10001"/>
+                    <a16:rowId xmlns="" xmlns:a16="http://schemas.microsoft.com/office/drawing/2014/main" val="10001"/>
                   </a:ext>
                 </a:extLst>
               </a:tr>
@@ -9546,7 +9587,7 @@
                 </a:tc>
                 <a:extLst>
                   <a:ext uri="{0D108BD9-81ED-4DB2-BD59-A6C34878D82A}">
-                    <a16:rowId xmlns:a16="http://schemas.microsoft.com/office/drawing/2014/main" val="10002"/>
+                    <a16:rowId xmlns="" xmlns:a16="http://schemas.microsoft.com/office/drawing/2014/main" val="10002"/>
                   </a:ext>
                 </a:extLst>
               </a:tr>
@@ -9587,7 +9628,7 @@
                 </a:tc>
                 <a:extLst>
                   <a:ext uri="{0D108BD9-81ED-4DB2-BD59-A6C34878D82A}">
-                    <a16:rowId xmlns:a16="http://schemas.microsoft.com/office/drawing/2014/main" val="10003"/>
+                    <a16:rowId xmlns="" xmlns:a16="http://schemas.microsoft.com/office/drawing/2014/main" val="10003"/>
                   </a:ext>
                 </a:extLst>
               </a:tr>
@@ -9624,7 +9665,7 @@
                 </a:tc>
                 <a:extLst>
                   <a:ext uri="{0D108BD9-81ED-4DB2-BD59-A6C34878D82A}">
-                    <a16:rowId xmlns:a16="http://schemas.microsoft.com/office/drawing/2014/main" val="10004"/>
+                    <a16:rowId xmlns="" xmlns:a16="http://schemas.microsoft.com/office/drawing/2014/main" val="10004"/>
                   </a:ext>
                 </a:extLst>
               </a:tr>
@@ -9665,7 +9706,7 @@
                 </a:tc>
                 <a:extLst>
                   <a:ext uri="{0D108BD9-81ED-4DB2-BD59-A6C34878D82A}">
-                    <a16:rowId xmlns:a16="http://schemas.microsoft.com/office/drawing/2014/main" val="10005"/>
+                    <a16:rowId xmlns="" xmlns:a16="http://schemas.microsoft.com/office/drawing/2014/main" val="10005"/>
                   </a:ext>
                 </a:extLst>
               </a:tr>
@@ -9702,7 +9743,7 @@
                 </a:tc>
                 <a:extLst>
                   <a:ext uri="{0D108BD9-81ED-4DB2-BD59-A6C34878D82A}">
-                    <a16:rowId xmlns:a16="http://schemas.microsoft.com/office/drawing/2014/main" val="10006"/>
+                    <a16:rowId xmlns="" xmlns:a16="http://schemas.microsoft.com/office/drawing/2014/main" val="10006"/>
                   </a:ext>
                 </a:extLst>
               </a:tr>
@@ -9739,7 +9780,7 @@
                 </a:tc>
                 <a:extLst>
                   <a:ext uri="{0D108BD9-81ED-4DB2-BD59-A6C34878D82A}">
-                    <a16:rowId xmlns:a16="http://schemas.microsoft.com/office/drawing/2014/main" val="10007"/>
+                    <a16:rowId xmlns="" xmlns:a16="http://schemas.microsoft.com/office/drawing/2014/main" val="10007"/>
                   </a:ext>
                 </a:extLst>
               </a:tr>
